--- a/pitch_deck.pptx
+++ b/pitch_deck.pptx
@@ -1,14 +1,24 @@
 
 <file path=ppt/presentation.xml><?xml version="1.0" encoding="utf-8"?>
-<p:presentation xmlns:a="http://schemas.openxmlformats.org/drawingml/2006/main" xmlns:r="http://schemas.openxmlformats.org/officeDocument/2006/relationships" xmlns:p="http://schemas.openxmlformats.org/presentationml/2006/main" saveSubsetFonts="1">
+<p:presentation xmlns:a="http://schemas.openxmlformats.org/drawingml/2006/main" xmlns:r="http://schemas.openxmlformats.org/officeDocument/2006/relationships" xmlns:p="http://schemas.openxmlformats.org/presentationml/2006/main">
   <p:sldMasterIdLst>
-    <p:sldMasterId id="2147483648" r:id="rId1"/>
+    <p:sldMasterId id="2147483698" r:id="rId1"/>
   </p:sldMasterIdLst>
+  <p:notesMasterIdLst>
+    <p:notesMasterId r:id="rId10"/>
+  </p:notesMasterIdLst>
   <p:sldIdLst>
     <p:sldId id="256" r:id="rId2"/>
+    <p:sldId id="272" r:id="rId3"/>
+    <p:sldId id="274" r:id="rId4"/>
+    <p:sldId id="276" r:id="rId5"/>
+    <p:sldId id="273" r:id="rId6"/>
+    <p:sldId id="275" r:id="rId7"/>
+    <p:sldId id="270" r:id="rId8"/>
+    <p:sldId id="271" r:id="rId9"/>
   </p:sldIdLst>
-  <p:sldSz cx="12192000" cy="6858000"/>
-  <p:notesSz cx="6858000" cy="9144000"/>
+  <p:sldSz cx="10080625" cy="5670550"/>
+  <p:notesSz cx="7772400" cy="10058400"/>
   <p:defaultTextStyle>
     <a:defPPr>
       <a:defRPr lang="en-US"/>
@@ -104,7 +114,446 @@
       </a:defRPr>
     </a:lvl9pPr>
   </p:defaultTextStyle>
+  <p:extLst>
+    <p:ext uri="{EFAFB233-063F-42B5-8137-9DF3F51BA10A}">
+      <p15:sldGuideLst xmlns:p15="http://schemas.microsoft.com/office/powerpoint/2012/main"/>
+    </p:ext>
+  </p:extLst>
 </p:presentation>
+</file>
+
+<file path=ppt/notesMasters/notesMaster1.xml><?xml version="1.0" encoding="utf-8"?>
+<p:notesMaster xmlns:a="http://schemas.openxmlformats.org/drawingml/2006/main" xmlns:r="http://schemas.openxmlformats.org/officeDocument/2006/relationships" xmlns:p="http://schemas.openxmlformats.org/presentationml/2006/main">
+  <p:cSld>
+    <p:bg>
+      <p:bgRef idx="1001">
+        <a:schemeClr val="bg1"/>
+      </p:bgRef>
+    </p:bg>
+    <p:spTree>
+      <p:nvGrpSpPr>
+        <p:cNvPr id="1" name=""/>
+        <p:cNvGrpSpPr/>
+        <p:nvPr/>
+      </p:nvGrpSpPr>
+      <p:grpSpPr>
+        <a:xfrm>
+          <a:off x="0" y="0"/>
+          <a:ext cx="0" cy="0"/>
+          <a:chOff x="0" y="0"/>
+          <a:chExt cx="0" cy="0"/>
+        </a:xfrm>
+      </p:grpSpPr>
+      <p:sp>
+        <p:nvSpPr>
+          <p:cNvPr id="2" name="Header Placeholder 1"/>
+          <p:cNvSpPr>
+            <a:spLocks noGrp="1"/>
+          </p:cNvSpPr>
+          <p:nvPr>
+            <p:ph type="hdr" sz="quarter"/>
+          </p:nvPr>
+        </p:nvSpPr>
+        <p:spPr>
+          <a:xfrm>
+            <a:off x="0" y="0"/>
+            <a:ext cx="3368675" cy="504825"/>
+          </a:xfrm>
+          <a:prstGeom prst="rect">
+            <a:avLst/>
+          </a:prstGeom>
+        </p:spPr>
+        <p:txBody>
+          <a:bodyPr vert="horz" lIns="91440" tIns="45720" rIns="91440" bIns="45720" rtlCol="0"/>
+          <a:lstStyle>
+            <a:lvl1pPr algn="l">
+              <a:defRPr sz="1200"/>
+            </a:lvl1pPr>
+          </a:lstStyle>
+          <a:p>
+            <a:endParaRPr lang="en-AU"/>
+          </a:p>
+        </p:txBody>
+      </p:sp>
+      <p:sp>
+        <p:nvSpPr>
+          <p:cNvPr id="3" name="Date Placeholder 2"/>
+          <p:cNvSpPr>
+            <a:spLocks noGrp="1"/>
+          </p:cNvSpPr>
+          <p:nvPr>
+            <p:ph type="dt" idx="1"/>
+          </p:nvPr>
+        </p:nvSpPr>
+        <p:spPr>
+          <a:xfrm>
+            <a:off x="4402138" y="0"/>
+            <a:ext cx="3368675" cy="504825"/>
+          </a:xfrm>
+          <a:prstGeom prst="rect">
+            <a:avLst/>
+          </a:prstGeom>
+        </p:spPr>
+        <p:txBody>
+          <a:bodyPr vert="horz" lIns="91440" tIns="45720" rIns="91440" bIns="45720" rtlCol="0"/>
+          <a:lstStyle>
+            <a:lvl1pPr algn="r">
+              <a:defRPr sz="1200"/>
+            </a:lvl1pPr>
+          </a:lstStyle>
+          <a:p>
+            <a:fld id="{E41139F2-A9AA-47C1-A8F0-E7E278020BD9}" type="datetimeFigureOut">
+              <a:rPr lang="en-AU" smtClean="0"/>
+              <a:t>30/11/2021</a:t>
+            </a:fld>
+            <a:endParaRPr lang="en-AU"/>
+          </a:p>
+        </p:txBody>
+      </p:sp>
+      <p:sp>
+        <p:nvSpPr>
+          <p:cNvPr id="4" name="Slide Image Placeholder 3"/>
+          <p:cNvSpPr>
+            <a:spLocks noGrp="1" noRot="1" noChangeAspect="1"/>
+          </p:cNvSpPr>
+          <p:nvPr>
+            <p:ph type="sldImg" idx="2"/>
+          </p:nvPr>
+        </p:nvSpPr>
+        <p:spPr>
+          <a:xfrm>
+            <a:off x="869950" y="1257300"/>
+            <a:ext cx="6032500" cy="3394075"/>
+          </a:xfrm>
+          <a:prstGeom prst="rect">
+            <a:avLst/>
+          </a:prstGeom>
+          <a:noFill/>
+          <a:ln w="12700">
+            <a:solidFill>
+              <a:prstClr val="black"/>
+            </a:solidFill>
+          </a:ln>
+        </p:spPr>
+        <p:txBody>
+          <a:bodyPr vert="horz" lIns="91440" tIns="45720" rIns="91440" bIns="45720" rtlCol="0" anchor="ctr"/>
+          <a:lstStyle/>
+          <a:p>
+            <a:endParaRPr lang="en-AU"/>
+          </a:p>
+        </p:txBody>
+      </p:sp>
+      <p:sp>
+        <p:nvSpPr>
+          <p:cNvPr id="5" name="Notes Placeholder 4"/>
+          <p:cNvSpPr>
+            <a:spLocks noGrp="1"/>
+          </p:cNvSpPr>
+          <p:nvPr>
+            <p:ph type="body" sz="quarter" idx="3"/>
+          </p:nvPr>
+        </p:nvSpPr>
+        <p:spPr>
+          <a:xfrm>
+            <a:off x="777875" y="4840288"/>
+            <a:ext cx="6216650" cy="3960812"/>
+          </a:xfrm>
+          <a:prstGeom prst="rect">
+            <a:avLst/>
+          </a:prstGeom>
+        </p:spPr>
+        <p:txBody>
+          <a:bodyPr vert="horz" lIns="91440" tIns="45720" rIns="91440" bIns="45720" rtlCol="0"/>
+          <a:lstStyle/>
+          <a:p>
+            <a:pPr lvl="0"/>
+            <a:r>
+              <a:rPr lang="en-US"/>
+              <a:t>Click to edit Master text styles</a:t>
+            </a:r>
+          </a:p>
+          <a:p>
+            <a:pPr lvl="1"/>
+            <a:r>
+              <a:rPr lang="en-US"/>
+              <a:t>Second level</a:t>
+            </a:r>
+          </a:p>
+          <a:p>
+            <a:pPr lvl="2"/>
+            <a:r>
+              <a:rPr lang="en-US"/>
+              <a:t>Third level</a:t>
+            </a:r>
+          </a:p>
+          <a:p>
+            <a:pPr lvl="3"/>
+            <a:r>
+              <a:rPr lang="en-US"/>
+              <a:t>Fourth level</a:t>
+            </a:r>
+          </a:p>
+          <a:p>
+            <a:pPr lvl="4"/>
+            <a:r>
+              <a:rPr lang="en-US"/>
+              <a:t>Fifth level</a:t>
+            </a:r>
+            <a:endParaRPr lang="en-AU"/>
+          </a:p>
+        </p:txBody>
+      </p:sp>
+      <p:sp>
+        <p:nvSpPr>
+          <p:cNvPr id="6" name="Footer Placeholder 5"/>
+          <p:cNvSpPr>
+            <a:spLocks noGrp="1"/>
+          </p:cNvSpPr>
+          <p:nvPr>
+            <p:ph type="ftr" sz="quarter" idx="4"/>
+          </p:nvPr>
+        </p:nvSpPr>
+        <p:spPr>
+          <a:xfrm>
+            <a:off x="0" y="9553575"/>
+            <a:ext cx="3368675" cy="504825"/>
+          </a:xfrm>
+          <a:prstGeom prst="rect">
+            <a:avLst/>
+          </a:prstGeom>
+        </p:spPr>
+        <p:txBody>
+          <a:bodyPr vert="horz" lIns="91440" tIns="45720" rIns="91440" bIns="45720" rtlCol="0" anchor="b"/>
+          <a:lstStyle>
+            <a:lvl1pPr algn="l">
+              <a:defRPr sz="1200"/>
+            </a:lvl1pPr>
+          </a:lstStyle>
+          <a:p>
+            <a:endParaRPr lang="en-AU"/>
+          </a:p>
+        </p:txBody>
+      </p:sp>
+      <p:sp>
+        <p:nvSpPr>
+          <p:cNvPr id="7" name="Slide Number Placeholder 6"/>
+          <p:cNvSpPr>
+            <a:spLocks noGrp="1"/>
+          </p:cNvSpPr>
+          <p:nvPr>
+            <p:ph type="sldNum" sz="quarter" idx="5"/>
+          </p:nvPr>
+        </p:nvSpPr>
+        <p:spPr>
+          <a:xfrm>
+            <a:off x="4402138" y="9553575"/>
+            <a:ext cx="3368675" cy="504825"/>
+          </a:xfrm>
+          <a:prstGeom prst="rect">
+            <a:avLst/>
+          </a:prstGeom>
+        </p:spPr>
+        <p:txBody>
+          <a:bodyPr vert="horz" lIns="91440" tIns="45720" rIns="91440" bIns="45720" rtlCol="0" anchor="b"/>
+          <a:lstStyle>
+            <a:lvl1pPr algn="r">
+              <a:defRPr sz="1200"/>
+            </a:lvl1pPr>
+          </a:lstStyle>
+          <a:p>
+            <a:fld id="{42E5E319-E9AD-48DB-A5B6-3745FA18DCB9}" type="slidenum">
+              <a:rPr lang="en-AU" smtClean="0"/>
+              <a:t>‹#›</a:t>
+            </a:fld>
+            <a:endParaRPr lang="en-AU"/>
+          </a:p>
+        </p:txBody>
+      </p:sp>
+    </p:spTree>
+    <p:extLst>
+      <p:ext uri="{BB962C8B-B14F-4D97-AF65-F5344CB8AC3E}">
+        <p14:creationId xmlns:p14="http://schemas.microsoft.com/office/powerpoint/2010/main" val="3185188088"/>
+      </p:ext>
+    </p:extLst>
+  </p:cSld>
+  <p:clrMap bg1="lt1" tx1="dk1" bg2="lt2" tx2="dk2" accent1="accent1" accent2="accent2" accent3="accent3" accent4="accent4" accent5="accent5" accent6="accent6" hlink="hlink" folHlink="folHlink"/>
+  <p:notesStyle>
+    <a:lvl1pPr marL="0" algn="l" defTabSz="914400" rtl="0" eaLnBrk="1" latinLnBrk="0" hangingPunct="1">
+      <a:defRPr sz="1200" kern="1200">
+        <a:solidFill>
+          <a:schemeClr val="tx1"/>
+        </a:solidFill>
+        <a:latin typeface="+mn-lt"/>
+        <a:ea typeface="+mn-ea"/>
+        <a:cs typeface="+mn-cs"/>
+      </a:defRPr>
+    </a:lvl1pPr>
+    <a:lvl2pPr marL="457200" algn="l" defTabSz="914400" rtl="0" eaLnBrk="1" latinLnBrk="0" hangingPunct="1">
+      <a:defRPr sz="1200" kern="1200">
+        <a:solidFill>
+          <a:schemeClr val="tx1"/>
+        </a:solidFill>
+        <a:latin typeface="+mn-lt"/>
+        <a:ea typeface="+mn-ea"/>
+        <a:cs typeface="+mn-cs"/>
+      </a:defRPr>
+    </a:lvl2pPr>
+    <a:lvl3pPr marL="914400" algn="l" defTabSz="914400" rtl="0" eaLnBrk="1" latinLnBrk="0" hangingPunct="1">
+      <a:defRPr sz="1200" kern="1200">
+        <a:solidFill>
+          <a:schemeClr val="tx1"/>
+        </a:solidFill>
+        <a:latin typeface="+mn-lt"/>
+        <a:ea typeface="+mn-ea"/>
+        <a:cs typeface="+mn-cs"/>
+      </a:defRPr>
+    </a:lvl3pPr>
+    <a:lvl4pPr marL="1371600" algn="l" defTabSz="914400" rtl="0" eaLnBrk="1" latinLnBrk="0" hangingPunct="1">
+      <a:defRPr sz="1200" kern="1200">
+        <a:solidFill>
+          <a:schemeClr val="tx1"/>
+        </a:solidFill>
+        <a:latin typeface="+mn-lt"/>
+        <a:ea typeface="+mn-ea"/>
+        <a:cs typeface="+mn-cs"/>
+      </a:defRPr>
+    </a:lvl4pPr>
+    <a:lvl5pPr marL="1828800" algn="l" defTabSz="914400" rtl="0" eaLnBrk="1" latinLnBrk="0" hangingPunct="1">
+      <a:defRPr sz="1200" kern="1200">
+        <a:solidFill>
+          <a:schemeClr val="tx1"/>
+        </a:solidFill>
+        <a:latin typeface="+mn-lt"/>
+        <a:ea typeface="+mn-ea"/>
+        <a:cs typeface="+mn-cs"/>
+      </a:defRPr>
+    </a:lvl5pPr>
+    <a:lvl6pPr marL="2286000" algn="l" defTabSz="914400" rtl="0" eaLnBrk="1" latinLnBrk="0" hangingPunct="1">
+      <a:defRPr sz="1200" kern="1200">
+        <a:solidFill>
+          <a:schemeClr val="tx1"/>
+        </a:solidFill>
+        <a:latin typeface="+mn-lt"/>
+        <a:ea typeface="+mn-ea"/>
+        <a:cs typeface="+mn-cs"/>
+      </a:defRPr>
+    </a:lvl6pPr>
+    <a:lvl7pPr marL="2743200" algn="l" defTabSz="914400" rtl="0" eaLnBrk="1" latinLnBrk="0" hangingPunct="1">
+      <a:defRPr sz="1200" kern="1200">
+        <a:solidFill>
+          <a:schemeClr val="tx1"/>
+        </a:solidFill>
+        <a:latin typeface="+mn-lt"/>
+        <a:ea typeface="+mn-ea"/>
+        <a:cs typeface="+mn-cs"/>
+      </a:defRPr>
+    </a:lvl7pPr>
+    <a:lvl8pPr marL="3200400" algn="l" defTabSz="914400" rtl="0" eaLnBrk="1" latinLnBrk="0" hangingPunct="1">
+      <a:defRPr sz="1200" kern="1200">
+        <a:solidFill>
+          <a:schemeClr val="tx1"/>
+        </a:solidFill>
+        <a:latin typeface="+mn-lt"/>
+        <a:ea typeface="+mn-ea"/>
+        <a:cs typeface="+mn-cs"/>
+      </a:defRPr>
+    </a:lvl8pPr>
+    <a:lvl9pPr marL="3657600" algn="l" defTabSz="914400" rtl="0" eaLnBrk="1" latinLnBrk="0" hangingPunct="1">
+      <a:defRPr sz="1200" kern="1200">
+        <a:solidFill>
+          <a:schemeClr val="tx1"/>
+        </a:solidFill>
+        <a:latin typeface="+mn-lt"/>
+        <a:ea typeface="+mn-ea"/>
+        <a:cs typeface="+mn-cs"/>
+      </a:defRPr>
+    </a:lvl9pPr>
+  </p:notesStyle>
+</p:notesMaster>
+</file>
+
+<file path=ppt/notesSlides/notesSlide1.xml><?xml version="1.0" encoding="utf-8"?>
+<p:notes xmlns:a="http://schemas.openxmlformats.org/drawingml/2006/main" xmlns:r="http://schemas.openxmlformats.org/officeDocument/2006/relationships" xmlns:p="http://schemas.openxmlformats.org/presentationml/2006/main">
+  <p:cSld>
+    <p:spTree>
+      <p:nvGrpSpPr>
+        <p:cNvPr id="1" name=""/>
+        <p:cNvGrpSpPr/>
+        <p:nvPr/>
+      </p:nvGrpSpPr>
+      <p:grpSpPr>
+        <a:xfrm>
+          <a:off x="0" y="0"/>
+          <a:ext cx="0" cy="0"/>
+          <a:chOff x="0" y="0"/>
+          <a:chExt cx="0" cy="0"/>
+        </a:xfrm>
+      </p:grpSpPr>
+      <p:sp>
+        <p:nvSpPr>
+          <p:cNvPr id="2" name="Slide Image Placeholder 1"/>
+          <p:cNvSpPr>
+            <a:spLocks noGrp="1" noRot="1" noChangeAspect="1"/>
+          </p:cNvSpPr>
+          <p:nvPr>
+            <p:ph type="sldImg"/>
+          </p:nvPr>
+        </p:nvSpPr>
+        <p:spPr/>
+      </p:sp>
+      <p:sp>
+        <p:nvSpPr>
+          <p:cNvPr id="3" name="Notes Placeholder 2"/>
+          <p:cNvSpPr>
+            <a:spLocks noGrp="1"/>
+          </p:cNvSpPr>
+          <p:nvPr>
+            <p:ph type="body" idx="1"/>
+          </p:nvPr>
+        </p:nvSpPr>
+        <p:spPr/>
+        <p:txBody>
+          <a:bodyPr/>
+          <a:lstStyle/>
+          <a:p>
+            <a:endParaRPr lang="en-AU" dirty="0"/>
+          </a:p>
+        </p:txBody>
+      </p:sp>
+      <p:sp>
+        <p:nvSpPr>
+          <p:cNvPr id="4" name="Slide Number Placeholder 3"/>
+          <p:cNvSpPr>
+            <a:spLocks noGrp="1"/>
+          </p:cNvSpPr>
+          <p:nvPr>
+            <p:ph type="sldNum" sz="quarter" idx="5"/>
+          </p:nvPr>
+        </p:nvSpPr>
+        <p:spPr/>
+        <p:txBody>
+          <a:bodyPr/>
+          <a:lstStyle/>
+          <a:p>
+            <a:fld id="{42E5E319-E9AD-48DB-A5B6-3745FA18DCB9}" type="slidenum">
+              <a:rPr lang="en-AU" smtClean="0"/>
+              <a:t>4</a:t>
+            </a:fld>
+            <a:endParaRPr lang="en-AU"/>
+          </a:p>
+        </p:txBody>
+      </p:sp>
+    </p:spTree>
+    <p:extLst>
+      <p:ext uri="{BB962C8B-B14F-4D97-AF65-F5344CB8AC3E}">
+        <p14:creationId xmlns:p14="http://schemas.microsoft.com/office/powerpoint/2010/main" val="1621729933"/>
+      </p:ext>
+    </p:extLst>
+  </p:cSld>
+  <p:clrMapOvr>
+    <a:masterClrMapping/>
+  </p:clrMapOvr>
+</p:notes>
 </file>
 
 <file path=ppt/slideLayouts/slideLayout1.xml><?xml version="1.0" encoding="utf-8"?>
@@ -126,7 +575,13 @@
       </p:grpSpPr>
       <p:sp>
         <p:nvSpPr>
-          <p:cNvPr id="2" name="Title 1"/>
+          <p:cNvPr id="2" name="Title 1">
+            <a:extLst>
+              <a:ext uri="{FF2B5EF4-FFF2-40B4-BE49-F238E27FC236}">
+                <a16:creationId xmlns:a16="http://schemas.microsoft.com/office/drawing/2014/main" id="{413EF9DE-AEF8-4A43-A10C-AF9C056233C8}"/>
+              </a:ext>
+            </a:extLst>
+          </p:cNvPr>
           <p:cNvSpPr>
             <a:spLocks noGrp="1"/>
           </p:cNvSpPr>
@@ -136,20 +591,20 @@
         </p:nvSpPr>
         <p:spPr>
           <a:xfrm>
-            <a:off x="1524000" y="1122363"/>
-            <a:ext cx="9144000" cy="2387600"/>
+            <a:off x="1260078" y="928028"/>
+            <a:ext cx="7560469" cy="1974191"/>
           </a:xfrm>
         </p:spPr>
         <p:txBody>
           <a:bodyPr anchor="b"/>
           <a:lstStyle>
             <a:lvl1pPr algn="ctr">
-              <a:defRPr sz="6000"/>
+              <a:defRPr sz="4961"/>
             </a:lvl1pPr>
           </a:lstStyle>
           <a:p>
             <a:r>
-              <a:rPr lang="en-US" smtClean="0"/>
+              <a:rPr lang="en-US"/>
               <a:t>Click to edit Master title style</a:t>
             </a:r>
             <a:endParaRPr lang="en-AU"/>
@@ -158,7 +613,13 @@
       </p:sp>
       <p:sp>
         <p:nvSpPr>
-          <p:cNvPr id="3" name="Subtitle 2"/>
+          <p:cNvPr id="3" name="Subtitle 2">
+            <a:extLst>
+              <a:ext uri="{FF2B5EF4-FFF2-40B4-BE49-F238E27FC236}">
+                <a16:creationId xmlns:a16="http://schemas.microsoft.com/office/drawing/2014/main" id="{EB2F2160-F179-4ACC-A89E-6C773321CFB3}"/>
+              </a:ext>
+            </a:extLst>
+          </p:cNvPr>
           <p:cNvSpPr>
             <a:spLocks noGrp="1"/>
           </p:cNvSpPr>
@@ -168,8 +629,8 @@
         </p:nvSpPr>
         <p:spPr>
           <a:xfrm>
-            <a:off x="1524000" y="3602038"/>
-            <a:ext cx="9144000" cy="1655762"/>
+            <a:off x="1260078" y="2978352"/>
+            <a:ext cx="7560469" cy="1369070"/>
           </a:xfrm>
         </p:spPr>
         <p:txBody>
@@ -177,44 +638,44 @@
           <a:lstStyle>
             <a:lvl1pPr marL="0" indent="0" algn="ctr">
               <a:buNone/>
-              <a:defRPr sz="2400"/>
+              <a:defRPr sz="1984"/>
             </a:lvl1pPr>
-            <a:lvl2pPr marL="457200" indent="0" algn="ctr">
-              <a:buNone/>
-              <a:defRPr sz="2000"/>
+            <a:lvl2pPr marL="378013" indent="0" algn="ctr">
+              <a:buNone/>
+              <a:defRPr sz="1654"/>
             </a:lvl2pPr>
-            <a:lvl3pPr marL="914400" indent="0" algn="ctr">
-              <a:buNone/>
-              <a:defRPr sz="1800"/>
+            <a:lvl3pPr marL="756026" indent="0" algn="ctr">
+              <a:buNone/>
+              <a:defRPr sz="1488"/>
             </a:lvl3pPr>
-            <a:lvl4pPr marL="1371600" indent="0" algn="ctr">
-              <a:buNone/>
-              <a:defRPr sz="1600"/>
+            <a:lvl4pPr marL="1134039" indent="0" algn="ctr">
+              <a:buNone/>
+              <a:defRPr sz="1323"/>
             </a:lvl4pPr>
-            <a:lvl5pPr marL="1828800" indent="0" algn="ctr">
-              <a:buNone/>
-              <a:defRPr sz="1600"/>
+            <a:lvl5pPr marL="1512052" indent="0" algn="ctr">
+              <a:buNone/>
+              <a:defRPr sz="1323"/>
             </a:lvl5pPr>
-            <a:lvl6pPr marL="2286000" indent="0" algn="ctr">
-              <a:buNone/>
-              <a:defRPr sz="1600"/>
+            <a:lvl6pPr marL="1890065" indent="0" algn="ctr">
+              <a:buNone/>
+              <a:defRPr sz="1323"/>
             </a:lvl6pPr>
-            <a:lvl7pPr marL="2743200" indent="0" algn="ctr">
-              <a:buNone/>
-              <a:defRPr sz="1600"/>
+            <a:lvl7pPr marL="2268078" indent="0" algn="ctr">
+              <a:buNone/>
+              <a:defRPr sz="1323"/>
             </a:lvl7pPr>
-            <a:lvl8pPr marL="3200400" indent="0" algn="ctr">
-              <a:buNone/>
-              <a:defRPr sz="1600"/>
+            <a:lvl8pPr marL="2646091" indent="0" algn="ctr">
+              <a:buNone/>
+              <a:defRPr sz="1323"/>
             </a:lvl8pPr>
-            <a:lvl9pPr marL="3657600" indent="0" algn="ctr">
-              <a:buNone/>
-              <a:defRPr sz="1600"/>
+            <a:lvl9pPr marL="3024104" indent="0" algn="ctr">
+              <a:buNone/>
+              <a:defRPr sz="1323"/>
             </a:lvl9pPr>
           </a:lstStyle>
           <a:p>
             <a:r>
-              <a:rPr lang="en-US" smtClean="0"/>
+              <a:rPr lang="en-US"/>
               <a:t>Click to edit Master subtitle style</a:t>
             </a:r>
             <a:endParaRPr lang="en-AU"/>
@@ -223,7 +684,13 @@
       </p:sp>
       <p:sp>
         <p:nvSpPr>
-          <p:cNvPr id="4" name="Date Placeholder 3"/>
+          <p:cNvPr id="4" name="Date Placeholder 3">
+            <a:extLst>
+              <a:ext uri="{FF2B5EF4-FFF2-40B4-BE49-F238E27FC236}">
+                <a16:creationId xmlns:a16="http://schemas.microsoft.com/office/drawing/2014/main" id="{A926942C-B4F6-4901-8F7F-19FFD7500D41}"/>
+              </a:ext>
+            </a:extLst>
+          </p:cNvPr>
           <p:cNvSpPr>
             <a:spLocks noGrp="1"/>
           </p:cNvSpPr>
@@ -236,17 +703,24 @@
           <a:bodyPr/>
           <a:lstStyle/>
           <a:p>
-            <a:fld id="{19357E35-CF61-4604-9C90-D1773EA39866}" type="datetimeFigureOut">
-              <a:rPr lang="en-AU" smtClean="0"/>
-              <a:t>17/06/2022</a:t>
-            </a:fld>
-            <a:endParaRPr lang="en-AU"/>
-          </a:p>
-        </p:txBody>
-      </p:sp>
-      <p:sp>
-        <p:nvSpPr>
-          <p:cNvPr id="5" name="Footer Placeholder 4"/>
+            <a:r>
+              <a:rPr lang="en-US" sz="1400" b="0" strike="noStrike" spc="-1">
+                <a:latin typeface="Times New Roman"/>
+              </a:rPr>
+              <a:t>&lt;date/time&gt;</a:t>
+            </a:r>
+          </a:p>
+        </p:txBody>
+      </p:sp>
+      <p:sp>
+        <p:nvSpPr>
+          <p:cNvPr id="5" name="Footer Placeholder 4">
+            <a:extLst>
+              <a:ext uri="{FF2B5EF4-FFF2-40B4-BE49-F238E27FC236}">
+                <a16:creationId xmlns:a16="http://schemas.microsoft.com/office/drawing/2014/main" id="{D3ADC0E6-4E75-4074-94CE-A9FB6FA9A822}"/>
+              </a:ext>
+            </a:extLst>
+          </p:cNvPr>
           <p:cNvSpPr>
             <a:spLocks noGrp="1"/>
           </p:cNvSpPr>
@@ -259,13 +733,25 @@
           <a:bodyPr/>
           <a:lstStyle/>
           <a:p>
-            <a:endParaRPr lang="en-AU"/>
-          </a:p>
-        </p:txBody>
-      </p:sp>
-      <p:sp>
-        <p:nvSpPr>
-          <p:cNvPr id="6" name="Slide Number Placeholder 5"/>
+            <a:pPr algn="ctr"/>
+            <a:r>
+              <a:rPr lang="en-US" sz="1400" b="0" strike="noStrike" spc="-1">
+                <a:latin typeface="Times New Roman"/>
+              </a:rPr>
+              <a:t>&lt;footer&gt;</a:t>
+            </a:r>
+          </a:p>
+        </p:txBody>
+      </p:sp>
+      <p:sp>
+        <p:nvSpPr>
+          <p:cNvPr id="6" name="Slide Number Placeholder 5">
+            <a:extLst>
+              <a:ext uri="{FF2B5EF4-FFF2-40B4-BE49-F238E27FC236}">
+                <a16:creationId xmlns:a16="http://schemas.microsoft.com/office/drawing/2014/main" id="{2EB597DF-D7DA-48E9-8B21-33344BDC316F}"/>
+              </a:ext>
+            </a:extLst>
+          </p:cNvPr>
           <p:cNvSpPr>
             <a:spLocks noGrp="1"/>
           </p:cNvSpPr>
@@ -278,18 +764,23 @@
           <a:bodyPr/>
           <a:lstStyle/>
           <a:p>
-            <a:fld id="{43EF679C-BD94-4602-9592-1D561AC06BE0}" type="slidenum">
-              <a:rPr lang="en-AU" smtClean="0"/>
+            <a:pPr algn="r"/>
+            <a:fld id="{FB5B6535-24D4-4DC4-AA98-ADCA917E5BA5}" type="slidenum">
+              <a:rPr lang="en-US" sz="1400" b="0" strike="noStrike" spc="-1" smtClean="0">
+                <a:latin typeface="Times New Roman"/>
+              </a:rPr>
               <a:t>‹#›</a:t>
             </a:fld>
-            <a:endParaRPr lang="en-AU"/>
+            <a:endParaRPr lang="en-US" sz="1400" b="0" strike="noStrike" spc="-1">
+              <a:latin typeface="Times New Roman"/>
+            </a:endParaRPr>
           </a:p>
         </p:txBody>
       </p:sp>
     </p:spTree>
     <p:extLst>
       <p:ext uri="{BB962C8B-B14F-4D97-AF65-F5344CB8AC3E}">
-        <p14:creationId xmlns:p14="http://schemas.microsoft.com/office/powerpoint/2010/main" val="1977601347"/>
+        <p14:creationId xmlns:p14="http://schemas.microsoft.com/office/powerpoint/2010/main" val="3085051987"/>
       </p:ext>
     </p:extLst>
   </p:cSld>
@@ -318,7 +809,13 @@
       </p:grpSpPr>
       <p:sp>
         <p:nvSpPr>
-          <p:cNvPr id="2" name="Title 1"/>
+          <p:cNvPr id="2" name="Title 1">
+            <a:extLst>
+              <a:ext uri="{FF2B5EF4-FFF2-40B4-BE49-F238E27FC236}">
+                <a16:creationId xmlns:a16="http://schemas.microsoft.com/office/drawing/2014/main" id="{81E59E27-63C0-4864-83F6-514A18D114A5}"/>
+              </a:ext>
+            </a:extLst>
+          </p:cNvPr>
           <p:cNvSpPr>
             <a:spLocks noGrp="1"/>
           </p:cNvSpPr>
@@ -332,7 +829,7 @@
           <a:lstStyle/>
           <a:p>
             <a:r>
-              <a:rPr lang="en-US" smtClean="0"/>
+              <a:rPr lang="en-US"/>
               <a:t>Click to edit Master title style</a:t>
             </a:r>
             <a:endParaRPr lang="en-AU"/>
@@ -341,7 +838,13 @@
       </p:sp>
       <p:sp>
         <p:nvSpPr>
-          <p:cNvPr id="3" name="Vertical Text Placeholder 2"/>
+          <p:cNvPr id="3" name="Vertical Text Placeholder 2">
+            <a:extLst>
+              <a:ext uri="{FF2B5EF4-FFF2-40B4-BE49-F238E27FC236}">
+                <a16:creationId xmlns:a16="http://schemas.microsoft.com/office/drawing/2014/main" id="{C61EA4B0-03CF-4D7F-A168-8381D201A93D}"/>
+              </a:ext>
+            </a:extLst>
+          </p:cNvPr>
           <p:cNvSpPr>
             <a:spLocks noGrp="1"/>
           </p:cNvSpPr>
@@ -356,35 +859,35 @@
           <a:p>
             <a:pPr lvl="0"/>
             <a:r>
-              <a:rPr lang="en-US" smtClean="0"/>
-              <a:t>Edit Master text styles</a:t>
+              <a:rPr lang="en-US"/>
+              <a:t>Click to edit Master text styles</a:t>
             </a:r>
           </a:p>
           <a:p>
             <a:pPr lvl="1"/>
             <a:r>
-              <a:rPr lang="en-US" smtClean="0"/>
+              <a:rPr lang="en-US"/>
               <a:t>Second level</a:t>
             </a:r>
           </a:p>
           <a:p>
             <a:pPr lvl="2"/>
             <a:r>
-              <a:rPr lang="en-US" smtClean="0"/>
+              <a:rPr lang="en-US"/>
               <a:t>Third level</a:t>
             </a:r>
           </a:p>
           <a:p>
             <a:pPr lvl="3"/>
             <a:r>
-              <a:rPr lang="en-US" smtClean="0"/>
+              <a:rPr lang="en-US"/>
               <a:t>Fourth level</a:t>
             </a:r>
           </a:p>
           <a:p>
             <a:pPr lvl="4"/>
             <a:r>
-              <a:rPr lang="en-US" smtClean="0"/>
+              <a:rPr lang="en-US"/>
               <a:t>Fifth level</a:t>
             </a:r>
             <a:endParaRPr lang="en-AU"/>
@@ -393,7 +896,13 @@
       </p:sp>
       <p:sp>
         <p:nvSpPr>
-          <p:cNvPr id="4" name="Date Placeholder 3"/>
+          <p:cNvPr id="4" name="Date Placeholder 3">
+            <a:extLst>
+              <a:ext uri="{FF2B5EF4-FFF2-40B4-BE49-F238E27FC236}">
+                <a16:creationId xmlns:a16="http://schemas.microsoft.com/office/drawing/2014/main" id="{E2CC4AE9-9FBA-42BC-8CC7-1FA3E6293F60}"/>
+              </a:ext>
+            </a:extLst>
+          </p:cNvPr>
           <p:cNvSpPr>
             <a:spLocks noGrp="1"/>
           </p:cNvSpPr>
@@ -406,17 +915,24 @@
           <a:bodyPr/>
           <a:lstStyle/>
           <a:p>
-            <a:fld id="{19357E35-CF61-4604-9C90-D1773EA39866}" type="datetimeFigureOut">
-              <a:rPr lang="en-AU" smtClean="0"/>
-              <a:t>17/06/2022</a:t>
-            </a:fld>
-            <a:endParaRPr lang="en-AU"/>
-          </a:p>
-        </p:txBody>
-      </p:sp>
-      <p:sp>
-        <p:nvSpPr>
-          <p:cNvPr id="5" name="Footer Placeholder 4"/>
+            <a:r>
+              <a:rPr lang="en-US" sz="1400" b="0" strike="noStrike" spc="-1">
+                <a:latin typeface="Times New Roman"/>
+              </a:rPr>
+              <a:t>&lt;date/time&gt;</a:t>
+            </a:r>
+          </a:p>
+        </p:txBody>
+      </p:sp>
+      <p:sp>
+        <p:nvSpPr>
+          <p:cNvPr id="5" name="Footer Placeholder 4">
+            <a:extLst>
+              <a:ext uri="{FF2B5EF4-FFF2-40B4-BE49-F238E27FC236}">
+                <a16:creationId xmlns:a16="http://schemas.microsoft.com/office/drawing/2014/main" id="{1DDE73D7-3298-420E-B78A-E2278D54EF25}"/>
+              </a:ext>
+            </a:extLst>
+          </p:cNvPr>
           <p:cNvSpPr>
             <a:spLocks noGrp="1"/>
           </p:cNvSpPr>
@@ -429,13 +945,25 @@
           <a:bodyPr/>
           <a:lstStyle/>
           <a:p>
-            <a:endParaRPr lang="en-AU"/>
-          </a:p>
-        </p:txBody>
-      </p:sp>
-      <p:sp>
-        <p:nvSpPr>
-          <p:cNvPr id="6" name="Slide Number Placeholder 5"/>
+            <a:pPr algn="ctr"/>
+            <a:r>
+              <a:rPr lang="en-US" sz="1400" b="0" strike="noStrike" spc="-1">
+                <a:latin typeface="Times New Roman"/>
+              </a:rPr>
+              <a:t>&lt;footer&gt;</a:t>
+            </a:r>
+          </a:p>
+        </p:txBody>
+      </p:sp>
+      <p:sp>
+        <p:nvSpPr>
+          <p:cNvPr id="6" name="Slide Number Placeholder 5">
+            <a:extLst>
+              <a:ext uri="{FF2B5EF4-FFF2-40B4-BE49-F238E27FC236}">
+                <a16:creationId xmlns:a16="http://schemas.microsoft.com/office/drawing/2014/main" id="{21A20E18-85FA-4FE6-AA44-D3DDF3DA9537}"/>
+              </a:ext>
+            </a:extLst>
+          </p:cNvPr>
           <p:cNvSpPr>
             <a:spLocks noGrp="1"/>
           </p:cNvSpPr>
@@ -448,18 +976,23 @@
           <a:bodyPr/>
           <a:lstStyle/>
           <a:p>
-            <a:fld id="{43EF679C-BD94-4602-9592-1D561AC06BE0}" type="slidenum">
-              <a:rPr lang="en-AU" smtClean="0"/>
+            <a:pPr algn="r"/>
+            <a:fld id="{FB5B6535-24D4-4DC4-AA98-ADCA917E5BA5}" type="slidenum">
+              <a:rPr lang="en-US" sz="1400" b="0" strike="noStrike" spc="-1" smtClean="0">
+                <a:latin typeface="Times New Roman"/>
+              </a:rPr>
               <a:t>‹#›</a:t>
             </a:fld>
-            <a:endParaRPr lang="en-AU"/>
+            <a:endParaRPr lang="en-US" sz="1400" b="0" strike="noStrike" spc="-1">
+              <a:latin typeface="Times New Roman"/>
+            </a:endParaRPr>
           </a:p>
         </p:txBody>
       </p:sp>
     </p:spTree>
     <p:extLst>
       <p:ext uri="{BB962C8B-B14F-4D97-AF65-F5344CB8AC3E}">
-        <p14:creationId xmlns:p14="http://schemas.microsoft.com/office/powerpoint/2010/main" val="958306303"/>
+        <p14:creationId xmlns:p14="http://schemas.microsoft.com/office/powerpoint/2010/main" val="1560241713"/>
       </p:ext>
     </p:extLst>
   </p:cSld>
@@ -488,7 +1021,13 @@
       </p:grpSpPr>
       <p:sp>
         <p:nvSpPr>
-          <p:cNvPr id="2" name="Vertical Title 1"/>
+          <p:cNvPr id="2" name="Vertical Title 1">
+            <a:extLst>
+              <a:ext uri="{FF2B5EF4-FFF2-40B4-BE49-F238E27FC236}">
+                <a16:creationId xmlns:a16="http://schemas.microsoft.com/office/drawing/2014/main" id="{3F9ACB11-25CA-4ED1-A524-657596893756}"/>
+              </a:ext>
+            </a:extLst>
+          </p:cNvPr>
           <p:cNvSpPr>
             <a:spLocks noGrp="1"/>
           </p:cNvSpPr>
@@ -498,8 +1037,8 @@
         </p:nvSpPr>
         <p:spPr>
           <a:xfrm>
-            <a:off x="8724900" y="365125"/>
-            <a:ext cx="2628900" cy="5811838"/>
+            <a:off x="7213947" y="301904"/>
+            <a:ext cx="2173635" cy="4805529"/>
           </a:xfrm>
         </p:spPr>
         <p:txBody>
@@ -507,7 +1046,7 @@
           <a:lstStyle/>
           <a:p>
             <a:r>
-              <a:rPr lang="en-US" smtClean="0"/>
+              <a:rPr lang="en-US"/>
               <a:t>Click to edit Master title style</a:t>
             </a:r>
             <a:endParaRPr lang="en-AU"/>
@@ -516,7 +1055,13 @@
       </p:sp>
       <p:sp>
         <p:nvSpPr>
-          <p:cNvPr id="3" name="Vertical Text Placeholder 2"/>
+          <p:cNvPr id="3" name="Vertical Text Placeholder 2">
+            <a:extLst>
+              <a:ext uri="{FF2B5EF4-FFF2-40B4-BE49-F238E27FC236}">
+                <a16:creationId xmlns:a16="http://schemas.microsoft.com/office/drawing/2014/main" id="{E92CB5FF-3BF9-4454-BAF1-2FF54D88AD20}"/>
+              </a:ext>
+            </a:extLst>
+          </p:cNvPr>
           <p:cNvSpPr>
             <a:spLocks noGrp="1"/>
           </p:cNvSpPr>
@@ -526,8 +1071,8 @@
         </p:nvSpPr>
         <p:spPr>
           <a:xfrm>
-            <a:off x="838200" y="365125"/>
-            <a:ext cx="7734300" cy="5811838"/>
+            <a:off x="693043" y="301904"/>
+            <a:ext cx="6394896" cy="4805529"/>
           </a:xfrm>
         </p:spPr>
         <p:txBody>
@@ -536,35 +1081,35 @@
           <a:p>
             <a:pPr lvl="0"/>
             <a:r>
-              <a:rPr lang="en-US" smtClean="0"/>
-              <a:t>Edit Master text styles</a:t>
+              <a:rPr lang="en-US"/>
+              <a:t>Click to edit Master text styles</a:t>
             </a:r>
           </a:p>
           <a:p>
             <a:pPr lvl="1"/>
             <a:r>
-              <a:rPr lang="en-US" smtClean="0"/>
+              <a:rPr lang="en-US"/>
               <a:t>Second level</a:t>
             </a:r>
           </a:p>
           <a:p>
             <a:pPr lvl="2"/>
             <a:r>
-              <a:rPr lang="en-US" smtClean="0"/>
+              <a:rPr lang="en-US"/>
               <a:t>Third level</a:t>
             </a:r>
           </a:p>
           <a:p>
             <a:pPr lvl="3"/>
             <a:r>
-              <a:rPr lang="en-US" smtClean="0"/>
+              <a:rPr lang="en-US"/>
               <a:t>Fourth level</a:t>
             </a:r>
           </a:p>
           <a:p>
             <a:pPr lvl="4"/>
             <a:r>
-              <a:rPr lang="en-US" smtClean="0"/>
+              <a:rPr lang="en-US"/>
               <a:t>Fifth level</a:t>
             </a:r>
             <a:endParaRPr lang="en-AU"/>
@@ -573,7 +1118,13 @@
       </p:sp>
       <p:sp>
         <p:nvSpPr>
-          <p:cNvPr id="4" name="Date Placeholder 3"/>
+          <p:cNvPr id="4" name="Date Placeholder 3">
+            <a:extLst>
+              <a:ext uri="{FF2B5EF4-FFF2-40B4-BE49-F238E27FC236}">
+                <a16:creationId xmlns:a16="http://schemas.microsoft.com/office/drawing/2014/main" id="{836095F2-FDED-4E3E-B30D-42D3A7A6269C}"/>
+              </a:ext>
+            </a:extLst>
+          </p:cNvPr>
           <p:cNvSpPr>
             <a:spLocks noGrp="1"/>
           </p:cNvSpPr>
@@ -586,17 +1137,24 @@
           <a:bodyPr/>
           <a:lstStyle/>
           <a:p>
-            <a:fld id="{19357E35-CF61-4604-9C90-D1773EA39866}" type="datetimeFigureOut">
-              <a:rPr lang="en-AU" smtClean="0"/>
-              <a:t>17/06/2022</a:t>
-            </a:fld>
-            <a:endParaRPr lang="en-AU"/>
-          </a:p>
-        </p:txBody>
-      </p:sp>
-      <p:sp>
-        <p:nvSpPr>
-          <p:cNvPr id="5" name="Footer Placeholder 4"/>
+            <a:r>
+              <a:rPr lang="en-US" sz="1400" b="0" strike="noStrike" spc="-1">
+                <a:latin typeface="Times New Roman"/>
+              </a:rPr>
+              <a:t>&lt;date/time&gt;</a:t>
+            </a:r>
+          </a:p>
+        </p:txBody>
+      </p:sp>
+      <p:sp>
+        <p:nvSpPr>
+          <p:cNvPr id="5" name="Footer Placeholder 4">
+            <a:extLst>
+              <a:ext uri="{FF2B5EF4-FFF2-40B4-BE49-F238E27FC236}">
+                <a16:creationId xmlns:a16="http://schemas.microsoft.com/office/drawing/2014/main" id="{0EFA3CB5-9BC2-423C-84D9-FEEA948623C2}"/>
+              </a:ext>
+            </a:extLst>
+          </p:cNvPr>
           <p:cNvSpPr>
             <a:spLocks noGrp="1"/>
           </p:cNvSpPr>
@@ -609,13 +1167,25 @@
           <a:bodyPr/>
           <a:lstStyle/>
           <a:p>
-            <a:endParaRPr lang="en-AU"/>
-          </a:p>
-        </p:txBody>
-      </p:sp>
-      <p:sp>
-        <p:nvSpPr>
-          <p:cNvPr id="6" name="Slide Number Placeholder 5"/>
+            <a:pPr algn="ctr"/>
+            <a:r>
+              <a:rPr lang="en-US" sz="1400" b="0" strike="noStrike" spc="-1">
+                <a:latin typeface="Times New Roman"/>
+              </a:rPr>
+              <a:t>&lt;footer&gt;</a:t>
+            </a:r>
+          </a:p>
+        </p:txBody>
+      </p:sp>
+      <p:sp>
+        <p:nvSpPr>
+          <p:cNvPr id="6" name="Slide Number Placeholder 5">
+            <a:extLst>
+              <a:ext uri="{FF2B5EF4-FFF2-40B4-BE49-F238E27FC236}">
+                <a16:creationId xmlns:a16="http://schemas.microsoft.com/office/drawing/2014/main" id="{C9491BB6-A86A-4B70-8152-B1066218C611}"/>
+              </a:ext>
+            </a:extLst>
+          </p:cNvPr>
           <p:cNvSpPr>
             <a:spLocks noGrp="1"/>
           </p:cNvSpPr>
@@ -628,18 +1198,23 @@
           <a:bodyPr/>
           <a:lstStyle/>
           <a:p>
-            <a:fld id="{43EF679C-BD94-4602-9592-1D561AC06BE0}" type="slidenum">
-              <a:rPr lang="en-AU" smtClean="0"/>
+            <a:pPr algn="r"/>
+            <a:fld id="{FB5B6535-24D4-4DC4-AA98-ADCA917E5BA5}" type="slidenum">
+              <a:rPr lang="en-US" sz="1400" b="0" strike="noStrike" spc="-1" smtClean="0">
+                <a:latin typeface="Times New Roman"/>
+              </a:rPr>
               <a:t>‹#›</a:t>
             </a:fld>
-            <a:endParaRPr lang="en-AU"/>
+            <a:endParaRPr lang="en-US" sz="1400" b="0" strike="noStrike" spc="-1">
+              <a:latin typeface="Times New Roman"/>
+            </a:endParaRPr>
           </a:p>
         </p:txBody>
       </p:sp>
     </p:spTree>
     <p:extLst>
       <p:ext uri="{BB962C8B-B14F-4D97-AF65-F5344CB8AC3E}">
-        <p14:creationId xmlns:p14="http://schemas.microsoft.com/office/powerpoint/2010/main" val="3935155563"/>
+        <p14:creationId xmlns:p14="http://schemas.microsoft.com/office/powerpoint/2010/main" val="1675489115"/>
       </p:ext>
     </p:extLst>
   </p:cSld>
@@ -668,7 +1243,13 @@
       </p:grpSpPr>
       <p:sp>
         <p:nvSpPr>
-          <p:cNvPr id="2" name="Title 1"/>
+          <p:cNvPr id="2" name="Title 1">
+            <a:extLst>
+              <a:ext uri="{FF2B5EF4-FFF2-40B4-BE49-F238E27FC236}">
+                <a16:creationId xmlns:a16="http://schemas.microsoft.com/office/drawing/2014/main" id="{A29D2AFD-256D-4508-A498-E67B74C306AF}"/>
+              </a:ext>
+            </a:extLst>
+          </p:cNvPr>
           <p:cNvSpPr>
             <a:spLocks noGrp="1"/>
           </p:cNvSpPr>
@@ -682,7 +1263,7 @@
           <a:lstStyle/>
           <a:p>
             <a:r>
-              <a:rPr lang="en-US" smtClean="0"/>
+              <a:rPr lang="en-US"/>
               <a:t>Click to edit Master title style</a:t>
             </a:r>
             <a:endParaRPr lang="en-AU"/>
@@ -691,7 +1272,13 @@
       </p:sp>
       <p:sp>
         <p:nvSpPr>
-          <p:cNvPr id="3" name="Content Placeholder 2"/>
+          <p:cNvPr id="3" name="Content Placeholder 2">
+            <a:extLst>
+              <a:ext uri="{FF2B5EF4-FFF2-40B4-BE49-F238E27FC236}">
+                <a16:creationId xmlns:a16="http://schemas.microsoft.com/office/drawing/2014/main" id="{D34884AC-9B98-4C4D-A053-DE14948DD91F}"/>
+              </a:ext>
+            </a:extLst>
+          </p:cNvPr>
           <p:cNvSpPr>
             <a:spLocks noGrp="1"/>
           </p:cNvSpPr>
@@ -706,35 +1293,35 @@
           <a:p>
             <a:pPr lvl="0"/>
             <a:r>
-              <a:rPr lang="en-US" smtClean="0"/>
-              <a:t>Edit Master text styles</a:t>
+              <a:rPr lang="en-US"/>
+              <a:t>Click to edit Master text styles</a:t>
             </a:r>
           </a:p>
           <a:p>
             <a:pPr lvl="1"/>
             <a:r>
-              <a:rPr lang="en-US" smtClean="0"/>
+              <a:rPr lang="en-US"/>
               <a:t>Second level</a:t>
             </a:r>
           </a:p>
           <a:p>
             <a:pPr lvl="2"/>
             <a:r>
-              <a:rPr lang="en-US" smtClean="0"/>
+              <a:rPr lang="en-US"/>
               <a:t>Third level</a:t>
             </a:r>
           </a:p>
           <a:p>
             <a:pPr lvl="3"/>
             <a:r>
-              <a:rPr lang="en-US" smtClean="0"/>
+              <a:rPr lang="en-US"/>
               <a:t>Fourth level</a:t>
             </a:r>
           </a:p>
           <a:p>
             <a:pPr lvl="4"/>
             <a:r>
-              <a:rPr lang="en-US" smtClean="0"/>
+              <a:rPr lang="en-US"/>
               <a:t>Fifth level</a:t>
             </a:r>
             <a:endParaRPr lang="en-AU"/>
@@ -743,7 +1330,13 @@
       </p:sp>
       <p:sp>
         <p:nvSpPr>
-          <p:cNvPr id="4" name="Date Placeholder 3"/>
+          <p:cNvPr id="4" name="Date Placeholder 3">
+            <a:extLst>
+              <a:ext uri="{FF2B5EF4-FFF2-40B4-BE49-F238E27FC236}">
+                <a16:creationId xmlns:a16="http://schemas.microsoft.com/office/drawing/2014/main" id="{755CFF2C-1ACD-48AB-A902-DD0FD58F0518}"/>
+              </a:ext>
+            </a:extLst>
+          </p:cNvPr>
           <p:cNvSpPr>
             <a:spLocks noGrp="1"/>
           </p:cNvSpPr>
@@ -756,17 +1349,24 @@
           <a:bodyPr/>
           <a:lstStyle/>
           <a:p>
-            <a:fld id="{19357E35-CF61-4604-9C90-D1773EA39866}" type="datetimeFigureOut">
-              <a:rPr lang="en-AU" smtClean="0"/>
-              <a:t>17/06/2022</a:t>
-            </a:fld>
-            <a:endParaRPr lang="en-AU"/>
-          </a:p>
-        </p:txBody>
-      </p:sp>
-      <p:sp>
-        <p:nvSpPr>
-          <p:cNvPr id="5" name="Footer Placeholder 4"/>
+            <a:r>
+              <a:rPr lang="en-US" sz="1400" b="0" strike="noStrike" spc="-1">
+                <a:latin typeface="Times New Roman"/>
+              </a:rPr>
+              <a:t>&lt;date/time&gt;</a:t>
+            </a:r>
+          </a:p>
+        </p:txBody>
+      </p:sp>
+      <p:sp>
+        <p:nvSpPr>
+          <p:cNvPr id="5" name="Footer Placeholder 4">
+            <a:extLst>
+              <a:ext uri="{FF2B5EF4-FFF2-40B4-BE49-F238E27FC236}">
+                <a16:creationId xmlns:a16="http://schemas.microsoft.com/office/drawing/2014/main" id="{CA69FAD5-6B46-4138-B908-55F91A1252C4}"/>
+              </a:ext>
+            </a:extLst>
+          </p:cNvPr>
           <p:cNvSpPr>
             <a:spLocks noGrp="1"/>
           </p:cNvSpPr>
@@ -779,13 +1379,25 @@
           <a:bodyPr/>
           <a:lstStyle/>
           <a:p>
-            <a:endParaRPr lang="en-AU"/>
-          </a:p>
-        </p:txBody>
-      </p:sp>
-      <p:sp>
-        <p:nvSpPr>
-          <p:cNvPr id="6" name="Slide Number Placeholder 5"/>
+            <a:pPr algn="ctr"/>
+            <a:r>
+              <a:rPr lang="en-US" sz="1400" b="0" strike="noStrike" spc="-1">
+                <a:latin typeface="Times New Roman"/>
+              </a:rPr>
+              <a:t>&lt;footer&gt;</a:t>
+            </a:r>
+          </a:p>
+        </p:txBody>
+      </p:sp>
+      <p:sp>
+        <p:nvSpPr>
+          <p:cNvPr id="6" name="Slide Number Placeholder 5">
+            <a:extLst>
+              <a:ext uri="{FF2B5EF4-FFF2-40B4-BE49-F238E27FC236}">
+                <a16:creationId xmlns:a16="http://schemas.microsoft.com/office/drawing/2014/main" id="{EB931CFD-073A-4440-92A1-B11B36644710}"/>
+              </a:ext>
+            </a:extLst>
+          </p:cNvPr>
           <p:cNvSpPr>
             <a:spLocks noGrp="1"/>
           </p:cNvSpPr>
@@ -798,18 +1410,23 @@
           <a:bodyPr/>
           <a:lstStyle/>
           <a:p>
-            <a:fld id="{43EF679C-BD94-4602-9592-1D561AC06BE0}" type="slidenum">
-              <a:rPr lang="en-AU" smtClean="0"/>
+            <a:pPr algn="r"/>
+            <a:fld id="{FB5B6535-24D4-4DC4-AA98-ADCA917E5BA5}" type="slidenum">
+              <a:rPr lang="en-US" sz="1400" b="0" strike="noStrike" spc="-1" smtClean="0">
+                <a:latin typeface="Times New Roman"/>
+              </a:rPr>
               <a:t>‹#›</a:t>
             </a:fld>
-            <a:endParaRPr lang="en-AU"/>
+            <a:endParaRPr lang="en-US" sz="1400" b="0" strike="noStrike" spc="-1">
+              <a:latin typeface="Times New Roman"/>
+            </a:endParaRPr>
           </a:p>
         </p:txBody>
       </p:sp>
     </p:spTree>
     <p:extLst>
       <p:ext uri="{BB962C8B-B14F-4D97-AF65-F5344CB8AC3E}">
-        <p14:creationId xmlns:p14="http://schemas.microsoft.com/office/powerpoint/2010/main" val="1870913749"/>
+        <p14:creationId xmlns:p14="http://schemas.microsoft.com/office/powerpoint/2010/main" val="2086460907"/>
       </p:ext>
     </p:extLst>
   </p:cSld>
@@ -838,7 +1455,13 @@
       </p:grpSpPr>
       <p:sp>
         <p:nvSpPr>
-          <p:cNvPr id="2" name="Title 1"/>
+          <p:cNvPr id="2" name="Title 1">
+            <a:extLst>
+              <a:ext uri="{FF2B5EF4-FFF2-40B4-BE49-F238E27FC236}">
+                <a16:creationId xmlns:a16="http://schemas.microsoft.com/office/drawing/2014/main" id="{CB26F471-9684-40AB-91C3-336CCB334B7C}"/>
+              </a:ext>
+            </a:extLst>
+          </p:cNvPr>
           <p:cNvSpPr>
             <a:spLocks noGrp="1"/>
           </p:cNvSpPr>
@@ -848,20 +1471,20 @@
         </p:nvSpPr>
         <p:spPr>
           <a:xfrm>
-            <a:off x="831850" y="1709738"/>
-            <a:ext cx="10515600" cy="2852737"/>
+            <a:off x="687793" y="1413700"/>
+            <a:ext cx="8694539" cy="2358791"/>
           </a:xfrm>
         </p:spPr>
         <p:txBody>
           <a:bodyPr anchor="b"/>
           <a:lstStyle>
             <a:lvl1pPr>
-              <a:defRPr sz="6000"/>
+              <a:defRPr sz="4961"/>
             </a:lvl1pPr>
           </a:lstStyle>
           <a:p>
             <a:r>
-              <a:rPr lang="en-US" smtClean="0"/>
+              <a:rPr lang="en-US"/>
               <a:t>Click to edit Master title style</a:t>
             </a:r>
             <a:endParaRPr lang="en-AU"/>
@@ -870,7 +1493,13 @@
       </p:sp>
       <p:sp>
         <p:nvSpPr>
-          <p:cNvPr id="3" name="Text Placeholder 2"/>
+          <p:cNvPr id="3" name="Text Placeholder 2">
+            <a:extLst>
+              <a:ext uri="{FF2B5EF4-FFF2-40B4-BE49-F238E27FC236}">
+                <a16:creationId xmlns:a16="http://schemas.microsoft.com/office/drawing/2014/main" id="{8C4AB909-5F05-415C-9FE3-627634A29008}"/>
+              </a:ext>
+            </a:extLst>
+          </p:cNvPr>
           <p:cNvSpPr>
             <a:spLocks noGrp="1"/>
           </p:cNvSpPr>
@@ -880,8 +1509,8 @@
         </p:nvSpPr>
         <p:spPr>
           <a:xfrm>
-            <a:off x="831850" y="4589463"/>
-            <a:ext cx="10515600" cy="1500187"/>
+            <a:off x="687793" y="3794807"/>
+            <a:ext cx="8694539" cy="1240432"/>
           </a:xfrm>
         </p:spPr>
         <p:txBody>
@@ -889,7 +1518,7 @@
           <a:lstStyle>
             <a:lvl1pPr marL="0" indent="0">
               <a:buNone/>
-              <a:defRPr sz="2400">
+              <a:defRPr sz="1984">
                 <a:solidFill>
                   <a:schemeClr val="tx1">
                     <a:tint val="75000"/>
@@ -897,9 +1526,9 @@
                 </a:solidFill>
               </a:defRPr>
             </a:lvl1pPr>
-            <a:lvl2pPr marL="457200" indent="0">
-              <a:buNone/>
-              <a:defRPr sz="2000">
+            <a:lvl2pPr marL="378013" indent="0">
+              <a:buNone/>
+              <a:defRPr sz="1654">
                 <a:solidFill>
                   <a:schemeClr val="tx1">
                     <a:tint val="75000"/>
@@ -907,9 +1536,9 @@
                 </a:solidFill>
               </a:defRPr>
             </a:lvl2pPr>
-            <a:lvl3pPr marL="914400" indent="0">
-              <a:buNone/>
-              <a:defRPr sz="1800">
+            <a:lvl3pPr marL="756026" indent="0">
+              <a:buNone/>
+              <a:defRPr sz="1488">
                 <a:solidFill>
                   <a:schemeClr val="tx1">
                     <a:tint val="75000"/>
@@ -917,9 +1546,9 @@
                 </a:solidFill>
               </a:defRPr>
             </a:lvl3pPr>
-            <a:lvl4pPr marL="1371600" indent="0">
-              <a:buNone/>
-              <a:defRPr sz="1600">
+            <a:lvl4pPr marL="1134039" indent="0">
+              <a:buNone/>
+              <a:defRPr sz="1323">
                 <a:solidFill>
                   <a:schemeClr val="tx1">
                     <a:tint val="75000"/>
@@ -927,9 +1556,9 @@
                 </a:solidFill>
               </a:defRPr>
             </a:lvl4pPr>
-            <a:lvl5pPr marL="1828800" indent="0">
-              <a:buNone/>
-              <a:defRPr sz="1600">
+            <a:lvl5pPr marL="1512052" indent="0">
+              <a:buNone/>
+              <a:defRPr sz="1323">
                 <a:solidFill>
                   <a:schemeClr val="tx1">
                     <a:tint val="75000"/>
@@ -937,9 +1566,9 @@
                 </a:solidFill>
               </a:defRPr>
             </a:lvl5pPr>
-            <a:lvl6pPr marL="2286000" indent="0">
-              <a:buNone/>
-              <a:defRPr sz="1600">
+            <a:lvl6pPr marL="1890065" indent="0">
+              <a:buNone/>
+              <a:defRPr sz="1323">
                 <a:solidFill>
                   <a:schemeClr val="tx1">
                     <a:tint val="75000"/>
@@ -947,9 +1576,9 @@
                 </a:solidFill>
               </a:defRPr>
             </a:lvl6pPr>
-            <a:lvl7pPr marL="2743200" indent="0">
-              <a:buNone/>
-              <a:defRPr sz="1600">
+            <a:lvl7pPr marL="2268078" indent="0">
+              <a:buNone/>
+              <a:defRPr sz="1323">
                 <a:solidFill>
                   <a:schemeClr val="tx1">
                     <a:tint val="75000"/>
@@ -957,9 +1586,9 @@
                 </a:solidFill>
               </a:defRPr>
             </a:lvl7pPr>
-            <a:lvl8pPr marL="3200400" indent="0">
-              <a:buNone/>
-              <a:defRPr sz="1600">
+            <a:lvl8pPr marL="2646091" indent="0">
+              <a:buNone/>
+              <a:defRPr sz="1323">
                 <a:solidFill>
                   <a:schemeClr val="tx1">
                     <a:tint val="75000"/>
@@ -967,9 +1596,9 @@
                 </a:solidFill>
               </a:defRPr>
             </a:lvl8pPr>
-            <a:lvl9pPr marL="3657600" indent="0">
-              <a:buNone/>
-              <a:defRPr sz="1600">
+            <a:lvl9pPr marL="3024104" indent="0">
+              <a:buNone/>
+              <a:defRPr sz="1323">
                 <a:solidFill>
                   <a:schemeClr val="tx1">
                     <a:tint val="75000"/>
@@ -981,15 +1610,21 @@
           <a:p>
             <a:pPr lvl="0"/>
             <a:r>
-              <a:rPr lang="en-US" smtClean="0"/>
-              <a:t>Edit Master text styles</a:t>
-            </a:r>
-          </a:p>
-        </p:txBody>
-      </p:sp>
-      <p:sp>
-        <p:nvSpPr>
-          <p:cNvPr id="4" name="Date Placeholder 3"/>
+              <a:rPr lang="en-US"/>
+              <a:t>Click to edit Master text styles</a:t>
+            </a:r>
+          </a:p>
+        </p:txBody>
+      </p:sp>
+      <p:sp>
+        <p:nvSpPr>
+          <p:cNvPr id="4" name="Date Placeholder 3">
+            <a:extLst>
+              <a:ext uri="{FF2B5EF4-FFF2-40B4-BE49-F238E27FC236}">
+                <a16:creationId xmlns:a16="http://schemas.microsoft.com/office/drawing/2014/main" id="{32410F05-FAFF-49FE-ACBC-041CAC28700F}"/>
+              </a:ext>
+            </a:extLst>
+          </p:cNvPr>
           <p:cNvSpPr>
             <a:spLocks noGrp="1"/>
           </p:cNvSpPr>
@@ -1002,17 +1637,24 @@
           <a:bodyPr/>
           <a:lstStyle/>
           <a:p>
-            <a:fld id="{19357E35-CF61-4604-9C90-D1773EA39866}" type="datetimeFigureOut">
-              <a:rPr lang="en-AU" smtClean="0"/>
-              <a:t>17/06/2022</a:t>
-            </a:fld>
-            <a:endParaRPr lang="en-AU"/>
-          </a:p>
-        </p:txBody>
-      </p:sp>
-      <p:sp>
-        <p:nvSpPr>
-          <p:cNvPr id="5" name="Footer Placeholder 4"/>
+            <a:r>
+              <a:rPr lang="en-US" sz="1400" b="0" strike="noStrike" spc="-1">
+                <a:latin typeface="Times New Roman"/>
+              </a:rPr>
+              <a:t>&lt;date/time&gt;</a:t>
+            </a:r>
+          </a:p>
+        </p:txBody>
+      </p:sp>
+      <p:sp>
+        <p:nvSpPr>
+          <p:cNvPr id="5" name="Footer Placeholder 4">
+            <a:extLst>
+              <a:ext uri="{FF2B5EF4-FFF2-40B4-BE49-F238E27FC236}">
+                <a16:creationId xmlns:a16="http://schemas.microsoft.com/office/drawing/2014/main" id="{74D14A4D-5543-40D9-8405-C354A36ADBCF}"/>
+              </a:ext>
+            </a:extLst>
+          </p:cNvPr>
           <p:cNvSpPr>
             <a:spLocks noGrp="1"/>
           </p:cNvSpPr>
@@ -1025,13 +1667,25 @@
           <a:bodyPr/>
           <a:lstStyle/>
           <a:p>
-            <a:endParaRPr lang="en-AU"/>
-          </a:p>
-        </p:txBody>
-      </p:sp>
-      <p:sp>
-        <p:nvSpPr>
-          <p:cNvPr id="6" name="Slide Number Placeholder 5"/>
+            <a:pPr algn="ctr"/>
+            <a:r>
+              <a:rPr lang="en-US" sz="1400" b="0" strike="noStrike" spc="-1">
+                <a:latin typeface="Times New Roman"/>
+              </a:rPr>
+              <a:t>&lt;footer&gt;</a:t>
+            </a:r>
+          </a:p>
+        </p:txBody>
+      </p:sp>
+      <p:sp>
+        <p:nvSpPr>
+          <p:cNvPr id="6" name="Slide Number Placeholder 5">
+            <a:extLst>
+              <a:ext uri="{FF2B5EF4-FFF2-40B4-BE49-F238E27FC236}">
+                <a16:creationId xmlns:a16="http://schemas.microsoft.com/office/drawing/2014/main" id="{419EC1C4-F89F-4979-9077-2B791E01CFC7}"/>
+              </a:ext>
+            </a:extLst>
+          </p:cNvPr>
           <p:cNvSpPr>
             <a:spLocks noGrp="1"/>
           </p:cNvSpPr>
@@ -1044,18 +1698,23 @@
           <a:bodyPr/>
           <a:lstStyle/>
           <a:p>
-            <a:fld id="{43EF679C-BD94-4602-9592-1D561AC06BE0}" type="slidenum">
-              <a:rPr lang="en-AU" smtClean="0"/>
+            <a:pPr algn="r"/>
+            <a:fld id="{FB5B6535-24D4-4DC4-AA98-ADCA917E5BA5}" type="slidenum">
+              <a:rPr lang="en-US" sz="1400" b="0" strike="noStrike" spc="-1" smtClean="0">
+                <a:latin typeface="Times New Roman"/>
+              </a:rPr>
               <a:t>‹#›</a:t>
             </a:fld>
-            <a:endParaRPr lang="en-AU"/>
+            <a:endParaRPr lang="en-US" sz="1400" b="0" strike="noStrike" spc="-1">
+              <a:latin typeface="Times New Roman"/>
+            </a:endParaRPr>
           </a:p>
         </p:txBody>
       </p:sp>
     </p:spTree>
     <p:extLst>
       <p:ext uri="{BB962C8B-B14F-4D97-AF65-F5344CB8AC3E}">
-        <p14:creationId xmlns:p14="http://schemas.microsoft.com/office/powerpoint/2010/main" val="2461485091"/>
+        <p14:creationId xmlns:p14="http://schemas.microsoft.com/office/powerpoint/2010/main" val="3802947430"/>
       </p:ext>
     </p:extLst>
   </p:cSld>
@@ -1084,7 +1743,13 @@
       </p:grpSpPr>
       <p:sp>
         <p:nvSpPr>
-          <p:cNvPr id="2" name="Title 1"/>
+          <p:cNvPr id="2" name="Title 1">
+            <a:extLst>
+              <a:ext uri="{FF2B5EF4-FFF2-40B4-BE49-F238E27FC236}">
+                <a16:creationId xmlns:a16="http://schemas.microsoft.com/office/drawing/2014/main" id="{E9AFA70D-C2BF-41B3-80FF-AA0BB23556FB}"/>
+              </a:ext>
+            </a:extLst>
+          </p:cNvPr>
           <p:cNvSpPr>
             <a:spLocks noGrp="1"/>
           </p:cNvSpPr>
@@ -1098,7 +1763,7 @@
           <a:lstStyle/>
           <a:p>
             <a:r>
-              <a:rPr lang="en-US" smtClean="0"/>
+              <a:rPr lang="en-US"/>
               <a:t>Click to edit Master title style</a:t>
             </a:r>
             <a:endParaRPr lang="en-AU"/>
@@ -1107,7 +1772,13 @@
       </p:sp>
       <p:sp>
         <p:nvSpPr>
-          <p:cNvPr id="3" name="Content Placeholder 2"/>
+          <p:cNvPr id="3" name="Content Placeholder 2">
+            <a:extLst>
+              <a:ext uri="{FF2B5EF4-FFF2-40B4-BE49-F238E27FC236}">
+                <a16:creationId xmlns:a16="http://schemas.microsoft.com/office/drawing/2014/main" id="{556F19CE-0C15-434C-A56F-7155BB4C3360}"/>
+              </a:ext>
+            </a:extLst>
+          </p:cNvPr>
           <p:cNvSpPr>
             <a:spLocks noGrp="1"/>
           </p:cNvSpPr>
@@ -1117,8 +1788,8 @@
         </p:nvSpPr>
         <p:spPr>
           <a:xfrm>
-            <a:off x="838200" y="1825625"/>
-            <a:ext cx="5181600" cy="4351338"/>
+            <a:off x="693043" y="1509521"/>
+            <a:ext cx="4284266" cy="3597912"/>
           </a:xfrm>
         </p:spPr>
         <p:txBody>
@@ -1127,35 +1798,35 @@
           <a:p>
             <a:pPr lvl="0"/>
             <a:r>
-              <a:rPr lang="en-US" smtClean="0"/>
-              <a:t>Edit Master text styles</a:t>
+              <a:rPr lang="en-US"/>
+              <a:t>Click to edit Master text styles</a:t>
             </a:r>
           </a:p>
           <a:p>
             <a:pPr lvl="1"/>
             <a:r>
-              <a:rPr lang="en-US" smtClean="0"/>
+              <a:rPr lang="en-US"/>
               <a:t>Second level</a:t>
             </a:r>
           </a:p>
           <a:p>
             <a:pPr lvl="2"/>
             <a:r>
-              <a:rPr lang="en-US" smtClean="0"/>
+              <a:rPr lang="en-US"/>
               <a:t>Third level</a:t>
             </a:r>
           </a:p>
           <a:p>
             <a:pPr lvl="3"/>
             <a:r>
-              <a:rPr lang="en-US" smtClean="0"/>
+              <a:rPr lang="en-US"/>
               <a:t>Fourth level</a:t>
             </a:r>
           </a:p>
           <a:p>
             <a:pPr lvl="4"/>
             <a:r>
-              <a:rPr lang="en-US" smtClean="0"/>
+              <a:rPr lang="en-US"/>
               <a:t>Fifth level</a:t>
             </a:r>
             <a:endParaRPr lang="en-AU"/>
@@ -1164,7 +1835,13 @@
       </p:sp>
       <p:sp>
         <p:nvSpPr>
-          <p:cNvPr id="4" name="Content Placeholder 3"/>
+          <p:cNvPr id="4" name="Content Placeholder 3">
+            <a:extLst>
+              <a:ext uri="{FF2B5EF4-FFF2-40B4-BE49-F238E27FC236}">
+                <a16:creationId xmlns:a16="http://schemas.microsoft.com/office/drawing/2014/main" id="{DBDC6E33-811C-4A76-A58E-452526AEF3B2}"/>
+              </a:ext>
+            </a:extLst>
+          </p:cNvPr>
           <p:cNvSpPr>
             <a:spLocks noGrp="1"/>
           </p:cNvSpPr>
@@ -1174,8 +1851,8 @@
         </p:nvSpPr>
         <p:spPr>
           <a:xfrm>
-            <a:off x="6172200" y="1825625"/>
-            <a:ext cx="5181600" cy="4351338"/>
+            <a:off x="5103316" y="1509521"/>
+            <a:ext cx="4284266" cy="3597912"/>
           </a:xfrm>
         </p:spPr>
         <p:txBody>
@@ -1184,35 +1861,35 @@
           <a:p>
             <a:pPr lvl="0"/>
             <a:r>
-              <a:rPr lang="en-US" smtClean="0"/>
-              <a:t>Edit Master text styles</a:t>
+              <a:rPr lang="en-US"/>
+              <a:t>Click to edit Master text styles</a:t>
             </a:r>
           </a:p>
           <a:p>
             <a:pPr lvl="1"/>
             <a:r>
-              <a:rPr lang="en-US" smtClean="0"/>
+              <a:rPr lang="en-US"/>
               <a:t>Second level</a:t>
             </a:r>
           </a:p>
           <a:p>
             <a:pPr lvl="2"/>
             <a:r>
-              <a:rPr lang="en-US" smtClean="0"/>
+              <a:rPr lang="en-US"/>
               <a:t>Third level</a:t>
             </a:r>
           </a:p>
           <a:p>
             <a:pPr lvl="3"/>
             <a:r>
-              <a:rPr lang="en-US" smtClean="0"/>
+              <a:rPr lang="en-US"/>
               <a:t>Fourth level</a:t>
             </a:r>
           </a:p>
           <a:p>
             <a:pPr lvl="4"/>
             <a:r>
-              <a:rPr lang="en-US" smtClean="0"/>
+              <a:rPr lang="en-US"/>
               <a:t>Fifth level</a:t>
             </a:r>
             <a:endParaRPr lang="en-AU"/>
@@ -1221,7 +1898,13 @@
       </p:sp>
       <p:sp>
         <p:nvSpPr>
-          <p:cNvPr id="5" name="Date Placeholder 4"/>
+          <p:cNvPr id="5" name="Date Placeholder 4">
+            <a:extLst>
+              <a:ext uri="{FF2B5EF4-FFF2-40B4-BE49-F238E27FC236}">
+                <a16:creationId xmlns:a16="http://schemas.microsoft.com/office/drawing/2014/main" id="{7F2A0419-591C-4377-9962-6036674D19E7}"/>
+              </a:ext>
+            </a:extLst>
+          </p:cNvPr>
           <p:cNvSpPr>
             <a:spLocks noGrp="1"/>
           </p:cNvSpPr>
@@ -1234,17 +1917,24 @@
           <a:bodyPr/>
           <a:lstStyle/>
           <a:p>
-            <a:fld id="{19357E35-CF61-4604-9C90-D1773EA39866}" type="datetimeFigureOut">
-              <a:rPr lang="en-AU" smtClean="0"/>
-              <a:t>17/06/2022</a:t>
-            </a:fld>
-            <a:endParaRPr lang="en-AU"/>
-          </a:p>
-        </p:txBody>
-      </p:sp>
-      <p:sp>
-        <p:nvSpPr>
-          <p:cNvPr id="6" name="Footer Placeholder 5"/>
+            <a:r>
+              <a:rPr lang="en-US" sz="1400" b="0" strike="noStrike" spc="-1">
+                <a:latin typeface="Times New Roman"/>
+              </a:rPr>
+              <a:t>&lt;date/time&gt;</a:t>
+            </a:r>
+          </a:p>
+        </p:txBody>
+      </p:sp>
+      <p:sp>
+        <p:nvSpPr>
+          <p:cNvPr id="6" name="Footer Placeholder 5">
+            <a:extLst>
+              <a:ext uri="{FF2B5EF4-FFF2-40B4-BE49-F238E27FC236}">
+                <a16:creationId xmlns:a16="http://schemas.microsoft.com/office/drawing/2014/main" id="{6463E864-1799-46C3-9CDE-1F4E07A987FC}"/>
+              </a:ext>
+            </a:extLst>
+          </p:cNvPr>
           <p:cNvSpPr>
             <a:spLocks noGrp="1"/>
           </p:cNvSpPr>
@@ -1257,13 +1947,25 @@
           <a:bodyPr/>
           <a:lstStyle/>
           <a:p>
-            <a:endParaRPr lang="en-AU"/>
-          </a:p>
-        </p:txBody>
-      </p:sp>
-      <p:sp>
-        <p:nvSpPr>
-          <p:cNvPr id="7" name="Slide Number Placeholder 6"/>
+            <a:pPr algn="ctr"/>
+            <a:r>
+              <a:rPr lang="en-US" sz="1400" b="0" strike="noStrike" spc="-1">
+                <a:latin typeface="Times New Roman"/>
+              </a:rPr>
+              <a:t>&lt;footer&gt;</a:t>
+            </a:r>
+          </a:p>
+        </p:txBody>
+      </p:sp>
+      <p:sp>
+        <p:nvSpPr>
+          <p:cNvPr id="7" name="Slide Number Placeholder 6">
+            <a:extLst>
+              <a:ext uri="{FF2B5EF4-FFF2-40B4-BE49-F238E27FC236}">
+                <a16:creationId xmlns:a16="http://schemas.microsoft.com/office/drawing/2014/main" id="{93F5459D-B1E5-4D4A-8843-52FCD53BC3DD}"/>
+              </a:ext>
+            </a:extLst>
+          </p:cNvPr>
           <p:cNvSpPr>
             <a:spLocks noGrp="1"/>
           </p:cNvSpPr>
@@ -1276,18 +1978,23 @@
           <a:bodyPr/>
           <a:lstStyle/>
           <a:p>
-            <a:fld id="{43EF679C-BD94-4602-9592-1D561AC06BE0}" type="slidenum">
-              <a:rPr lang="en-AU" smtClean="0"/>
+            <a:pPr algn="r"/>
+            <a:fld id="{FB5B6535-24D4-4DC4-AA98-ADCA917E5BA5}" type="slidenum">
+              <a:rPr lang="en-US" sz="1400" b="0" strike="noStrike" spc="-1" smtClean="0">
+                <a:latin typeface="Times New Roman"/>
+              </a:rPr>
               <a:t>‹#›</a:t>
             </a:fld>
-            <a:endParaRPr lang="en-AU"/>
+            <a:endParaRPr lang="en-US" sz="1400" b="0" strike="noStrike" spc="-1">
+              <a:latin typeface="Times New Roman"/>
+            </a:endParaRPr>
           </a:p>
         </p:txBody>
       </p:sp>
     </p:spTree>
     <p:extLst>
       <p:ext uri="{BB962C8B-B14F-4D97-AF65-F5344CB8AC3E}">
-        <p14:creationId xmlns:p14="http://schemas.microsoft.com/office/powerpoint/2010/main" val="4160909447"/>
+        <p14:creationId xmlns:p14="http://schemas.microsoft.com/office/powerpoint/2010/main" val="77940167"/>
       </p:ext>
     </p:extLst>
   </p:cSld>
@@ -1316,7 +2023,13 @@
       </p:grpSpPr>
       <p:sp>
         <p:nvSpPr>
-          <p:cNvPr id="2" name="Title 1"/>
+          <p:cNvPr id="2" name="Title 1">
+            <a:extLst>
+              <a:ext uri="{FF2B5EF4-FFF2-40B4-BE49-F238E27FC236}">
+                <a16:creationId xmlns:a16="http://schemas.microsoft.com/office/drawing/2014/main" id="{06AAB36D-9562-44A6-BE18-F2FBD513F220}"/>
+              </a:ext>
+            </a:extLst>
+          </p:cNvPr>
           <p:cNvSpPr>
             <a:spLocks noGrp="1"/>
           </p:cNvSpPr>
@@ -1326,8 +2039,8 @@
         </p:nvSpPr>
         <p:spPr>
           <a:xfrm>
-            <a:off x="839788" y="365125"/>
-            <a:ext cx="10515600" cy="1325563"/>
+            <a:off x="694356" y="301905"/>
+            <a:ext cx="8694539" cy="1096044"/>
           </a:xfrm>
         </p:spPr>
         <p:txBody>
@@ -1335,7 +2048,7 @@
           <a:lstStyle/>
           <a:p>
             <a:r>
-              <a:rPr lang="en-US" smtClean="0"/>
+              <a:rPr lang="en-US"/>
               <a:t>Click to edit Master title style</a:t>
             </a:r>
             <a:endParaRPr lang="en-AU"/>
@@ -1344,7 +2057,13 @@
       </p:sp>
       <p:sp>
         <p:nvSpPr>
-          <p:cNvPr id="3" name="Text Placeholder 2"/>
+          <p:cNvPr id="3" name="Text Placeholder 2">
+            <a:extLst>
+              <a:ext uri="{FF2B5EF4-FFF2-40B4-BE49-F238E27FC236}">
+                <a16:creationId xmlns:a16="http://schemas.microsoft.com/office/drawing/2014/main" id="{116F7A19-63EA-4148-85A5-92EB8CDEDB01}"/>
+              </a:ext>
+            </a:extLst>
+          </p:cNvPr>
           <p:cNvSpPr>
             <a:spLocks noGrp="1"/>
           </p:cNvSpPr>
@@ -1354,8 +2073,8 @@
         </p:nvSpPr>
         <p:spPr>
           <a:xfrm>
-            <a:off x="839788" y="1681163"/>
-            <a:ext cx="5157787" cy="823912"/>
+            <a:off x="694357" y="1390073"/>
+            <a:ext cx="4264576" cy="681253"/>
           </a:xfrm>
         </p:spPr>
         <p:txBody>
@@ -1363,53 +2082,59 @@
           <a:lstStyle>
             <a:lvl1pPr marL="0" indent="0">
               <a:buNone/>
-              <a:defRPr sz="2400" b="1"/>
+              <a:defRPr sz="1984" b="1"/>
             </a:lvl1pPr>
-            <a:lvl2pPr marL="457200" indent="0">
-              <a:buNone/>
-              <a:defRPr sz="2000" b="1"/>
+            <a:lvl2pPr marL="378013" indent="0">
+              <a:buNone/>
+              <a:defRPr sz="1654" b="1"/>
             </a:lvl2pPr>
-            <a:lvl3pPr marL="914400" indent="0">
-              <a:buNone/>
-              <a:defRPr sz="1800" b="1"/>
+            <a:lvl3pPr marL="756026" indent="0">
+              <a:buNone/>
+              <a:defRPr sz="1488" b="1"/>
             </a:lvl3pPr>
-            <a:lvl4pPr marL="1371600" indent="0">
-              <a:buNone/>
-              <a:defRPr sz="1600" b="1"/>
+            <a:lvl4pPr marL="1134039" indent="0">
+              <a:buNone/>
+              <a:defRPr sz="1323" b="1"/>
             </a:lvl4pPr>
-            <a:lvl5pPr marL="1828800" indent="0">
-              <a:buNone/>
-              <a:defRPr sz="1600" b="1"/>
+            <a:lvl5pPr marL="1512052" indent="0">
+              <a:buNone/>
+              <a:defRPr sz="1323" b="1"/>
             </a:lvl5pPr>
-            <a:lvl6pPr marL="2286000" indent="0">
-              <a:buNone/>
-              <a:defRPr sz="1600" b="1"/>
+            <a:lvl6pPr marL="1890065" indent="0">
+              <a:buNone/>
+              <a:defRPr sz="1323" b="1"/>
             </a:lvl6pPr>
-            <a:lvl7pPr marL="2743200" indent="0">
-              <a:buNone/>
-              <a:defRPr sz="1600" b="1"/>
+            <a:lvl7pPr marL="2268078" indent="0">
+              <a:buNone/>
+              <a:defRPr sz="1323" b="1"/>
             </a:lvl7pPr>
-            <a:lvl8pPr marL="3200400" indent="0">
-              <a:buNone/>
-              <a:defRPr sz="1600" b="1"/>
+            <a:lvl8pPr marL="2646091" indent="0">
+              <a:buNone/>
+              <a:defRPr sz="1323" b="1"/>
             </a:lvl8pPr>
-            <a:lvl9pPr marL="3657600" indent="0">
-              <a:buNone/>
-              <a:defRPr sz="1600" b="1"/>
+            <a:lvl9pPr marL="3024104" indent="0">
+              <a:buNone/>
+              <a:defRPr sz="1323" b="1"/>
             </a:lvl9pPr>
           </a:lstStyle>
           <a:p>
             <a:pPr lvl="0"/>
             <a:r>
-              <a:rPr lang="en-US" smtClean="0"/>
-              <a:t>Edit Master text styles</a:t>
-            </a:r>
-          </a:p>
-        </p:txBody>
-      </p:sp>
-      <p:sp>
-        <p:nvSpPr>
-          <p:cNvPr id="4" name="Content Placeholder 3"/>
+              <a:rPr lang="en-US"/>
+              <a:t>Click to edit Master text styles</a:t>
+            </a:r>
+          </a:p>
+        </p:txBody>
+      </p:sp>
+      <p:sp>
+        <p:nvSpPr>
+          <p:cNvPr id="4" name="Content Placeholder 3">
+            <a:extLst>
+              <a:ext uri="{FF2B5EF4-FFF2-40B4-BE49-F238E27FC236}">
+                <a16:creationId xmlns:a16="http://schemas.microsoft.com/office/drawing/2014/main" id="{E95287EE-722E-4BC3-90EA-B2B1AD2CC287}"/>
+              </a:ext>
+            </a:extLst>
+          </p:cNvPr>
           <p:cNvSpPr>
             <a:spLocks noGrp="1"/>
           </p:cNvSpPr>
@@ -1419,8 +2144,8 @@
         </p:nvSpPr>
         <p:spPr>
           <a:xfrm>
-            <a:off x="839788" y="2505075"/>
-            <a:ext cx="5157787" cy="3684588"/>
+            <a:off x="694357" y="2071326"/>
+            <a:ext cx="4264576" cy="3046608"/>
           </a:xfrm>
         </p:spPr>
         <p:txBody>
@@ -1429,35 +2154,35 @@
           <a:p>
             <a:pPr lvl="0"/>
             <a:r>
-              <a:rPr lang="en-US" smtClean="0"/>
-              <a:t>Edit Master text styles</a:t>
+              <a:rPr lang="en-US"/>
+              <a:t>Click to edit Master text styles</a:t>
             </a:r>
           </a:p>
           <a:p>
             <a:pPr lvl="1"/>
             <a:r>
-              <a:rPr lang="en-US" smtClean="0"/>
+              <a:rPr lang="en-US"/>
               <a:t>Second level</a:t>
             </a:r>
           </a:p>
           <a:p>
             <a:pPr lvl="2"/>
             <a:r>
-              <a:rPr lang="en-US" smtClean="0"/>
+              <a:rPr lang="en-US"/>
               <a:t>Third level</a:t>
             </a:r>
           </a:p>
           <a:p>
             <a:pPr lvl="3"/>
             <a:r>
-              <a:rPr lang="en-US" smtClean="0"/>
+              <a:rPr lang="en-US"/>
               <a:t>Fourth level</a:t>
             </a:r>
           </a:p>
           <a:p>
             <a:pPr lvl="4"/>
             <a:r>
-              <a:rPr lang="en-US" smtClean="0"/>
+              <a:rPr lang="en-US"/>
               <a:t>Fifth level</a:t>
             </a:r>
             <a:endParaRPr lang="en-AU"/>
@@ -1466,7 +2191,13 @@
       </p:sp>
       <p:sp>
         <p:nvSpPr>
-          <p:cNvPr id="5" name="Text Placeholder 4"/>
+          <p:cNvPr id="5" name="Text Placeholder 4">
+            <a:extLst>
+              <a:ext uri="{FF2B5EF4-FFF2-40B4-BE49-F238E27FC236}">
+                <a16:creationId xmlns:a16="http://schemas.microsoft.com/office/drawing/2014/main" id="{CAEA0470-67AE-49E9-AD7C-067D0413BDB0}"/>
+              </a:ext>
+            </a:extLst>
+          </p:cNvPr>
           <p:cNvSpPr>
             <a:spLocks noGrp="1"/>
           </p:cNvSpPr>
@@ -1476,8 +2207,8 @@
         </p:nvSpPr>
         <p:spPr>
           <a:xfrm>
-            <a:off x="6172200" y="1681163"/>
-            <a:ext cx="5183188" cy="823912"/>
+            <a:off x="5103316" y="1390073"/>
+            <a:ext cx="4285579" cy="681253"/>
           </a:xfrm>
         </p:spPr>
         <p:txBody>
@@ -1485,53 +2216,59 @@
           <a:lstStyle>
             <a:lvl1pPr marL="0" indent="0">
               <a:buNone/>
-              <a:defRPr sz="2400" b="1"/>
+              <a:defRPr sz="1984" b="1"/>
             </a:lvl1pPr>
-            <a:lvl2pPr marL="457200" indent="0">
-              <a:buNone/>
-              <a:defRPr sz="2000" b="1"/>
+            <a:lvl2pPr marL="378013" indent="0">
+              <a:buNone/>
+              <a:defRPr sz="1654" b="1"/>
             </a:lvl2pPr>
-            <a:lvl3pPr marL="914400" indent="0">
-              <a:buNone/>
-              <a:defRPr sz="1800" b="1"/>
+            <a:lvl3pPr marL="756026" indent="0">
+              <a:buNone/>
+              <a:defRPr sz="1488" b="1"/>
             </a:lvl3pPr>
-            <a:lvl4pPr marL="1371600" indent="0">
-              <a:buNone/>
-              <a:defRPr sz="1600" b="1"/>
+            <a:lvl4pPr marL="1134039" indent="0">
+              <a:buNone/>
+              <a:defRPr sz="1323" b="1"/>
             </a:lvl4pPr>
-            <a:lvl5pPr marL="1828800" indent="0">
-              <a:buNone/>
-              <a:defRPr sz="1600" b="1"/>
+            <a:lvl5pPr marL="1512052" indent="0">
+              <a:buNone/>
+              <a:defRPr sz="1323" b="1"/>
             </a:lvl5pPr>
-            <a:lvl6pPr marL="2286000" indent="0">
-              <a:buNone/>
-              <a:defRPr sz="1600" b="1"/>
+            <a:lvl6pPr marL="1890065" indent="0">
+              <a:buNone/>
+              <a:defRPr sz="1323" b="1"/>
             </a:lvl6pPr>
-            <a:lvl7pPr marL="2743200" indent="0">
-              <a:buNone/>
-              <a:defRPr sz="1600" b="1"/>
+            <a:lvl7pPr marL="2268078" indent="0">
+              <a:buNone/>
+              <a:defRPr sz="1323" b="1"/>
             </a:lvl7pPr>
-            <a:lvl8pPr marL="3200400" indent="0">
-              <a:buNone/>
-              <a:defRPr sz="1600" b="1"/>
+            <a:lvl8pPr marL="2646091" indent="0">
+              <a:buNone/>
+              <a:defRPr sz="1323" b="1"/>
             </a:lvl8pPr>
-            <a:lvl9pPr marL="3657600" indent="0">
-              <a:buNone/>
-              <a:defRPr sz="1600" b="1"/>
+            <a:lvl9pPr marL="3024104" indent="0">
+              <a:buNone/>
+              <a:defRPr sz="1323" b="1"/>
             </a:lvl9pPr>
           </a:lstStyle>
           <a:p>
             <a:pPr lvl="0"/>
             <a:r>
-              <a:rPr lang="en-US" smtClean="0"/>
-              <a:t>Edit Master text styles</a:t>
-            </a:r>
-          </a:p>
-        </p:txBody>
-      </p:sp>
-      <p:sp>
-        <p:nvSpPr>
-          <p:cNvPr id="6" name="Content Placeholder 5"/>
+              <a:rPr lang="en-US"/>
+              <a:t>Click to edit Master text styles</a:t>
+            </a:r>
+          </a:p>
+        </p:txBody>
+      </p:sp>
+      <p:sp>
+        <p:nvSpPr>
+          <p:cNvPr id="6" name="Content Placeholder 5">
+            <a:extLst>
+              <a:ext uri="{FF2B5EF4-FFF2-40B4-BE49-F238E27FC236}">
+                <a16:creationId xmlns:a16="http://schemas.microsoft.com/office/drawing/2014/main" id="{CE1F6DFF-3D56-4DEF-9956-503C76586AE9}"/>
+              </a:ext>
+            </a:extLst>
+          </p:cNvPr>
           <p:cNvSpPr>
             <a:spLocks noGrp="1"/>
           </p:cNvSpPr>
@@ -1541,8 +2278,8 @@
         </p:nvSpPr>
         <p:spPr>
           <a:xfrm>
-            <a:off x="6172200" y="2505075"/>
-            <a:ext cx="5183188" cy="3684588"/>
+            <a:off x="5103316" y="2071326"/>
+            <a:ext cx="4285579" cy="3046608"/>
           </a:xfrm>
         </p:spPr>
         <p:txBody>
@@ -1551,35 +2288,35 @@
           <a:p>
             <a:pPr lvl="0"/>
             <a:r>
-              <a:rPr lang="en-US" smtClean="0"/>
-              <a:t>Edit Master text styles</a:t>
+              <a:rPr lang="en-US"/>
+              <a:t>Click to edit Master text styles</a:t>
             </a:r>
           </a:p>
           <a:p>
             <a:pPr lvl="1"/>
             <a:r>
-              <a:rPr lang="en-US" smtClean="0"/>
+              <a:rPr lang="en-US"/>
               <a:t>Second level</a:t>
             </a:r>
           </a:p>
           <a:p>
             <a:pPr lvl="2"/>
             <a:r>
-              <a:rPr lang="en-US" smtClean="0"/>
+              <a:rPr lang="en-US"/>
               <a:t>Third level</a:t>
             </a:r>
           </a:p>
           <a:p>
             <a:pPr lvl="3"/>
             <a:r>
-              <a:rPr lang="en-US" smtClean="0"/>
+              <a:rPr lang="en-US"/>
               <a:t>Fourth level</a:t>
             </a:r>
           </a:p>
           <a:p>
             <a:pPr lvl="4"/>
             <a:r>
-              <a:rPr lang="en-US" smtClean="0"/>
+              <a:rPr lang="en-US"/>
               <a:t>Fifth level</a:t>
             </a:r>
             <a:endParaRPr lang="en-AU"/>
@@ -1588,7 +2325,13 @@
       </p:sp>
       <p:sp>
         <p:nvSpPr>
-          <p:cNvPr id="7" name="Date Placeholder 6"/>
+          <p:cNvPr id="7" name="Date Placeholder 6">
+            <a:extLst>
+              <a:ext uri="{FF2B5EF4-FFF2-40B4-BE49-F238E27FC236}">
+                <a16:creationId xmlns:a16="http://schemas.microsoft.com/office/drawing/2014/main" id="{3759C303-6449-48FB-9F94-212036A4162B}"/>
+              </a:ext>
+            </a:extLst>
+          </p:cNvPr>
           <p:cNvSpPr>
             <a:spLocks noGrp="1"/>
           </p:cNvSpPr>
@@ -1601,17 +2344,24 @@
           <a:bodyPr/>
           <a:lstStyle/>
           <a:p>
-            <a:fld id="{19357E35-CF61-4604-9C90-D1773EA39866}" type="datetimeFigureOut">
-              <a:rPr lang="en-AU" smtClean="0"/>
-              <a:t>17/06/2022</a:t>
-            </a:fld>
-            <a:endParaRPr lang="en-AU"/>
-          </a:p>
-        </p:txBody>
-      </p:sp>
-      <p:sp>
-        <p:nvSpPr>
-          <p:cNvPr id="8" name="Footer Placeholder 7"/>
+            <a:r>
+              <a:rPr lang="en-US" sz="1400" b="0" strike="noStrike" spc="-1">
+                <a:latin typeface="Times New Roman"/>
+              </a:rPr>
+              <a:t>&lt;date/time&gt;</a:t>
+            </a:r>
+          </a:p>
+        </p:txBody>
+      </p:sp>
+      <p:sp>
+        <p:nvSpPr>
+          <p:cNvPr id="8" name="Footer Placeholder 7">
+            <a:extLst>
+              <a:ext uri="{FF2B5EF4-FFF2-40B4-BE49-F238E27FC236}">
+                <a16:creationId xmlns:a16="http://schemas.microsoft.com/office/drawing/2014/main" id="{B47A643C-00B8-4A11-A903-A74A4824CCF8}"/>
+              </a:ext>
+            </a:extLst>
+          </p:cNvPr>
           <p:cNvSpPr>
             <a:spLocks noGrp="1"/>
           </p:cNvSpPr>
@@ -1624,13 +2374,25 @@
           <a:bodyPr/>
           <a:lstStyle/>
           <a:p>
-            <a:endParaRPr lang="en-AU"/>
-          </a:p>
-        </p:txBody>
-      </p:sp>
-      <p:sp>
-        <p:nvSpPr>
-          <p:cNvPr id="9" name="Slide Number Placeholder 8"/>
+            <a:pPr algn="ctr"/>
+            <a:r>
+              <a:rPr lang="en-US" sz="1400" b="0" strike="noStrike" spc="-1">
+                <a:latin typeface="Times New Roman"/>
+              </a:rPr>
+              <a:t>&lt;footer&gt;</a:t>
+            </a:r>
+          </a:p>
+        </p:txBody>
+      </p:sp>
+      <p:sp>
+        <p:nvSpPr>
+          <p:cNvPr id="9" name="Slide Number Placeholder 8">
+            <a:extLst>
+              <a:ext uri="{FF2B5EF4-FFF2-40B4-BE49-F238E27FC236}">
+                <a16:creationId xmlns:a16="http://schemas.microsoft.com/office/drawing/2014/main" id="{18FAF5FE-2A59-4FAE-A0F5-12A93BA4B396}"/>
+              </a:ext>
+            </a:extLst>
+          </p:cNvPr>
           <p:cNvSpPr>
             <a:spLocks noGrp="1"/>
           </p:cNvSpPr>
@@ -1643,18 +2405,23 @@
           <a:bodyPr/>
           <a:lstStyle/>
           <a:p>
-            <a:fld id="{43EF679C-BD94-4602-9592-1D561AC06BE0}" type="slidenum">
-              <a:rPr lang="en-AU" smtClean="0"/>
+            <a:pPr algn="r"/>
+            <a:fld id="{FB5B6535-24D4-4DC4-AA98-ADCA917E5BA5}" type="slidenum">
+              <a:rPr lang="en-US" sz="1400" b="0" strike="noStrike" spc="-1" smtClean="0">
+                <a:latin typeface="Times New Roman"/>
+              </a:rPr>
               <a:t>‹#›</a:t>
             </a:fld>
-            <a:endParaRPr lang="en-AU"/>
+            <a:endParaRPr lang="en-US" sz="1400" b="0" strike="noStrike" spc="-1">
+              <a:latin typeface="Times New Roman"/>
+            </a:endParaRPr>
           </a:p>
         </p:txBody>
       </p:sp>
     </p:spTree>
     <p:extLst>
       <p:ext uri="{BB962C8B-B14F-4D97-AF65-F5344CB8AC3E}">
-        <p14:creationId xmlns:p14="http://schemas.microsoft.com/office/powerpoint/2010/main" val="3556793788"/>
+        <p14:creationId xmlns:p14="http://schemas.microsoft.com/office/powerpoint/2010/main" val="2242943241"/>
       </p:ext>
     </p:extLst>
   </p:cSld>
@@ -1683,7 +2450,13 @@
       </p:grpSpPr>
       <p:sp>
         <p:nvSpPr>
-          <p:cNvPr id="2" name="Title 1"/>
+          <p:cNvPr id="2" name="Title 1">
+            <a:extLst>
+              <a:ext uri="{FF2B5EF4-FFF2-40B4-BE49-F238E27FC236}">
+                <a16:creationId xmlns:a16="http://schemas.microsoft.com/office/drawing/2014/main" id="{0E41C71C-F5AD-48A9-994C-3F6017279F7B}"/>
+              </a:ext>
+            </a:extLst>
+          </p:cNvPr>
           <p:cNvSpPr>
             <a:spLocks noGrp="1"/>
           </p:cNvSpPr>
@@ -1697,21 +2470,57 @@
           <a:lstStyle/>
           <a:p>
             <a:r>
+              <a:rPr lang="en-US"/>
+              <a:t>Click to edit Master title style</a:t>
+            </a:r>
+            <a:endParaRPr lang="en-AU"/>
+          </a:p>
+        </p:txBody>
+      </p:sp>
+      <p:sp>
+        <p:nvSpPr>
+          <p:cNvPr id="3" name="Date Placeholder 2">
+            <a:extLst>
+              <a:ext uri="{FF2B5EF4-FFF2-40B4-BE49-F238E27FC236}">
+                <a16:creationId xmlns:a16="http://schemas.microsoft.com/office/drawing/2014/main" id="{BB08A271-D1D6-4A71-B58E-C83EDE452C68}"/>
+              </a:ext>
+            </a:extLst>
+          </p:cNvPr>
+          <p:cNvSpPr>
+            <a:spLocks noGrp="1"/>
+          </p:cNvSpPr>
+          <p:nvPr>
+            <p:ph type="dt" sz="half" idx="10"/>
+          </p:nvPr>
+        </p:nvSpPr>
+        <p:spPr/>
+        <p:txBody>
+          <a:bodyPr/>
+          <a:lstStyle/>
+          <a:p>
+            <a:fld id="{B61BEF0D-F0BB-DE4B-95CE-6DB70DBA9567}" type="datetimeFigureOut">
               <a:rPr lang="en-US" smtClean="0"/>
-              <a:t>Click to edit Master title style</a:t>
-            </a:r>
-            <a:endParaRPr lang="en-AU"/>
-          </a:p>
-        </p:txBody>
-      </p:sp>
-      <p:sp>
-        <p:nvSpPr>
-          <p:cNvPr id="3" name="Date Placeholder 2"/>
-          <p:cNvSpPr>
-            <a:spLocks noGrp="1"/>
-          </p:cNvSpPr>
-          <p:nvPr>
-            <p:ph type="dt" sz="half" idx="10"/>
+              <a:pPr/>
+              <a:t>11/30/2021</a:t>
+            </a:fld>
+            <a:endParaRPr lang="en-US" dirty="0"/>
+          </a:p>
+        </p:txBody>
+      </p:sp>
+      <p:sp>
+        <p:nvSpPr>
+          <p:cNvPr id="4" name="Footer Placeholder 3">
+            <a:extLst>
+              <a:ext uri="{FF2B5EF4-FFF2-40B4-BE49-F238E27FC236}">
+                <a16:creationId xmlns:a16="http://schemas.microsoft.com/office/drawing/2014/main" id="{596EE433-F344-4ACC-AA7C-1C9E1CBCF33E}"/>
+              </a:ext>
+            </a:extLst>
+          </p:cNvPr>
+          <p:cNvSpPr>
+            <a:spLocks noGrp="1"/>
+          </p:cNvSpPr>
+          <p:nvPr>
+            <p:ph type="ftr" sz="quarter" idx="11"/>
           </p:nvPr>
         </p:nvSpPr>
         <p:spPr/>
@@ -1719,22 +2528,24 @@
           <a:bodyPr/>
           <a:lstStyle/>
           <a:p>
-            <a:fld id="{19357E35-CF61-4604-9C90-D1773EA39866}" type="datetimeFigureOut">
-              <a:rPr lang="en-AU" smtClean="0"/>
-              <a:t>17/06/2022</a:t>
-            </a:fld>
-            <a:endParaRPr lang="en-AU"/>
-          </a:p>
-        </p:txBody>
-      </p:sp>
-      <p:sp>
-        <p:nvSpPr>
-          <p:cNvPr id="4" name="Footer Placeholder 3"/>
-          <p:cNvSpPr>
-            <a:spLocks noGrp="1"/>
-          </p:cNvSpPr>
-          <p:nvPr>
-            <p:ph type="ftr" sz="quarter" idx="11"/>
+            <a:endParaRPr lang="en-US" dirty="0"/>
+          </a:p>
+        </p:txBody>
+      </p:sp>
+      <p:sp>
+        <p:nvSpPr>
+          <p:cNvPr id="5" name="Slide Number Placeholder 4">
+            <a:extLst>
+              <a:ext uri="{FF2B5EF4-FFF2-40B4-BE49-F238E27FC236}">
+                <a16:creationId xmlns:a16="http://schemas.microsoft.com/office/drawing/2014/main" id="{3A7BE9CF-6107-4FF8-B34F-B8058334FF57}"/>
+              </a:ext>
+            </a:extLst>
+          </p:cNvPr>
+          <p:cNvSpPr>
+            <a:spLocks noGrp="1"/>
+          </p:cNvSpPr>
+          <p:nvPr>
+            <p:ph type="sldNum" sz="quarter" idx="12"/>
           </p:nvPr>
         </p:nvSpPr>
         <p:spPr/>
@@ -1742,37 +2553,19 @@
           <a:bodyPr/>
           <a:lstStyle/>
           <a:p>
-            <a:endParaRPr lang="en-AU"/>
-          </a:p>
-        </p:txBody>
-      </p:sp>
-      <p:sp>
-        <p:nvSpPr>
-          <p:cNvPr id="5" name="Slide Number Placeholder 4"/>
-          <p:cNvSpPr>
-            <a:spLocks noGrp="1"/>
-          </p:cNvSpPr>
-          <p:nvPr>
-            <p:ph type="sldNum" sz="quarter" idx="12"/>
-          </p:nvPr>
-        </p:nvSpPr>
-        <p:spPr/>
-        <p:txBody>
-          <a:bodyPr/>
-          <a:lstStyle/>
-          <a:p>
-            <a:fld id="{43EF679C-BD94-4602-9592-1D561AC06BE0}" type="slidenum">
-              <a:rPr lang="en-AU" smtClean="0"/>
+            <a:fld id="{D57F1E4F-1CFF-5643-939E-217C01CDF565}" type="slidenum">
+              <a:rPr lang="en-US" smtClean="0"/>
+              <a:pPr/>
               <a:t>‹#›</a:t>
             </a:fld>
-            <a:endParaRPr lang="en-AU"/>
+            <a:endParaRPr lang="en-US" dirty="0"/>
           </a:p>
         </p:txBody>
       </p:sp>
     </p:spTree>
     <p:extLst>
       <p:ext uri="{BB962C8B-B14F-4D97-AF65-F5344CB8AC3E}">
-        <p14:creationId xmlns:p14="http://schemas.microsoft.com/office/powerpoint/2010/main" val="948228441"/>
+        <p14:creationId xmlns:p14="http://schemas.microsoft.com/office/powerpoint/2010/main" val="1040611217"/>
       </p:ext>
     </p:extLst>
   </p:cSld>
@@ -1801,7 +2594,13 @@
       </p:grpSpPr>
       <p:sp>
         <p:nvSpPr>
-          <p:cNvPr id="2" name="Date Placeholder 1"/>
+          <p:cNvPr id="2" name="Date Placeholder 1">
+            <a:extLst>
+              <a:ext uri="{FF2B5EF4-FFF2-40B4-BE49-F238E27FC236}">
+                <a16:creationId xmlns:a16="http://schemas.microsoft.com/office/drawing/2014/main" id="{A098637E-5AAF-4737-BCF7-6FB9749FB4A0}"/>
+              </a:ext>
+            </a:extLst>
+          </p:cNvPr>
           <p:cNvSpPr>
             <a:spLocks noGrp="1"/>
           </p:cNvSpPr>
@@ -1814,17 +2613,24 @@
           <a:bodyPr/>
           <a:lstStyle/>
           <a:p>
-            <a:fld id="{19357E35-CF61-4604-9C90-D1773EA39866}" type="datetimeFigureOut">
-              <a:rPr lang="en-AU" smtClean="0"/>
-              <a:t>17/06/2022</a:t>
-            </a:fld>
-            <a:endParaRPr lang="en-AU"/>
-          </a:p>
-        </p:txBody>
-      </p:sp>
-      <p:sp>
-        <p:nvSpPr>
-          <p:cNvPr id="3" name="Footer Placeholder 2"/>
+            <a:r>
+              <a:rPr lang="en-US" sz="1400" b="0" strike="noStrike" spc="-1">
+                <a:latin typeface="Times New Roman"/>
+              </a:rPr>
+              <a:t>&lt;date/time&gt;</a:t>
+            </a:r>
+          </a:p>
+        </p:txBody>
+      </p:sp>
+      <p:sp>
+        <p:nvSpPr>
+          <p:cNvPr id="3" name="Footer Placeholder 2">
+            <a:extLst>
+              <a:ext uri="{FF2B5EF4-FFF2-40B4-BE49-F238E27FC236}">
+                <a16:creationId xmlns:a16="http://schemas.microsoft.com/office/drawing/2014/main" id="{7A7D41E0-3E45-47A9-A1D4-47D075A297BF}"/>
+              </a:ext>
+            </a:extLst>
+          </p:cNvPr>
           <p:cNvSpPr>
             <a:spLocks noGrp="1"/>
           </p:cNvSpPr>
@@ -1837,13 +2643,25 @@
           <a:bodyPr/>
           <a:lstStyle/>
           <a:p>
-            <a:endParaRPr lang="en-AU"/>
-          </a:p>
-        </p:txBody>
-      </p:sp>
-      <p:sp>
-        <p:nvSpPr>
-          <p:cNvPr id="4" name="Slide Number Placeholder 3"/>
+            <a:pPr algn="ctr"/>
+            <a:r>
+              <a:rPr lang="en-US" sz="1400" b="0" strike="noStrike" spc="-1">
+                <a:latin typeface="Times New Roman"/>
+              </a:rPr>
+              <a:t>&lt;footer&gt;</a:t>
+            </a:r>
+          </a:p>
+        </p:txBody>
+      </p:sp>
+      <p:sp>
+        <p:nvSpPr>
+          <p:cNvPr id="4" name="Slide Number Placeholder 3">
+            <a:extLst>
+              <a:ext uri="{FF2B5EF4-FFF2-40B4-BE49-F238E27FC236}">
+                <a16:creationId xmlns:a16="http://schemas.microsoft.com/office/drawing/2014/main" id="{7CEEA84E-DB9B-4EE1-A8B0-AFF6105C0B0E}"/>
+              </a:ext>
+            </a:extLst>
+          </p:cNvPr>
           <p:cNvSpPr>
             <a:spLocks noGrp="1"/>
           </p:cNvSpPr>
@@ -1856,18 +2674,23 @@
           <a:bodyPr/>
           <a:lstStyle/>
           <a:p>
-            <a:fld id="{43EF679C-BD94-4602-9592-1D561AC06BE0}" type="slidenum">
-              <a:rPr lang="en-AU" smtClean="0"/>
+            <a:pPr algn="r"/>
+            <a:fld id="{FB5B6535-24D4-4DC4-AA98-ADCA917E5BA5}" type="slidenum">
+              <a:rPr lang="en-US" sz="1400" b="0" strike="noStrike" spc="-1" smtClean="0">
+                <a:latin typeface="Times New Roman"/>
+              </a:rPr>
               <a:t>‹#›</a:t>
             </a:fld>
-            <a:endParaRPr lang="en-AU"/>
+            <a:endParaRPr lang="en-US" sz="1400" b="0" strike="noStrike" spc="-1">
+              <a:latin typeface="Times New Roman"/>
+            </a:endParaRPr>
           </a:p>
         </p:txBody>
       </p:sp>
     </p:spTree>
     <p:extLst>
       <p:ext uri="{BB962C8B-B14F-4D97-AF65-F5344CB8AC3E}">
-        <p14:creationId xmlns:p14="http://schemas.microsoft.com/office/powerpoint/2010/main" val="3039366848"/>
+        <p14:creationId xmlns:p14="http://schemas.microsoft.com/office/powerpoint/2010/main" val="2248982642"/>
       </p:ext>
     </p:extLst>
   </p:cSld>
@@ -1896,7 +2719,13 @@
       </p:grpSpPr>
       <p:sp>
         <p:nvSpPr>
-          <p:cNvPr id="2" name="Title 1"/>
+          <p:cNvPr id="2" name="Title 1">
+            <a:extLst>
+              <a:ext uri="{FF2B5EF4-FFF2-40B4-BE49-F238E27FC236}">
+                <a16:creationId xmlns:a16="http://schemas.microsoft.com/office/drawing/2014/main" id="{C5599BDB-5AAB-4F7A-9F8B-663E704B0358}"/>
+              </a:ext>
+            </a:extLst>
+          </p:cNvPr>
           <p:cNvSpPr>
             <a:spLocks noGrp="1"/>
           </p:cNvSpPr>
@@ -1906,20 +2735,20 @@
         </p:nvSpPr>
         <p:spPr>
           <a:xfrm>
-            <a:off x="839788" y="457200"/>
-            <a:ext cx="3932237" cy="1600200"/>
+            <a:off x="694356" y="378037"/>
+            <a:ext cx="3251264" cy="1323128"/>
           </a:xfrm>
         </p:spPr>
         <p:txBody>
           <a:bodyPr anchor="b"/>
           <a:lstStyle>
             <a:lvl1pPr>
-              <a:defRPr sz="3200"/>
+              <a:defRPr sz="2646"/>
             </a:lvl1pPr>
           </a:lstStyle>
           <a:p>
             <a:r>
-              <a:rPr lang="en-US" smtClean="0"/>
+              <a:rPr lang="en-US"/>
               <a:t>Click to edit Master title style</a:t>
             </a:r>
             <a:endParaRPr lang="en-AU"/>
@@ -1928,7 +2757,13 @@
       </p:sp>
       <p:sp>
         <p:nvSpPr>
-          <p:cNvPr id="3" name="Content Placeholder 2"/>
+          <p:cNvPr id="3" name="Content Placeholder 2">
+            <a:extLst>
+              <a:ext uri="{FF2B5EF4-FFF2-40B4-BE49-F238E27FC236}">
+                <a16:creationId xmlns:a16="http://schemas.microsoft.com/office/drawing/2014/main" id="{C6813B2C-C26A-4809-B825-3EFCEA1B19AC}"/>
+              </a:ext>
+            </a:extLst>
+          </p:cNvPr>
           <p:cNvSpPr>
             <a:spLocks noGrp="1"/>
           </p:cNvSpPr>
@@ -1938,73 +2773,73 @@
         </p:nvSpPr>
         <p:spPr>
           <a:xfrm>
-            <a:off x="5183188" y="987425"/>
-            <a:ext cx="6172200" cy="4873625"/>
+            <a:off x="4285579" y="816455"/>
+            <a:ext cx="5103316" cy="4029766"/>
           </a:xfrm>
         </p:spPr>
         <p:txBody>
           <a:bodyPr/>
           <a:lstStyle>
             <a:lvl1pPr>
-              <a:defRPr sz="3200"/>
+              <a:defRPr sz="2646"/>
             </a:lvl1pPr>
             <a:lvl2pPr>
-              <a:defRPr sz="2800"/>
+              <a:defRPr sz="2315"/>
             </a:lvl2pPr>
             <a:lvl3pPr>
-              <a:defRPr sz="2400"/>
+              <a:defRPr sz="1984"/>
             </a:lvl3pPr>
             <a:lvl4pPr>
-              <a:defRPr sz="2000"/>
+              <a:defRPr sz="1654"/>
             </a:lvl4pPr>
             <a:lvl5pPr>
-              <a:defRPr sz="2000"/>
+              <a:defRPr sz="1654"/>
             </a:lvl5pPr>
             <a:lvl6pPr>
-              <a:defRPr sz="2000"/>
+              <a:defRPr sz="1654"/>
             </a:lvl6pPr>
             <a:lvl7pPr>
-              <a:defRPr sz="2000"/>
+              <a:defRPr sz="1654"/>
             </a:lvl7pPr>
             <a:lvl8pPr>
-              <a:defRPr sz="2000"/>
+              <a:defRPr sz="1654"/>
             </a:lvl8pPr>
             <a:lvl9pPr>
-              <a:defRPr sz="2000"/>
+              <a:defRPr sz="1654"/>
             </a:lvl9pPr>
           </a:lstStyle>
           <a:p>
             <a:pPr lvl="0"/>
             <a:r>
-              <a:rPr lang="en-US" smtClean="0"/>
-              <a:t>Edit Master text styles</a:t>
+              <a:rPr lang="en-US"/>
+              <a:t>Click to edit Master text styles</a:t>
             </a:r>
           </a:p>
           <a:p>
             <a:pPr lvl="1"/>
             <a:r>
-              <a:rPr lang="en-US" smtClean="0"/>
+              <a:rPr lang="en-US"/>
               <a:t>Second level</a:t>
             </a:r>
           </a:p>
           <a:p>
             <a:pPr lvl="2"/>
             <a:r>
-              <a:rPr lang="en-US" smtClean="0"/>
+              <a:rPr lang="en-US"/>
               <a:t>Third level</a:t>
             </a:r>
           </a:p>
           <a:p>
             <a:pPr lvl="3"/>
             <a:r>
-              <a:rPr lang="en-US" smtClean="0"/>
+              <a:rPr lang="en-US"/>
               <a:t>Fourth level</a:t>
             </a:r>
           </a:p>
           <a:p>
             <a:pPr lvl="4"/>
             <a:r>
-              <a:rPr lang="en-US" smtClean="0"/>
+              <a:rPr lang="en-US"/>
               <a:t>Fifth level</a:t>
             </a:r>
             <a:endParaRPr lang="en-AU"/>
@@ -2013,7 +2848,13 @@
       </p:sp>
       <p:sp>
         <p:nvSpPr>
-          <p:cNvPr id="4" name="Text Placeholder 3"/>
+          <p:cNvPr id="4" name="Text Placeholder 3">
+            <a:extLst>
+              <a:ext uri="{FF2B5EF4-FFF2-40B4-BE49-F238E27FC236}">
+                <a16:creationId xmlns:a16="http://schemas.microsoft.com/office/drawing/2014/main" id="{5555C4B4-9BCB-4141-9D1F-FA45BD3D9661}"/>
+              </a:ext>
+            </a:extLst>
+          </p:cNvPr>
           <p:cNvSpPr>
             <a:spLocks noGrp="1"/>
           </p:cNvSpPr>
@@ -2023,8 +2864,8 @@
         </p:nvSpPr>
         <p:spPr>
           <a:xfrm>
-            <a:off x="839788" y="2057400"/>
-            <a:ext cx="3932237" cy="3811588"/>
+            <a:off x="694356" y="1701165"/>
+            <a:ext cx="3251264" cy="3151619"/>
           </a:xfrm>
         </p:spPr>
         <p:txBody>
@@ -2032,53 +2873,59 @@
           <a:lstStyle>
             <a:lvl1pPr marL="0" indent="0">
               <a:buNone/>
-              <a:defRPr sz="1600"/>
+              <a:defRPr sz="1323"/>
             </a:lvl1pPr>
-            <a:lvl2pPr marL="457200" indent="0">
-              <a:buNone/>
-              <a:defRPr sz="1400"/>
+            <a:lvl2pPr marL="378013" indent="0">
+              <a:buNone/>
+              <a:defRPr sz="1158"/>
             </a:lvl2pPr>
-            <a:lvl3pPr marL="914400" indent="0">
-              <a:buNone/>
-              <a:defRPr sz="1200"/>
+            <a:lvl3pPr marL="756026" indent="0">
+              <a:buNone/>
+              <a:defRPr sz="992"/>
             </a:lvl3pPr>
-            <a:lvl4pPr marL="1371600" indent="0">
-              <a:buNone/>
-              <a:defRPr sz="1000"/>
+            <a:lvl4pPr marL="1134039" indent="0">
+              <a:buNone/>
+              <a:defRPr sz="827"/>
             </a:lvl4pPr>
-            <a:lvl5pPr marL="1828800" indent="0">
-              <a:buNone/>
-              <a:defRPr sz="1000"/>
+            <a:lvl5pPr marL="1512052" indent="0">
+              <a:buNone/>
+              <a:defRPr sz="827"/>
             </a:lvl5pPr>
-            <a:lvl6pPr marL="2286000" indent="0">
-              <a:buNone/>
-              <a:defRPr sz="1000"/>
+            <a:lvl6pPr marL="1890065" indent="0">
+              <a:buNone/>
+              <a:defRPr sz="827"/>
             </a:lvl6pPr>
-            <a:lvl7pPr marL="2743200" indent="0">
-              <a:buNone/>
-              <a:defRPr sz="1000"/>
+            <a:lvl7pPr marL="2268078" indent="0">
+              <a:buNone/>
+              <a:defRPr sz="827"/>
             </a:lvl7pPr>
-            <a:lvl8pPr marL="3200400" indent="0">
-              <a:buNone/>
-              <a:defRPr sz="1000"/>
+            <a:lvl8pPr marL="2646091" indent="0">
+              <a:buNone/>
+              <a:defRPr sz="827"/>
             </a:lvl8pPr>
-            <a:lvl9pPr marL="3657600" indent="0">
-              <a:buNone/>
-              <a:defRPr sz="1000"/>
+            <a:lvl9pPr marL="3024104" indent="0">
+              <a:buNone/>
+              <a:defRPr sz="827"/>
             </a:lvl9pPr>
           </a:lstStyle>
           <a:p>
             <a:pPr lvl="0"/>
             <a:r>
-              <a:rPr lang="en-US" smtClean="0"/>
-              <a:t>Edit Master text styles</a:t>
-            </a:r>
-          </a:p>
-        </p:txBody>
-      </p:sp>
-      <p:sp>
-        <p:nvSpPr>
-          <p:cNvPr id="5" name="Date Placeholder 4"/>
+              <a:rPr lang="en-US"/>
+              <a:t>Click to edit Master text styles</a:t>
+            </a:r>
+          </a:p>
+        </p:txBody>
+      </p:sp>
+      <p:sp>
+        <p:nvSpPr>
+          <p:cNvPr id="5" name="Date Placeholder 4">
+            <a:extLst>
+              <a:ext uri="{FF2B5EF4-FFF2-40B4-BE49-F238E27FC236}">
+                <a16:creationId xmlns:a16="http://schemas.microsoft.com/office/drawing/2014/main" id="{E579B144-E85E-49D0-AE34-6278F7506044}"/>
+              </a:ext>
+            </a:extLst>
+          </p:cNvPr>
           <p:cNvSpPr>
             <a:spLocks noGrp="1"/>
           </p:cNvSpPr>
@@ -2091,17 +2938,24 @@
           <a:bodyPr/>
           <a:lstStyle/>
           <a:p>
-            <a:fld id="{19357E35-CF61-4604-9C90-D1773EA39866}" type="datetimeFigureOut">
-              <a:rPr lang="en-AU" smtClean="0"/>
-              <a:t>17/06/2022</a:t>
-            </a:fld>
-            <a:endParaRPr lang="en-AU"/>
-          </a:p>
-        </p:txBody>
-      </p:sp>
-      <p:sp>
-        <p:nvSpPr>
-          <p:cNvPr id="6" name="Footer Placeholder 5"/>
+            <a:r>
+              <a:rPr lang="en-US" sz="1400" b="0" strike="noStrike" spc="-1">
+                <a:latin typeface="Times New Roman"/>
+              </a:rPr>
+              <a:t>&lt;date/time&gt;</a:t>
+            </a:r>
+          </a:p>
+        </p:txBody>
+      </p:sp>
+      <p:sp>
+        <p:nvSpPr>
+          <p:cNvPr id="6" name="Footer Placeholder 5">
+            <a:extLst>
+              <a:ext uri="{FF2B5EF4-FFF2-40B4-BE49-F238E27FC236}">
+                <a16:creationId xmlns:a16="http://schemas.microsoft.com/office/drawing/2014/main" id="{2CFB3DE6-A2E8-4CEC-AF4D-F4D0F3AC31AA}"/>
+              </a:ext>
+            </a:extLst>
+          </p:cNvPr>
           <p:cNvSpPr>
             <a:spLocks noGrp="1"/>
           </p:cNvSpPr>
@@ -2114,13 +2968,25 @@
           <a:bodyPr/>
           <a:lstStyle/>
           <a:p>
-            <a:endParaRPr lang="en-AU"/>
-          </a:p>
-        </p:txBody>
-      </p:sp>
-      <p:sp>
-        <p:nvSpPr>
-          <p:cNvPr id="7" name="Slide Number Placeholder 6"/>
+            <a:pPr algn="ctr"/>
+            <a:r>
+              <a:rPr lang="en-US" sz="1400" b="0" strike="noStrike" spc="-1">
+                <a:latin typeface="Times New Roman"/>
+              </a:rPr>
+              <a:t>&lt;footer&gt;</a:t>
+            </a:r>
+          </a:p>
+        </p:txBody>
+      </p:sp>
+      <p:sp>
+        <p:nvSpPr>
+          <p:cNvPr id="7" name="Slide Number Placeholder 6">
+            <a:extLst>
+              <a:ext uri="{FF2B5EF4-FFF2-40B4-BE49-F238E27FC236}">
+                <a16:creationId xmlns:a16="http://schemas.microsoft.com/office/drawing/2014/main" id="{B2722A2E-5DD0-4102-84DC-1121E1B1705A}"/>
+              </a:ext>
+            </a:extLst>
+          </p:cNvPr>
           <p:cNvSpPr>
             <a:spLocks noGrp="1"/>
           </p:cNvSpPr>
@@ -2133,18 +2999,23 @@
           <a:bodyPr/>
           <a:lstStyle/>
           <a:p>
-            <a:fld id="{43EF679C-BD94-4602-9592-1D561AC06BE0}" type="slidenum">
-              <a:rPr lang="en-AU" smtClean="0"/>
+            <a:pPr algn="r"/>
+            <a:fld id="{FB5B6535-24D4-4DC4-AA98-ADCA917E5BA5}" type="slidenum">
+              <a:rPr lang="en-US" sz="1400" b="0" strike="noStrike" spc="-1" smtClean="0">
+                <a:latin typeface="Times New Roman"/>
+              </a:rPr>
               <a:t>‹#›</a:t>
             </a:fld>
-            <a:endParaRPr lang="en-AU"/>
+            <a:endParaRPr lang="en-US" sz="1400" b="0" strike="noStrike" spc="-1">
+              <a:latin typeface="Times New Roman"/>
+            </a:endParaRPr>
           </a:p>
         </p:txBody>
       </p:sp>
     </p:spTree>
     <p:extLst>
       <p:ext uri="{BB962C8B-B14F-4D97-AF65-F5344CB8AC3E}">
-        <p14:creationId xmlns:p14="http://schemas.microsoft.com/office/powerpoint/2010/main" val="344350687"/>
+        <p14:creationId xmlns:p14="http://schemas.microsoft.com/office/powerpoint/2010/main" val="1880039511"/>
       </p:ext>
     </p:extLst>
   </p:cSld>
@@ -2173,7 +3044,13 @@
       </p:grpSpPr>
       <p:sp>
         <p:nvSpPr>
-          <p:cNvPr id="2" name="Title 1"/>
+          <p:cNvPr id="2" name="Title 1">
+            <a:extLst>
+              <a:ext uri="{FF2B5EF4-FFF2-40B4-BE49-F238E27FC236}">
+                <a16:creationId xmlns:a16="http://schemas.microsoft.com/office/drawing/2014/main" id="{4760F60B-0AFB-4F13-A06D-DE3054A2D026}"/>
+              </a:ext>
+            </a:extLst>
+          </p:cNvPr>
           <p:cNvSpPr>
             <a:spLocks noGrp="1"/>
           </p:cNvSpPr>
@@ -2183,20 +3060,20 @@
         </p:nvSpPr>
         <p:spPr>
           <a:xfrm>
-            <a:off x="839788" y="457200"/>
-            <a:ext cx="3932237" cy="1600200"/>
+            <a:off x="694356" y="378037"/>
+            <a:ext cx="3251264" cy="1323128"/>
           </a:xfrm>
         </p:spPr>
         <p:txBody>
           <a:bodyPr anchor="b"/>
           <a:lstStyle>
             <a:lvl1pPr>
-              <a:defRPr sz="3200"/>
+              <a:defRPr sz="2646"/>
             </a:lvl1pPr>
           </a:lstStyle>
           <a:p>
             <a:r>
-              <a:rPr lang="en-US" smtClean="0"/>
+              <a:rPr lang="en-US"/>
               <a:t>Click to edit Master title style</a:t>
             </a:r>
             <a:endParaRPr lang="en-AU"/>
@@ -2205,7 +3082,13 @@
       </p:sp>
       <p:sp>
         <p:nvSpPr>
-          <p:cNvPr id="3" name="Picture Placeholder 2"/>
+          <p:cNvPr id="3" name="Picture Placeholder 2">
+            <a:extLst>
+              <a:ext uri="{FF2B5EF4-FFF2-40B4-BE49-F238E27FC236}">
+                <a16:creationId xmlns:a16="http://schemas.microsoft.com/office/drawing/2014/main" id="{DE748BFB-DC53-4947-A1D4-EA13DB94A606}"/>
+              </a:ext>
+            </a:extLst>
+          </p:cNvPr>
           <p:cNvSpPr>
             <a:spLocks noGrp="1"/>
           </p:cNvSpPr>
@@ -2215,8 +3098,8 @@
         </p:nvSpPr>
         <p:spPr>
           <a:xfrm>
-            <a:off x="5183188" y="987425"/>
-            <a:ext cx="6172200" cy="4873625"/>
+            <a:off x="4285579" y="816455"/>
+            <a:ext cx="5103316" cy="4029766"/>
           </a:xfrm>
         </p:spPr>
         <p:txBody>
@@ -2224,39 +3107,39 @@
           <a:lstStyle>
             <a:lvl1pPr marL="0" indent="0">
               <a:buNone/>
-              <a:defRPr sz="3200"/>
+              <a:defRPr sz="2646"/>
             </a:lvl1pPr>
-            <a:lvl2pPr marL="457200" indent="0">
-              <a:buNone/>
-              <a:defRPr sz="2800"/>
+            <a:lvl2pPr marL="378013" indent="0">
+              <a:buNone/>
+              <a:defRPr sz="2315"/>
             </a:lvl2pPr>
-            <a:lvl3pPr marL="914400" indent="0">
-              <a:buNone/>
-              <a:defRPr sz="2400"/>
+            <a:lvl3pPr marL="756026" indent="0">
+              <a:buNone/>
+              <a:defRPr sz="1984"/>
             </a:lvl3pPr>
-            <a:lvl4pPr marL="1371600" indent="0">
-              <a:buNone/>
-              <a:defRPr sz="2000"/>
+            <a:lvl4pPr marL="1134039" indent="0">
+              <a:buNone/>
+              <a:defRPr sz="1654"/>
             </a:lvl4pPr>
-            <a:lvl5pPr marL="1828800" indent="0">
-              <a:buNone/>
-              <a:defRPr sz="2000"/>
+            <a:lvl5pPr marL="1512052" indent="0">
+              <a:buNone/>
+              <a:defRPr sz="1654"/>
             </a:lvl5pPr>
-            <a:lvl6pPr marL="2286000" indent="0">
-              <a:buNone/>
-              <a:defRPr sz="2000"/>
+            <a:lvl6pPr marL="1890065" indent="0">
+              <a:buNone/>
+              <a:defRPr sz="1654"/>
             </a:lvl6pPr>
-            <a:lvl7pPr marL="2743200" indent="0">
-              <a:buNone/>
-              <a:defRPr sz="2000"/>
+            <a:lvl7pPr marL="2268078" indent="0">
+              <a:buNone/>
+              <a:defRPr sz="1654"/>
             </a:lvl7pPr>
-            <a:lvl8pPr marL="3200400" indent="0">
-              <a:buNone/>
-              <a:defRPr sz="2000"/>
+            <a:lvl8pPr marL="2646091" indent="0">
+              <a:buNone/>
+              <a:defRPr sz="1654"/>
             </a:lvl8pPr>
-            <a:lvl9pPr marL="3657600" indent="0">
-              <a:buNone/>
-              <a:defRPr sz="2000"/>
+            <a:lvl9pPr marL="3024104" indent="0">
+              <a:buNone/>
+              <a:defRPr sz="1654"/>
             </a:lvl9pPr>
           </a:lstStyle>
           <a:p>
@@ -2266,7 +3149,13 @@
       </p:sp>
       <p:sp>
         <p:nvSpPr>
-          <p:cNvPr id="4" name="Text Placeholder 3"/>
+          <p:cNvPr id="4" name="Text Placeholder 3">
+            <a:extLst>
+              <a:ext uri="{FF2B5EF4-FFF2-40B4-BE49-F238E27FC236}">
+                <a16:creationId xmlns:a16="http://schemas.microsoft.com/office/drawing/2014/main" id="{61CCFD19-B915-42A2-8E3E-F69A6BEB0BB3}"/>
+              </a:ext>
+            </a:extLst>
+          </p:cNvPr>
           <p:cNvSpPr>
             <a:spLocks noGrp="1"/>
           </p:cNvSpPr>
@@ -2276,8 +3165,8 @@
         </p:nvSpPr>
         <p:spPr>
           <a:xfrm>
-            <a:off x="839788" y="2057400"/>
-            <a:ext cx="3932237" cy="3811588"/>
+            <a:off x="694356" y="1701165"/>
+            <a:ext cx="3251264" cy="3151619"/>
           </a:xfrm>
         </p:spPr>
         <p:txBody>
@@ -2285,53 +3174,59 @@
           <a:lstStyle>
             <a:lvl1pPr marL="0" indent="0">
               <a:buNone/>
-              <a:defRPr sz="1600"/>
+              <a:defRPr sz="1323"/>
             </a:lvl1pPr>
-            <a:lvl2pPr marL="457200" indent="0">
-              <a:buNone/>
-              <a:defRPr sz="1400"/>
+            <a:lvl2pPr marL="378013" indent="0">
+              <a:buNone/>
+              <a:defRPr sz="1158"/>
             </a:lvl2pPr>
-            <a:lvl3pPr marL="914400" indent="0">
-              <a:buNone/>
-              <a:defRPr sz="1200"/>
+            <a:lvl3pPr marL="756026" indent="0">
+              <a:buNone/>
+              <a:defRPr sz="992"/>
             </a:lvl3pPr>
-            <a:lvl4pPr marL="1371600" indent="0">
-              <a:buNone/>
-              <a:defRPr sz="1000"/>
+            <a:lvl4pPr marL="1134039" indent="0">
+              <a:buNone/>
+              <a:defRPr sz="827"/>
             </a:lvl4pPr>
-            <a:lvl5pPr marL="1828800" indent="0">
-              <a:buNone/>
-              <a:defRPr sz="1000"/>
+            <a:lvl5pPr marL="1512052" indent="0">
+              <a:buNone/>
+              <a:defRPr sz="827"/>
             </a:lvl5pPr>
-            <a:lvl6pPr marL="2286000" indent="0">
-              <a:buNone/>
-              <a:defRPr sz="1000"/>
+            <a:lvl6pPr marL="1890065" indent="0">
+              <a:buNone/>
+              <a:defRPr sz="827"/>
             </a:lvl6pPr>
-            <a:lvl7pPr marL="2743200" indent="0">
-              <a:buNone/>
-              <a:defRPr sz="1000"/>
+            <a:lvl7pPr marL="2268078" indent="0">
+              <a:buNone/>
+              <a:defRPr sz="827"/>
             </a:lvl7pPr>
-            <a:lvl8pPr marL="3200400" indent="0">
-              <a:buNone/>
-              <a:defRPr sz="1000"/>
+            <a:lvl8pPr marL="2646091" indent="0">
+              <a:buNone/>
+              <a:defRPr sz="827"/>
             </a:lvl8pPr>
-            <a:lvl9pPr marL="3657600" indent="0">
-              <a:buNone/>
-              <a:defRPr sz="1000"/>
+            <a:lvl9pPr marL="3024104" indent="0">
+              <a:buNone/>
+              <a:defRPr sz="827"/>
             </a:lvl9pPr>
           </a:lstStyle>
           <a:p>
             <a:pPr lvl="0"/>
             <a:r>
-              <a:rPr lang="en-US" smtClean="0"/>
-              <a:t>Edit Master text styles</a:t>
-            </a:r>
-          </a:p>
-        </p:txBody>
-      </p:sp>
-      <p:sp>
-        <p:nvSpPr>
-          <p:cNvPr id="5" name="Date Placeholder 4"/>
+              <a:rPr lang="en-US"/>
+              <a:t>Click to edit Master text styles</a:t>
+            </a:r>
+          </a:p>
+        </p:txBody>
+      </p:sp>
+      <p:sp>
+        <p:nvSpPr>
+          <p:cNvPr id="5" name="Date Placeholder 4">
+            <a:extLst>
+              <a:ext uri="{FF2B5EF4-FFF2-40B4-BE49-F238E27FC236}">
+                <a16:creationId xmlns:a16="http://schemas.microsoft.com/office/drawing/2014/main" id="{ABB2CCB0-8C54-491F-B6D9-0F1ED18BAAF5}"/>
+              </a:ext>
+            </a:extLst>
+          </p:cNvPr>
           <p:cNvSpPr>
             <a:spLocks noGrp="1"/>
           </p:cNvSpPr>
@@ -2344,17 +3239,24 @@
           <a:bodyPr/>
           <a:lstStyle/>
           <a:p>
-            <a:fld id="{19357E35-CF61-4604-9C90-D1773EA39866}" type="datetimeFigureOut">
-              <a:rPr lang="en-AU" smtClean="0"/>
-              <a:t>17/06/2022</a:t>
-            </a:fld>
-            <a:endParaRPr lang="en-AU"/>
-          </a:p>
-        </p:txBody>
-      </p:sp>
-      <p:sp>
-        <p:nvSpPr>
-          <p:cNvPr id="6" name="Footer Placeholder 5"/>
+            <a:r>
+              <a:rPr lang="en-US" sz="1400" b="0" strike="noStrike" spc="-1">
+                <a:latin typeface="Times New Roman"/>
+              </a:rPr>
+              <a:t>&lt;date/time&gt;</a:t>
+            </a:r>
+          </a:p>
+        </p:txBody>
+      </p:sp>
+      <p:sp>
+        <p:nvSpPr>
+          <p:cNvPr id="6" name="Footer Placeholder 5">
+            <a:extLst>
+              <a:ext uri="{FF2B5EF4-FFF2-40B4-BE49-F238E27FC236}">
+                <a16:creationId xmlns:a16="http://schemas.microsoft.com/office/drawing/2014/main" id="{3CB4CC82-2F3F-425F-B2A0-6A13E64EE001}"/>
+              </a:ext>
+            </a:extLst>
+          </p:cNvPr>
           <p:cNvSpPr>
             <a:spLocks noGrp="1"/>
           </p:cNvSpPr>
@@ -2367,13 +3269,25 @@
           <a:bodyPr/>
           <a:lstStyle/>
           <a:p>
-            <a:endParaRPr lang="en-AU"/>
-          </a:p>
-        </p:txBody>
-      </p:sp>
-      <p:sp>
-        <p:nvSpPr>
-          <p:cNvPr id="7" name="Slide Number Placeholder 6"/>
+            <a:pPr algn="ctr"/>
+            <a:r>
+              <a:rPr lang="en-US" sz="1400" b="0" strike="noStrike" spc="-1">
+                <a:latin typeface="Times New Roman"/>
+              </a:rPr>
+              <a:t>&lt;footer&gt;</a:t>
+            </a:r>
+          </a:p>
+        </p:txBody>
+      </p:sp>
+      <p:sp>
+        <p:nvSpPr>
+          <p:cNvPr id="7" name="Slide Number Placeholder 6">
+            <a:extLst>
+              <a:ext uri="{FF2B5EF4-FFF2-40B4-BE49-F238E27FC236}">
+                <a16:creationId xmlns:a16="http://schemas.microsoft.com/office/drawing/2014/main" id="{8578316D-E5DE-4D68-8BA9-F150CED75990}"/>
+              </a:ext>
+            </a:extLst>
+          </p:cNvPr>
           <p:cNvSpPr>
             <a:spLocks noGrp="1"/>
           </p:cNvSpPr>
@@ -2386,18 +3300,23 @@
           <a:bodyPr/>
           <a:lstStyle/>
           <a:p>
-            <a:fld id="{43EF679C-BD94-4602-9592-1D561AC06BE0}" type="slidenum">
-              <a:rPr lang="en-AU" smtClean="0"/>
+            <a:pPr algn="r"/>
+            <a:fld id="{FB5B6535-24D4-4DC4-AA98-ADCA917E5BA5}" type="slidenum">
+              <a:rPr lang="en-US" sz="1400" b="0" strike="noStrike" spc="-1" smtClean="0">
+                <a:latin typeface="Times New Roman"/>
+              </a:rPr>
               <a:t>‹#›</a:t>
             </a:fld>
-            <a:endParaRPr lang="en-AU"/>
+            <a:endParaRPr lang="en-US" sz="1400" b="0" strike="noStrike" spc="-1">
+              <a:latin typeface="Times New Roman"/>
+            </a:endParaRPr>
           </a:p>
         </p:txBody>
       </p:sp>
     </p:spTree>
     <p:extLst>
       <p:ext uri="{BB962C8B-B14F-4D97-AF65-F5344CB8AC3E}">
-        <p14:creationId xmlns:p14="http://schemas.microsoft.com/office/powerpoint/2010/main" val="2018702663"/>
+        <p14:creationId xmlns:p14="http://schemas.microsoft.com/office/powerpoint/2010/main" val="50344925"/>
       </p:ext>
     </p:extLst>
   </p:cSld>
@@ -2412,7 +3331,7 @@
   <p:cSld>
     <p:bg>
       <p:bgRef idx="1001">
-        <a:schemeClr val="bg1"/>
+        <a:schemeClr val="bg2"/>
       </p:bgRef>
     </p:bg>
     <p:spTree>
@@ -2431,7 +3350,13 @@
       </p:grpSpPr>
       <p:sp>
         <p:nvSpPr>
-          <p:cNvPr id="2" name="Title Placeholder 1"/>
+          <p:cNvPr id="2" name="Title Placeholder 1">
+            <a:extLst>
+              <a:ext uri="{FF2B5EF4-FFF2-40B4-BE49-F238E27FC236}">
+                <a16:creationId xmlns:a16="http://schemas.microsoft.com/office/drawing/2014/main" id="{AF3E3078-131C-4DF7-AEF3-D5AD3BDC833C}"/>
+              </a:ext>
+            </a:extLst>
+          </p:cNvPr>
           <p:cNvSpPr>
             <a:spLocks noGrp="1"/>
           </p:cNvSpPr>
@@ -2441,8 +3366,8 @@
         </p:nvSpPr>
         <p:spPr>
           <a:xfrm>
-            <a:off x="838200" y="365125"/>
-            <a:ext cx="10515600" cy="1325563"/>
+            <a:off x="693043" y="301905"/>
+            <a:ext cx="8694539" cy="1096044"/>
           </a:xfrm>
           <a:prstGeom prst="rect">
             <a:avLst/>
@@ -2455,16 +3380,22 @@
           <a:lstStyle/>
           <a:p>
             <a:r>
-              <a:rPr lang="en-US" smtClean="0"/>
+              <a:rPr lang="en-US" dirty="0"/>
               <a:t>Click to edit Master title style</a:t>
             </a:r>
-            <a:endParaRPr lang="en-AU"/>
-          </a:p>
-        </p:txBody>
-      </p:sp>
-      <p:sp>
-        <p:nvSpPr>
-          <p:cNvPr id="3" name="Text Placeholder 2"/>
+            <a:endParaRPr lang="en-AU" dirty="0"/>
+          </a:p>
+        </p:txBody>
+      </p:sp>
+      <p:sp>
+        <p:nvSpPr>
+          <p:cNvPr id="3" name="Text Placeholder 2">
+            <a:extLst>
+              <a:ext uri="{FF2B5EF4-FFF2-40B4-BE49-F238E27FC236}">
+                <a16:creationId xmlns:a16="http://schemas.microsoft.com/office/drawing/2014/main" id="{765D3C85-4F58-4326-BB57-E20D2E88D4F9}"/>
+              </a:ext>
+            </a:extLst>
+          </p:cNvPr>
           <p:cNvSpPr>
             <a:spLocks noGrp="1"/>
           </p:cNvSpPr>
@@ -2474,8 +3405,8 @@
         </p:nvSpPr>
         <p:spPr>
           <a:xfrm>
-            <a:off x="838200" y="1825625"/>
-            <a:ext cx="10515600" cy="4351338"/>
+            <a:off x="693043" y="1509521"/>
+            <a:ext cx="8694539" cy="3597912"/>
           </a:xfrm>
           <a:prstGeom prst="rect">
             <a:avLst/>
@@ -2489,44 +3420,50 @@
           <a:p>
             <a:pPr lvl="0"/>
             <a:r>
-              <a:rPr lang="en-US" smtClean="0"/>
-              <a:t>Edit Master text styles</a:t>
+              <a:rPr lang="en-US" dirty="0"/>
+              <a:t>Click to edit Master text styles</a:t>
             </a:r>
           </a:p>
           <a:p>
             <a:pPr lvl="1"/>
             <a:r>
-              <a:rPr lang="en-US" smtClean="0"/>
+              <a:rPr lang="en-US" dirty="0"/>
               <a:t>Second level</a:t>
             </a:r>
           </a:p>
           <a:p>
             <a:pPr lvl="2"/>
             <a:r>
-              <a:rPr lang="en-US" smtClean="0"/>
+              <a:rPr lang="en-US" dirty="0"/>
               <a:t>Third level</a:t>
             </a:r>
           </a:p>
           <a:p>
             <a:pPr lvl="3"/>
             <a:r>
-              <a:rPr lang="en-US" smtClean="0"/>
+              <a:rPr lang="en-US" dirty="0"/>
               <a:t>Fourth level</a:t>
             </a:r>
           </a:p>
           <a:p>
             <a:pPr lvl="4"/>
             <a:r>
-              <a:rPr lang="en-US" smtClean="0"/>
+              <a:rPr lang="en-US" dirty="0"/>
               <a:t>Fifth level</a:t>
             </a:r>
-            <a:endParaRPr lang="en-AU"/>
-          </a:p>
-        </p:txBody>
-      </p:sp>
-      <p:sp>
-        <p:nvSpPr>
-          <p:cNvPr id="4" name="Date Placeholder 3"/>
+            <a:endParaRPr lang="en-AU" dirty="0"/>
+          </a:p>
+        </p:txBody>
+      </p:sp>
+      <p:sp>
+        <p:nvSpPr>
+          <p:cNvPr id="4" name="Date Placeholder 3">
+            <a:extLst>
+              <a:ext uri="{FF2B5EF4-FFF2-40B4-BE49-F238E27FC236}">
+                <a16:creationId xmlns:a16="http://schemas.microsoft.com/office/drawing/2014/main" id="{4DF14013-6B7D-45B9-A0C4-70416AC3C3E5}"/>
+              </a:ext>
+            </a:extLst>
+          </p:cNvPr>
           <p:cNvSpPr>
             <a:spLocks noGrp="1"/>
           </p:cNvSpPr>
@@ -2536,8 +3473,8 @@
         </p:nvSpPr>
         <p:spPr>
           <a:xfrm>
-            <a:off x="838200" y="6356350"/>
-            <a:ext cx="2743200" cy="365125"/>
+            <a:off x="693043" y="5255760"/>
+            <a:ext cx="2268141" cy="301904"/>
           </a:xfrm>
           <a:prstGeom prst="rect">
             <a:avLst/>
@@ -2547,7 +3484,7 @@
           <a:bodyPr vert="horz" lIns="91440" tIns="45720" rIns="91440" bIns="45720" rtlCol="0" anchor="ctr"/>
           <a:lstStyle>
             <a:lvl1pPr algn="l">
-              <a:defRPr sz="1200">
+              <a:defRPr sz="992">
                 <a:solidFill>
                   <a:schemeClr val="tx1">
                     <a:tint val="75000"/>
@@ -2557,17 +3494,24 @@
             </a:lvl1pPr>
           </a:lstStyle>
           <a:p>
-            <a:fld id="{19357E35-CF61-4604-9C90-D1773EA39866}" type="datetimeFigureOut">
-              <a:rPr lang="en-AU" smtClean="0"/>
-              <a:t>17/06/2022</a:t>
-            </a:fld>
-            <a:endParaRPr lang="en-AU"/>
-          </a:p>
-        </p:txBody>
-      </p:sp>
-      <p:sp>
-        <p:nvSpPr>
-          <p:cNvPr id="5" name="Footer Placeholder 4"/>
+            <a:r>
+              <a:rPr lang="en-US" sz="1400" b="0" strike="noStrike" spc="-1">
+                <a:latin typeface="Times New Roman"/>
+              </a:rPr>
+              <a:t>&lt;date/time&gt;</a:t>
+            </a:r>
+          </a:p>
+        </p:txBody>
+      </p:sp>
+      <p:sp>
+        <p:nvSpPr>
+          <p:cNvPr id="5" name="Footer Placeholder 4">
+            <a:extLst>
+              <a:ext uri="{FF2B5EF4-FFF2-40B4-BE49-F238E27FC236}">
+                <a16:creationId xmlns:a16="http://schemas.microsoft.com/office/drawing/2014/main" id="{3420CAF6-3F46-4BE8-BC14-2A87DDD30EB4}"/>
+              </a:ext>
+            </a:extLst>
+          </p:cNvPr>
           <p:cNvSpPr>
             <a:spLocks noGrp="1"/>
           </p:cNvSpPr>
@@ -2577,8 +3521,8 @@
         </p:nvSpPr>
         <p:spPr>
           <a:xfrm>
-            <a:off x="4038600" y="6356350"/>
-            <a:ext cx="4114800" cy="365125"/>
+            <a:off x="3339207" y="5255760"/>
+            <a:ext cx="3402211" cy="301904"/>
           </a:xfrm>
           <a:prstGeom prst="rect">
             <a:avLst/>
@@ -2588,7 +3532,7 @@
           <a:bodyPr vert="horz" lIns="91440" tIns="45720" rIns="91440" bIns="45720" rtlCol="0" anchor="ctr"/>
           <a:lstStyle>
             <a:lvl1pPr algn="ctr">
-              <a:defRPr sz="1200">
+              <a:defRPr sz="992">
                 <a:solidFill>
                   <a:schemeClr val="tx1">
                     <a:tint val="75000"/>
@@ -2598,13 +3542,25 @@
             </a:lvl1pPr>
           </a:lstStyle>
           <a:p>
-            <a:endParaRPr lang="en-AU"/>
-          </a:p>
-        </p:txBody>
-      </p:sp>
-      <p:sp>
-        <p:nvSpPr>
-          <p:cNvPr id="6" name="Slide Number Placeholder 5"/>
+            <a:pPr algn="ctr"/>
+            <a:r>
+              <a:rPr lang="en-US" sz="1400" b="0" strike="noStrike" spc="-1">
+                <a:latin typeface="Times New Roman"/>
+              </a:rPr>
+              <a:t>&lt;footer&gt;</a:t>
+            </a:r>
+          </a:p>
+        </p:txBody>
+      </p:sp>
+      <p:sp>
+        <p:nvSpPr>
+          <p:cNvPr id="6" name="Slide Number Placeholder 5">
+            <a:extLst>
+              <a:ext uri="{FF2B5EF4-FFF2-40B4-BE49-F238E27FC236}">
+                <a16:creationId xmlns:a16="http://schemas.microsoft.com/office/drawing/2014/main" id="{80EEA43C-EFB1-4621-9C49-0A3177AA4FDB}"/>
+              </a:ext>
+            </a:extLst>
+          </p:cNvPr>
           <p:cNvSpPr>
             <a:spLocks noGrp="1"/>
           </p:cNvSpPr>
@@ -2614,8 +3570,8 @@
         </p:nvSpPr>
         <p:spPr>
           <a:xfrm>
-            <a:off x="8610600" y="6356350"/>
-            <a:ext cx="2743200" cy="365125"/>
+            <a:off x="7119441" y="5255760"/>
+            <a:ext cx="2268141" cy="301904"/>
           </a:xfrm>
           <a:prstGeom prst="rect">
             <a:avLst/>
@@ -2625,7 +3581,7 @@
           <a:bodyPr vert="horz" lIns="91440" tIns="45720" rIns="91440" bIns="45720" rtlCol="0" anchor="ctr"/>
           <a:lstStyle>
             <a:lvl1pPr algn="r">
-              <a:defRPr sz="1200">
+              <a:defRPr sz="992">
                 <a:solidFill>
                   <a:schemeClr val="tx1">
                     <a:tint val="75000"/>
@@ -2635,38 +3591,43 @@
             </a:lvl1pPr>
           </a:lstStyle>
           <a:p>
-            <a:fld id="{43EF679C-BD94-4602-9592-1D561AC06BE0}" type="slidenum">
-              <a:rPr lang="en-AU" smtClean="0"/>
+            <a:pPr algn="r"/>
+            <a:fld id="{FB5B6535-24D4-4DC4-AA98-ADCA917E5BA5}" type="slidenum">
+              <a:rPr lang="en-US" sz="1400" b="0" strike="noStrike" spc="-1" smtClean="0">
+                <a:latin typeface="Times New Roman"/>
+              </a:rPr>
               <a:t>‹#›</a:t>
             </a:fld>
-            <a:endParaRPr lang="en-AU"/>
+            <a:endParaRPr lang="en-US" sz="1400" b="0" strike="noStrike" spc="-1">
+              <a:latin typeface="Times New Roman"/>
+            </a:endParaRPr>
           </a:p>
         </p:txBody>
       </p:sp>
     </p:spTree>
     <p:extLst>
       <p:ext uri="{BB962C8B-B14F-4D97-AF65-F5344CB8AC3E}">
-        <p14:creationId xmlns:p14="http://schemas.microsoft.com/office/powerpoint/2010/main" val="1339345003"/>
+        <p14:creationId xmlns:p14="http://schemas.microsoft.com/office/powerpoint/2010/main" val="3182301724"/>
       </p:ext>
     </p:extLst>
   </p:cSld>
-  <p:clrMap bg1="lt1" tx1="dk1" bg2="lt2" tx2="dk2" accent1="accent1" accent2="accent2" accent3="accent3" accent4="accent4" accent5="accent5" accent6="accent6" hlink="hlink" folHlink="folHlink"/>
+  <p:clrMap bg1="dk1" tx1="lt1" bg2="dk2" tx2="lt2" accent1="accent1" accent2="accent2" accent3="accent3" accent4="accent4" accent5="accent5" accent6="accent6" hlink="hlink" folHlink="folHlink"/>
   <p:sldLayoutIdLst>
-    <p:sldLayoutId id="2147483649" r:id="rId1"/>
-    <p:sldLayoutId id="2147483650" r:id="rId2"/>
-    <p:sldLayoutId id="2147483651" r:id="rId3"/>
-    <p:sldLayoutId id="2147483652" r:id="rId4"/>
-    <p:sldLayoutId id="2147483653" r:id="rId5"/>
-    <p:sldLayoutId id="2147483654" r:id="rId6"/>
-    <p:sldLayoutId id="2147483655" r:id="rId7"/>
-    <p:sldLayoutId id="2147483656" r:id="rId8"/>
-    <p:sldLayoutId id="2147483657" r:id="rId9"/>
-    <p:sldLayoutId id="2147483658" r:id="rId10"/>
-    <p:sldLayoutId id="2147483659" r:id="rId11"/>
+    <p:sldLayoutId id="2147483699" r:id="rId1"/>
+    <p:sldLayoutId id="2147483700" r:id="rId2"/>
+    <p:sldLayoutId id="2147483701" r:id="rId3"/>
+    <p:sldLayoutId id="2147483702" r:id="rId4"/>
+    <p:sldLayoutId id="2147483703" r:id="rId5"/>
+    <p:sldLayoutId id="2147483704" r:id="rId6"/>
+    <p:sldLayoutId id="2147483705" r:id="rId7"/>
+    <p:sldLayoutId id="2147483706" r:id="rId8"/>
+    <p:sldLayoutId id="2147483707" r:id="rId9"/>
+    <p:sldLayoutId id="2147483708" r:id="rId10"/>
+    <p:sldLayoutId id="2147483709" r:id="rId11"/>
   </p:sldLayoutIdLst>
   <p:txStyles>
     <p:titleStyle>
-      <a:lvl1pPr algn="l" defTabSz="914400" rtl="0" eaLnBrk="1" latinLnBrk="0" hangingPunct="1">
+      <a:lvl1pPr algn="l" defTabSz="756026" rtl="0" eaLnBrk="1" latinLnBrk="0" hangingPunct="1">
         <a:lnSpc>
           <a:spcPct val="90000"/>
         </a:lnSpc>
@@ -2674,117 +3635,117 @@
           <a:spcPct val="0"/>
         </a:spcBef>
         <a:buNone/>
-        <a:defRPr sz="4400" kern="1200">
+        <a:defRPr sz="3638" b="1" kern="1200">
           <a:solidFill>
             <a:schemeClr val="tx1"/>
           </a:solidFill>
-          <a:latin typeface="+mj-lt"/>
+          <a:latin typeface="Aharoni" panose="02010803020104030203" pitchFamily="2" charset="-79"/>
           <a:ea typeface="+mj-ea"/>
-          <a:cs typeface="+mj-cs"/>
+          <a:cs typeface="Aharoni" panose="02010803020104030203" pitchFamily="2" charset="-79"/>
         </a:defRPr>
       </a:lvl1pPr>
     </p:titleStyle>
     <p:bodyStyle>
-      <a:lvl1pPr marL="228600" indent="-228600" algn="l" defTabSz="914400" rtl="0" eaLnBrk="1" latinLnBrk="0" hangingPunct="1">
+      <a:lvl1pPr marL="189006" indent="-189006" algn="l" defTabSz="756026" rtl="0" eaLnBrk="1" latinLnBrk="0" hangingPunct="1">
         <a:lnSpc>
           <a:spcPct val="90000"/>
         </a:lnSpc>
         <a:spcBef>
-          <a:spcPts val="1000"/>
+          <a:spcPts val="827"/>
         </a:spcBef>
         <a:buFont typeface="Arial" panose="020B0604020202020204" pitchFamily="34" charset="0"/>
         <a:buChar char="•"/>
-        <a:defRPr sz="2800" kern="1200">
+        <a:defRPr sz="2315" b="1" kern="1200">
           <a:solidFill>
             <a:schemeClr val="tx1"/>
           </a:solidFill>
-          <a:latin typeface="+mn-lt"/>
+          <a:latin typeface="Aharoni" panose="02010803020104030203" pitchFamily="2" charset="-79"/>
           <a:ea typeface="+mn-ea"/>
-          <a:cs typeface="+mn-cs"/>
+          <a:cs typeface="Aharoni" panose="02010803020104030203" pitchFamily="2" charset="-79"/>
         </a:defRPr>
       </a:lvl1pPr>
-      <a:lvl2pPr marL="685800" indent="-228600" algn="l" defTabSz="914400" rtl="0" eaLnBrk="1" latinLnBrk="0" hangingPunct="1">
+      <a:lvl2pPr marL="567019" indent="-189006" algn="l" defTabSz="756026" rtl="0" eaLnBrk="1" latinLnBrk="0" hangingPunct="1">
         <a:lnSpc>
           <a:spcPct val="90000"/>
         </a:lnSpc>
         <a:spcBef>
-          <a:spcPts val="500"/>
+          <a:spcPts val="413"/>
         </a:spcBef>
         <a:buFont typeface="Arial" panose="020B0604020202020204" pitchFamily="34" charset="0"/>
         <a:buChar char="•"/>
-        <a:defRPr sz="2400" kern="1200">
+        <a:defRPr sz="1984" b="1" kern="1200">
           <a:solidFill>
             <a:schemeClr val="tx1"/>
           </a:solidFill>
-          <a:latin typeface="+mn-lt"/>
+          <a:latin typeface="Aharoni" panose="02010803020104030203" pitchFamily="2" charset="-79"/>
           <a:ea typeface="+mn-ea"/>
-          <a:cs typeface="+mn-cs"/>
+          <a:cs typeface="Aharoni" panose="02010803020104030203" pitchFamily="2" charset="-79"/>
         </a:defRPr>
       </a:lvl2pPr>
-      <a:lvl3pPr marL="1143000" indent="-228600" algn="l" defTabSz="914400" rtl="0" eaLnBrk="1" latinLnBrk="0" hangingPunct="1">
+      <a:lvl3pPr marL="945032" indent="-189006" algn="l" defTabSz="756026" rtl="0" eaLnBrk="1" latinLnBrk="0" hangingPunct="1">
         <a:lnSpc>
           <a:spcPct val="90000"/>
         </a:lnSpc>
         <a:spcBef>
-          <a:spcPts val="500"/>
+          <a:spcPts val="413"/>
         </a:spcBef>
         <a:buFont typeface="Arial" panose="020B0604020202020204" pitchFamily="34" charset="0"/>
         <a:buChar char="•"/>
-        <a:defRPr sz="2000" kern="1200">
+        <a:defRPr sz="1654" b="1" kern="1200">
           <a:solidFill>
             <a:schemeClr val="tx1"/>
           </a:solidFill>
-          <a:latin typeface="+mn-lt"/>
+          <a:latin typeface="Aharoni" panose="02010803020104030203" pitchFamily="2" charset="-79"/>
           <a:ea typeface="+mn-ea"/>
-          <a:cs typeface="+mn-cs"/>
+          <a:cs typeface="Aharoni" panose="02010803020104030203" pitchFamily="2" charset="-79"/>
         </a:defRPr>
       </a:lvl3pPr>
-      <a:lvl4pPr marL="1600200" indent="-228600" algn="l" defTabSz="914400" rtl="0" eaLnBrk="1" latinLnBrk="0" hangingPunct="1">
+      <a:lvl4pPr marL="1323045" indent="-189006" algn="l" defTabSz="756026" rtl="0" eaLnBrk="1" latinLnBrk="0" hangingPunct="1">
         <a:lnSpc>
           <a:spcPct val="90000"/>
         </a:lnSpc>
         <a:spcBef>
-          <a:spcPts val="500"/>
+          <a:spcPts val="413"/>
         </a:spcBef>
         <a:buFont typeface="Arial" panose="020B0604020202020204" pitchFamily="34" charset="0"/>
         <a:buChar char="•"/>
-        <a:defRPr sz="1800" kern="1200">
+        <a:defRPr sz="1488" b="1" kern="1200">
           <a:solidFill>
             <a:schemeClr val="tx1"/>
           </a:solidFill>
-          <a:latin typeface="+mn-lt"/>
+          <a:latin typeface="Aharoni" panose="02010803020104030203" pitchFamily="2" charset="-79"/>
           <a:ea typeface="+mn-ea"/>
-          <a:cs typeface="+mn-cs"/>
+          <a:cs typeface="Aharoni" panose="02010803020104030203" pitchFamily="2" charset="-79"/>
         </a:defRPr>
       </a:lvl4pPr>
-      <a:lvl5pPr marL="2057400" indent="-228600" algn="l" defTabSz="914400" rtl="0" eaLnBrk="1" latinLnBrk="0" hangingPunct="1">
+      <a:lvl5pPr marL="1701058" indent="-189006" algn="l" defTabSz="756026" rtl="0" eaLnBrk="1" latinLnBrk="0" hangingPunct="1">
         <a:lnSpc>
           <a:spcPct val="90000"/>
         </a:lnSpc>
         <a:spcBef>
-          <a:spcPts val="500"/>
+          <a:spcPts val="413"/>
         </a:spcBef>
         <a:buFont typeface="Arial" panose="020B0604020202020204" pitchFamily="34" charset="0"/>
         <a:buChar char="•"/>
-        <a:defRPr sz="1800" kern="1200">
+        <a:defRPr sz="1488" b="1" kern="1200">
           <a:solidFill>
             <a:schemeClr val="tx1"/>
           </a:solidFill>
-          <a:latin typeface="+mn-lt"/>
+          <a:latin typeface="Aharoni" panose="02010803020104030203" pitchFamily="2" charset="-79"/>
           <a:ea typeface="+mn-ea"/>
-          <a:cs typeface="+mn-cs"/>
+          <a:cs typeface="Aharoni" panose="02010803020104030203" pitchFamily="2" charset="-79"/>
         </a:defRPr>
       </a:lvl5pPr>
-      <a:lvl6pPr marL="2514600" indent="-228600" algn="l" defTabSz="914400" rtl="0" eaLnBrk="1" latinLnBrk="0" hangingPunct="1">
+      <a:lvl6pPr marL="2079071" indent="-189006" algn="l" defTabSz="756026" rtl="0" eaLnBrk="1" latinLnBrk="0" hangingPunct="1">
         <a:lnSpc>
           <a:spcPct val="90000"/>
         </a:lnSpc>
         <a:spcBef>
-          <a:spcPts val="500"/>
+          <a:spcPts val="413"/>
         </a:spcBef>
         <a:buFont typeface="Arial" panose="020B0604020202020204" pitchFamily="34" charset="0"/>
         <a:buChar char="•"/>
-        <a:defRPr sz="1800" kern="1200">
+        <a:defRPr sz="1488" kern="1200">
           <a:solidFill>
             <a:schemeClr val="tx1"/>
           </a:solidFill>
@@ -2793,16 +3754,16 @@
           <a:cs typeface="+mn-cs"/>
         </a:defRPr>
       </a:lvl6pPr>
-      <a:lvl7pPr marL="2971800" indent="-228600" algn="l" defTabSz="914400" rtl="0" eaLnBrk="1" latinLnBrk="0" hangingPunct="1">
+      <a:lvl7pPr marL="2457084" indent="-189006" algn="l" defTabSz="756026" rtl="0" eaLnBrk="1" latinLnBrk="0" hangingPunct="1">
         <a:lnSpc>
           <a:spcPct val="90000"/>
         </a:lnSpc>
         <a:spcBef>
-          <a:spcPts val="500"/>
+          <a:spcPts val="413"/>
         </a:spcBef>
         <a:buFont typeface="Arial" panose="020B0604020202020204" pitchFamily="34" charset="0"/>
         <a:buChar char="•"/>
-        <a:defRPr sz="1800" kern="1200">
+        <a:defRPr sz="1488" kern="1200">
           <a:solidFill>
             <a:schemeClr val="tx1"/>
           </a:solidFill>
@@ -2811,16 +3772,16 @@
           <a:cs typeface="+mn-cs"/>
         </a:defRPr>
       </a:lvl7pPr>
-      <a:lvl8pPr marL="3429000" indent="-228600" algn="l" defTabSz="914400" rtl="0" eaLnBrk="1" latinLnBrk="0" hangingPunct="1">
+      <a:lvl8pPr marL="2835097" indent="-189006" algn="l" defTabSz="756026" rtl="0" eaLnBrk="1" latinLnBrk="0" hangingPunct="1">
         <a:lnSpc>
           <a:spcPct val="90000"/>
         </a:lnSpc>
         <a:spcBef>
-          <a:spcPts val="500"/>
+          <a:spcPts val="413"/>
         </a:spcBef>
         <a:buFont typeface="Arial" panose="020B0604020202020204" pitchFamily="34" charset="0"/>
         <a:buChar char="•"/>
-        <a:defRPr sz="1800" kern="1200">
+        <a:defRPr sz="1488" kern="1200">
           <a:solidFill>
             <a:schemeClr val="tx1"/>
           </a:solidFill>
@@ -2829,16 +3790,16 @@
           <a:cs typeface="+mn-cs"/>
         </a:defRPr>
       </a:lvl8pPr>
-      <a:lvl9pPr marL="3886200" indent="-228600" algn="l" defTabSz="914400" rtl="0" eaLnBrk="1" latinLnBrk="0" hangingPunct="1">
+      <a:lvl9pPr marL="3213110" indent="-189006" algn="l" defTabSz="756026" rtl="0" eaLnBrk="1" latinLnBrk="0" hangingPunct="1">
         <a:lnSpc>
           <a:spcPct val="90000"/>
         </a:lnSpc>
         <a:spcBef>
-          <a:spcPts val="500"/>
+          <a:spcPts val="413"/>
         </a:spcBef>
         <a:buFont typeface="Arial" panose="020B0604020202020204" pitchFamily="34" charset="0"/>
         <a:buChar char="•"/>
-        <a:defRPr sz="1800" kern="1200">
+        <a:defRPr sz="1488" kern="1200">
           <a:solidFill>
             <a:schemeClr val="tx1"/>
           </a:solidFill>
@@ -2852,8 +3813,8 @@
       <a:defPPr>
         <a:defRPr lang="en-US"/>
       </a:defPPr>
-      <a:lvl1pPr marL="0" algn="l" defTabSz="914400" rtl="0" eaLnBrk="1" latinLnBrk="0" hangingPunct="1">
-        <a:defRPr sz="1800" kern="1200">
+      <a:lvl1pPr marL="0" algn="l" defTabSz="756026" rtl="0" eaLnBrk="1" latinLnBrk="0" hangingPunct="1">
+        <a:defRPr sz="1488" kern="1200">
           <a:solidFill>
             <a:schemeClr val="tx1"/>
           </a:solidFill>
@@ -2862,8 +3823,8 @@
           <a:cs typeface="+mn-cs"/>
         </a:defRPr>
       </a:lvl1pPr>
-      <a:lvl2pPr marL="457200" algn="l" defTabSz="914400" rtl="0" eaLnBrk="1" latinLnBrk="0" hangingPunct="1">
-        <a:defRPr sz="1800" kern="1200">
+      <a:lvl2pPr marL="378013" algn="l" defTabSz="756026" rtl="0" eaLnBrk="1" latinLnBrk="0" hangingPunct="1">
+        <a:defRPr sz="1488" kern="1200">
           <a:solidFill>
             <a:schemeClr val="tx1"/>
           </a:solidFill>
@@ -2872,8 +3833,8 @@
           <a:cs typeface="+mn-cs"/>
         </a:defRPr>
       </a:lvl2pPr>
-      <a:lvl3pPr marL="914400" algn="l" defTabSz="914400" rtl="0" eaLnBrk="1" latinLnBrk="0" hangingPunct="1">
-        <a:defRPr sz="1800" kern="1200">
+      <a:lvl3pPr marL="756026" algn="l" defTabSz="756026" rtl="0" eaLnBrk="1" latinLnBrk="0" hangingPunct="1">
+        <a:defRPr sz="1488" kern="1200">
           <a:solidFill>
             <a:schemeClr val="tx1"/>
           </a:solidFill>
@@ -2882,8 +3843,8 @@
           <a:cs typeface="+mn-cs"/>
         </a:defRPr>
       </a:lvl3pPr>
-      <a:lvl4pPr marL="1371600" algn="l" defTabSz="914400" rtl="0" eaLnBrk="1" latinLnBrk="0" hangingPunct="1">
-        <a:defRPr sz="1800" kern="1200">
+      <a:lvl4pPr marL="1134039" algn="l" defTabSz="756026" rtl="0" eaLnBrk="1" latinLnBrk="0" hangingPunct="1">
+        <a:defRPr sz="1488" kern="1200">
           <a:solidFill>
             <a:schemeClr val="tx1"/>
           </a:solidFill>
@@ -2892,8 +3853,8 @@
           <a:cs typeface="+mn-cs"/>
         </a:defRPr>
       </a:lvl4pPr>
-      <a:lvl5pPr marL="1828800" algn="l" defTabSz="914400" rtl="0" eaLnBrk="1" latinLnBrk="0" hangingPunct="1">
-        <a:defRPr sz="1800" kern="1200">
+      <a:lvl5pPr marL="1512052" algn="l" defTabSz="756026" rtl="0" eaLnBrk="1" latinLnBrk="0" hangingPunct="1">
+        <a:defRPr sz="1488" kern="1200">
           <a:solidFill>
             <a:schemeClr val="tx1"/>
           </a:solidFill>
@@ -2902,8 +3863,8 @@
           <a:cs typeface="+mn-cs"/>
         </a:defRPr>
       </a:lvl5pPr>
-      <a:lvl6pPr marL="2286000" algn="l" defTabSz="914400" rtl="0" eaLnBrk="1" latinLnBrk="0" hangingPunct="1">
-        <a:defRPr sz="1800" kern="1200">
+      <a:lvl6pPr marL="1890065" algn="l" defTabSz="756026" rtl="0" eaLnBrk="1" latinLnBrk="0" hangingPunct="1">
+        <a:defRPr sz="1488" kern="1200">
           <a:solidFill>
             <a:schemeClr val="tx1"/>
           </a:solidFill>
@@ -2912,8 +3873,8 @@
           <a:cs typeface="+mn-cs"/>
         </a:defRPr>
       </a:lvl6pPr>
-      <a:lvl7pPr marL="2743200" algn="l" defTabSz="914400" rtl="0" eaLnBrk="1" latinLnBrk="0" hangingPunct="1">
-        <a:defRPr sz="1800" kern="1200">
+      <a:lvl7pPr marL="2268078" algn="l" defTabSz="756026" rtl="0" eaLnBrk="1" latinLnBrk="0" hangingPunct="1">
+        <a:defRPr sz="1488" kern="1200">
           <a:solidFill>
             <a:schemeClr val="tx1"/>
           </a:solidFill>
@@ -2922,8 +3883,8 @@
           <a:cs typeface="+mn-cs"/>
         </a:defRPr>
       </a:lvl7pPr>
-      <a:lvl8pPr marL="3200400" algn="l" defTabSz="914400" rtl="0" eaLnBrk="1" latinLnBrk="0" hangingPunct="1">
-        <a:defRPr sz="1800" kern="1200">
+      <a:lvl8pPr marL="2646091" algn="l" defTabSz="756026" rtl="0" eaLnBrk="1" latinLnBrk="0" hangingPunct="1">
+        <a:defRPr sz="1488" kern="1200">
           <a:solidFill>
             <a:schemeClr val="tx1"/>
           </a:solidFill>
@@ -2932,8 +3893,8 @@
           <a:cs typeface="+mn-cs"/>
         </a:defRPr>
       </a:lvl8pPr>
-      <a:lvl9pPr marL="3657600" algn="l" defTabSz="914400" rtl="0" eaLnBrk="1" latinLnBrk="0" hangingPunct="1">
-        <a:defRPr sz="1800" kern="1200">
+      <a:lvl9pPr marL="3024104" algn="l" defTabSz="756026" rtl="0" eaLnBrk="1" latinLnBrk="0" hangingPunct="1">
+        <a:defRPr sz="1488" kern="1200">
           <a:solidFill>
             <a:schemeClr val="tx1"/>
           </a:solidFill>
@@ -2966,7 +3927,13 @@
       </p:grpSpPr>
       <p:sp>
         <p:nvSpPr>
-          <p:cNvPr id="2" name="Title 1"/>
+          <p:cNvPr id="2" name="Title 1">
+            <a:extLst>
+              <a:ext uri="{FF2B5EF4-FFF2-40B4-BE49-F238E27FC236}">
+                <a16:creationId xmlns:a16="http://schemas.microsoft.com/office/drawing/2014/main" id="{81B6EA68-6CC9-4865-A725-C2E74B11920C}"/>
+              </a:ext>
+            </a:extLst>
+          </p:cNvPr>
           <p:cNvSpPr>
             <a:spLocks noGrp="1"/>
           </p:cNvSpPr>
@@ -2980,54 +3947,2482 @@
           <a:lstStyle/>
           <a:p>
             <a:r>
-              <a:rPr lang="en-US" dirty="0" smtClean="0">
+              <a:rPr lang="en-GB" dirty="0" err="1"/>
+              <a:t>Lenaion</a:t>
+            </a:r>
+            <a:r>
+              <a:rPr lang="en-GB" dirty="0"/>
+              <a:t> Labs</a:t>
+            </a:r>
+            <a:endParaRPr lang="en-AU" dirty="0"/>
+          </a:p>
+        </p:txBody>
+      </p:sp>
+      <p:sp>
+        <p:nvSpPr>
+          <p:cNvPr id="3" name="Subtitle 2">
+            <a:extLst>
+              <a:ext uri="{FF2B5EF4-FFF2-40B4-BE49-F238E27FC236}">
+                <a16:creationId xmlns:a16="http://schemas.microsoft.com/office/drawing/2014/main" id="{BCE1BE4A-F8C2-48E0-A52D-273D333ED84E}"/>
+              </a:ext>
+            </a:extLst>
+          </p:cNvPr>
+          <p:cNvSpPr>
+            <a:spLocks noGrp="1"/>
+          </p:cNvSpPr>
+          <p:nvPr>
+            <p:ph type="subTitle" idx="1"/>
+          </p:nvPr>
+        </p:nvSpPr>
+        <p:spPr/>
+        <p:txBody>
+          <a:bodyPr>
+            <a:normAutofit lnSpcReduction="10000"/>
+          </a:bodyPr>
+          <a:lstStyle/>
+          <a:p>
+            <a:r>
+              <a:rPr lang="en-US" sz="1800" b="0" strike="noStrike" spc="-1" dirty="0">
                 <a:solidFill>
-                  <a:schemeClr val="accent1">
-                    <a:lumMod val="50000"/>
-                  </a:schemeClr>
+                  <a:schemeClr val="tx1"/>
                 </a:solidFill>
-                <a:latin typeface="Lucida Sans" panose="020B0602030504020204" pitchFamily="34" charset="0"/>
+                <a:latin typeface="Arial"/>
               </a:rPr>
-              <a:t>LENAION LABS</a:t>
-            </a:r>
-            <a:endParaRPr lang="en-AU" dirty="0">
+              <a:t>Nathan White</a:t>
+            </a:r>
+          </a:p>
+          <a:p>
+            <a:endParaRPr lang="en-US" sz="1800" b="0" spc="-1" dirty="0">
+              <a:latin typeface="Arial"/>
+            </a:endParaRPr>
+          </a:p>
+          <a:p>
+            <a:endParaRPr lang="en-US" sz="1800" b="0" strike="noStrike" spc="-1" dirty="0">
               <a:solidFill>
-                <a:schemeClr val="accent1">
-                  <a:lumMod val="50000"/>
-                </a:schemeClr>
+                <a:schemeClr val="tx1"/>
               </a:solidFill>
-              <a:latin typeface="Lucida Sans" panose="020B0602030504020204" pitchFamily="34" charset="0"/>
+              <a:latin typeface="Arial"/>
             </a:endParaRPr>
           </a:p>
-        </p:txBody>
-      </p:sp>
-      <p:sp>
-        <p:nvSpPr>
-          <p:cNvPr id="3" name="Subtitle 2"/>
-          <p:cNvSpPr>
-            <a:spLocks noGrp="1"/>
-          </p:cNvSpPr>
-          <p:nvPr>
-            <p:ph type="subTitle" idx="1"/>
-          </p:nvPr>
-        </p:nvSpPr>
-        <p:spPr/>
+          <a:p>
+            <a:r>
+              <a:rPr lang="en-US" sz="1800" b="0" strike="noStrike" spc="-1" dirty="0">
+                <a:solidFill>
+                  <a:schemeClr val="tx1"/>
+                </a:solidFill>
+                <a:latin typeface="Arial"/>
+              </a:rPr>
+              <a:t>Natural language processing solutions for socially </a:t>
+            </a:r>
+            <a:r>
+              <a:rPr lang="en-US" sz="1800" b="0" spc="-1" dirty="0">
+                <a:latin typeface="Arial"/>
+              </a:rPr>
+              <a:t>r</a:t>
+            </a:r>
+            <a:r>
+              <a:rPr lang="en-US" sz="1800" b="0" strike="noStrike" spc="-1" dirty="0">
+                <a:solidFill>
+                  <a:schemeClr val="tx1"/>
+                </a:solidFill>
+                <a:latin typeface="Arial"/>
+              </a:rPr>
+              <a:t>esponsible </a:t>
+            </a:r>
+            <a:r>
+              <a:rPr lang="en-US" sz="1800" b="0" spc="-1" dirty="0">
+                <a:latin typeface="Arial"/>
+              </a:rPr>
+              <a:t>i</a:t>
+            </a:r>
+            <a:r>
+              <a:rPr lang="en-US" sz="1800" b="0" strike="noStrike" spc="-1" dirty="0">
+                <a:solidFill>
+                  <a:schemeClr val="tx1"/>
+                </a:solidFill>
+                <a:latin typeface="Arial"/>
+              </a:rPr>
+              <a:t>nvesting</a:t>
+            </a:r>
+          </a:p>
+          <a:p>
+            <a:endParaRPr lang="en-AU" dirty="0"/>
+          </a:p>
+        </p:txBody>
+      </p:sp>
+    </p:spTree>
+  </p:cSld>
+  <p:clrMapOvr>
+    <a:masterClrMapping/>
+  </p:clrMapOvr>
+</p:sld>
+</file>
+
+<file path=ppt/slides/slide2.xml><?xml version="1.0" encoding="utf-8"?>
+<p:sld xmlns:a="http://schemas.openxmlformats.org/drawingml/2006/main" xmlns:r="http://schemas.openxmlformats.org/officeDocument/2006/relationships" xmlns:p="http://schemas.openxmlformats.org/presentationml/2006/main">
+  <p:cSld>
+    <p:spTree>
+      <p:nvGrpSpPr>
+        <p:cNvPr id="1" name=""/>
+        <p:cNvGrpSpPr/>
+        <p:nvPr/>
+      </p:nvGrpSpPr>
+      <p:grpSpPr>
+        <a:xfrm>
+          <a:off x="0" y="0"/>
+          <a:ext cx="0" cy="0"/>
+          <a:chOff x="0" y="0"/>
+          <a:chExt cx="0" cy="0"/>
+        </a:xfrm>
+      </p:grpSpPr>
+      <p:pic>
+        <p:nvPicPr>
+          <p:cNvPr id="7" name="Picture 6" descr="A tree in a field&#10;&#10;Description automatically generated with medium confidence">
+            <a:extLst>
+              <a:ext uri="{FF2B5EF4-FFF2-40B4-BE49-F238E27FC236}">
+                <a16:creationId xmlns:a16="http://schemas.microsoft.com/office/drawing/2014/main" id="{BF37E9D6-3402-443F-8548-C952B10B5F7B}"/>
+              </a:ext>
+            </a:extLst>
+          </p:cNvPr>
+          <p:cNvPicPr>
+            <a:picLocks noChangeAspect="1"/>
+          </p:cNvPicPr>
+          <p:nvPr/>
+        </p:nvPicPr>
+        <p:blipFill>
+          <a:blip r:embed="rId2">
+            <a:alphaModFix amt="50000"/>
+            <a:extLst>
+              <a:ext uri="{28A0092B-C50C-407E-A947-70E740481C1C}">
+                <a14:useLocalDpi xmlns:a14="http://schemas.microsoft.com/office/drawing/2010/main" val="0"/>
+              </a:ext>
+            </a:extLst>
+          </a:blip>
+          <a:stretch>
+            <a:fillRect/>
+          </a:stretch>
+        </p:blipFill>
+        <p:spPr>
+          <a:xfrm>
+            <a:off x="-1" y="525946"/>
+            <a:ext cx="10080625" cy="4600901"/>
+          </a:xfrm>
+          <a:prstGeom prst="rect">
+            <a:avLst/>
+          </a:prstGeom>
+        </p:spPr>
+      </p:pic>
+      <p:sp>
+        <p:nvSpPr>
+          <p:cNvPr id="2" name="Title 1">
+            <a:extLst>
+              <a:ext uri="{FF2B5EF4-FFF2-40B4-BE49-F238E27FC236}">
+                <a16:creationId xmlns:a16="http://schemas.microsoft.com/office/drawing/2014/main" id="{838B29F9-BDF4-4010-B51C-D23AD0A91C02}"/>
+              </a:ext>
+            </a:extLst>
+          </p:cNvPr>
+          <p:cNvSpPr>
+            <a:spLocks noGrp="1"/>
+          </p:cNvSpPr>
+          <p:nvPr>
+            <p:ph type="title"/>
+          </p:nvPr>
+        </p:nvSpPr>
+        <p:spPr>
+          <a:xfrm>
+            <a:off x="693043" y="257517"/>
+            <a:ext cx="4198553" cy="1096044"/>
+          </a:xfrm>
+        </p:spPr>
         <p:txBody>
           <a:bodyPr/>
           <a:lstStyle/>
           <a:p>
             <a:r>
-              <a:rPr lang="en-US" dirty="0" smtClean="0"/>
-              <a:t>Pitch Deck placeholder</a:t>
+              <a:rPr lang="en-GB" dirty="0"/>
+              <a:t>The Problem</a:t>
             </a:r>
             <a:endParaRPr lang="en-AU" dirty="0"/>
+          </a:p>
+        </p:txBody>
+      </p:sp>
+      <p:sp>
+        <p:nvSpPr>
+          <p:cNvPr id="9" name="TextBox 8">
+            <a:extLst>
+              <a:ext uri="{FF2B5EF4-FFF2-40B4-BE49-F238E27FC236}">
+                <a16:creationId xmlns:a16="http://schemas.microsoft.com/office/drawing/2014/main" id="{5AEC3A5B-AFF5-4DCB-A6FE-BF07016BBDF1}"/>
+              </a:ext>
+            </a:extLst>
+          </p:cNvPr>
+          <p:cNvSpPr txBox="1"/>
+          <p:nvPr/>
+        </p:nvSpPr>
+        <p:spPr>
+          <a:xfrm>
+            <a:off x="5845978" y="1007334"/>
+            <a:ext cx="3506680" cy="954107"/>
+          </a:xfrm>
+          <a:prstGeom prst="rect">
+            <a:avLst/>
+          </a:prstGeom>
+          <a:noFill/>
+        </p:spPr>
+        <p:txBody>
+          <a:bodyPr wrap="square" rtlCol="0">
+            <a:spAutoFit/>
+          </a:bodyPr>
+          <a:lstStyle/>
+          <a:p>
+            <a:pPr algn="ctr"/>
+            <a:r>
+              <a:rPr lang="en-GB" sz="2800" b="1" dirty="0"/>
+              <a:t>Saving the world is complicated</a:t>
+            </a:r>
+            <a:endParaRPr lang="en-AU" sz="2800" b="1" dirty="0"/>
+          </a:p>
+        </p:txBody>
+      </p:sp>
+      <p:sp>
+        <p:nvSpPr>
+          <p:cNvPr id="10" name="TextBox 9">
+            <a:extLst>
+              <a:ext uri="{FF2B5EF4-FFF2-40B4-BE49-F238E27FC236}">
+                <a16:creationId xmlns:a16="http://schemas.microsoft.com/office/drawing/2014/main" id="{A0145E53-E4FF-4F2C-B7DC-A5F2739616A8}"/>
+              </a:ext>
+            </a:extLst>
+          </p:cNvPr>
+          <p:cNvSpPr txBox="1"/>
+          <p:nvPr/>
+        </p:nvSpPr>
+        <p:spPr>
+          <a:xfrm>
+            <a:off x="5779395" y="2247247"/>
+            <a:ext cx="3639845" cy="954107"/>
+          </a:xfrm>
+          <a:prstGeom prst="rect">
+            <a:avLst/>
+          </a:prstGeom>
+          <a:noFill/>
+        </p:spPr>
+        <p:txBody>
+          <a:bodyPr wrap="square" rtlCol="0">
+            <a:spAutoFit/>
+          </a:bodyPr>
+          <a:lstStyle/>
+          <a:p>
+            <a:pPr algn="ctr"/>
+            <a:r>
+              <a:rPr lang="en-GB" sz="2800" b="1" dirty="0"/>
+              <a:t>Greenwashing </a:t>
+            </a:r>
+            <a:br>
+              <a:rPr lang="en-GB" sz="2800" b="1" dirty="0"/>
+            </a:br>
+            <a:r>
+              <a:rPr lang="en-GB" sz="2800" b="1" dirty="0"/>
+              <a:t>and spin</a:t>
+            </a:r>
+            <a:endParaRPr lang="en-AU" sz="2800" b="1" dirty="0"/>
+          </a:p>
+        </p:txBody>
+      </p:sp>
+      <p:sp>
+        <p:nvSpPr>
+          <p:cNvPr id="11" name="TextBox 10">
+            <a:extLst>
+              <a:ext uri="{FF2B5EF4-FFF2-40B4-BE49-F238E27FC236}">
+                <a16:creationId xmlns:a16="http://schemas.microsoft.com/office/drawing/2014/main" id="{6143D7A4-BE56-4BC6-96FA-C5DB15553898}"/>
+              </a:ext>
+            </a:extLst>
+          </p:cNvPr>
+          <p:cNvSpPr txBox="1"/>
+          <p:nvPr/>
+        </p:nvSpPr>
+        <p:spPr>
+          <a:xfrm>
+            <a:off x="577049" y="1470542"/>
+            <a:ext cx="3915052" cy="954107"/>
+          </a:xfrm>
+          <a:prstGeom prst="rect">
+            <a:avLst/>
+          </a:prstGeom>
+          <a:noFill/>
+        </p:spPr>
+        <p:txBody>
+          <a:bodyPr wrap="square" rtlCol="0">
+            <a:spAutoFit/>
+          </a:bodyPr>
+          <a:lstStyle/>
+          <a:p>
+            <a:pPr algn="ctr"/>
+            <a:r>
+              <a:rPr lang="en-GB" sz="2800" b="1" dirty="0"/>
+              <a:t>Environment and Climate 2050</a:t>
+            </a:r>
+            <a:endParaRPr lang="en-AU" sz="2800" b="1" dirty="0"/>
+          </a:p>
+        </p:txBody>
+      </p:sp>
+      <p:sp>
+        <p:nvSpPr>
+          <p:cNvPr id="13" name="TextBox 12">
+            <a:extLst>
+              <a:ext uri="{FF2B5EF4-FFF2-40B4-BE49-F238E27FC236}">
+                <a16:creationId xmlns:a16="http://schemas.microsoft.com/office/drawing/2014/main" id="{66B3A86F-CF3F-40ED-A959-C757B4B9B0EE}"/>
+              </a:ext>
+            </a:extLst>
+          </p:cNvPr>
+          <p:cNvSpPr txBox="1"/>
+          <p:nvPr/>
+        </p:nvSpPr>
+        <p:spPr>
+          <a:xfrm>
+            <a:off x="5845978" y="3483276"/>
+            <a:ext cx="3506679" cy="954107"/>
+          </a:xfrm>
+          <a:prstGeom prst="rect">
+            <a:avLst/>
+          </a:prstGeom>
+          <a:noFill/>
+        </p:spPr>
+        <p:txBody>
+          <a:bodyPr wrap="square" rtlCol="0">
+            <a:spAutoFit/>
+          </a:bodyPr>
+          <a:lstStyle/>
+          <a:p>
+            <a:pPr algn="ctr"/>
+            <a:r>
+              <a:rPr lang="en-GB" sz="2800" b="1" dirty="0"/>
+              <a:t>NLP for investing: </a:t>
+            </a:r>
+            <a:br>
+              <a:rPr lang="en-GB" sz="2800" b="1" dirty="0"/>
+            </a:br>
+            <a:r>
+              <a:rPr lang="en-GB" sz="2800" b="1" dirty="0"/>
+              <a:t>A solution?</a:t>
+            </a:r>
+            <a:endParaRPr lang="en-AU" sz="2800" b="1" dirty="0"/>
+          </a:p>
+        </p:txBody>
+      </p:sp>
+      <p:sp>
+        <p:nvSpPr>
+          <p:cNvPr id="15" name="TextBox 14">
+            <a:extLst>
+              <a:ext uri="{FF2B5EF4-FFF2-40B4-BE49-F238E27FC236}">
+                <a16:creationId xmlns:a16="http://schemas.microsoft.com/office/drawing/2014/main" id="{A23831F0-8D3E-4153-8A45-38F2A9C0DC7D}"/>
+              </a:ext>
+            </a:extLst>
+          </p:cNvPr>
+          <p:cNvSpPr txBox="1"/>
+          <p:nvPr/>
+        </p:nvSpPr>
+        <p:spPr>
+          <a:xfrm>
+            <a:off x="825623" y="2785632"/>
+            <a:ext cx="3409025" cy="954107"/>
+          </a:xfrm>
+          <a:prstGeom prst="rect">
+            <a:avLst/>
+          </a:prstGeom>
+          <a:noFill/>
+        </p:spPr>
+        <p:txBody>
+          <a:bodyPr wrap="square" rtlCol="0">
+            <a:spAutoFit/>
+          </a:bodyPr>
+          <a:lstStyle/>
+          <a:p>
+            <a:pPr algn="ctr"/>
+            <a:r>
+              <a:rPr lang="en-GB" sz="2800" b="1" dirty="0"/>
+              <a:t>Social responsibility and equality</a:t>
+            </a:r>
+            <a:endParaRPr lang="en-AU" sz="2800" b="1" dirty="0"/>
+          </a:p>
+        </p:txBody>
+      </p:sp>
+      <p:sp>
+        <p:nvSpPr>
+          <p:cNvPr id="3" name="TextBox 2">
+            <a:extLst>
+              <a:ext uri="{FF2B5EF4-FFF2-40B4-BE49-F238E27FC236}">
+                <a16:creationId xmlns:a16="http://schemas.microsoft.com/office/drawing/2014/main" id="{52919F32-3399-4354-A809-001AFFD395B4}"/>
+              </a:ext>
+            </a:extLst>
+          </p:cNvPr>
+          <p:cNvSpPr txBox="1"/>
+          <p:nvPr/>
+        </p:nvSpPr>
+        <p:spPr>
+          <a:xfrm>
+            <a:off x="8646850" y="5153481"/>
+            <a:ext cx="1233997" cy="338554"/>
+          </a:xfrm>
+          <a:prstGeom prst="rect">
+            <a:avLst/>
+          </a:prstGeom>
+          <a:noFill/>
+        </p:spPr>
+        <p:txBody>
+          <a:bodyPr wrap="square" rtlCol="0">
+            <a:spAutoFit/>
+          </a:bodyPr>
+          <a:lstStyle/>
+          <a:p>
+            <a:r>
+              <a:rPr lang="en-GB" sz="1600" dirty="0"/>
+              <a:t>lenaion.com</a:t>
+            </a:r>
+            <a:endParaRPr lang="en-AU" sz="1600" dirty="0"/>
+          </a:p>
+        </p:txBody>
+      </p:sp>
+      <p:sp>
+        <p:nvSpPr>
+          <p:cNvPr id="4" name="TextBox 3">
+            <a:extLst>
+              <a:ext uri="{FF2B5EF4-FFF2-40B4-BE49-F238E27FC236}">
+                <a16:creationId xmlns:a16="http://schemas.microsoft.com/office/drawing/2014/main" id="{8C957329-E573-47E8-A29F-37F7235C9107}"/>
+              </a:ext>
+            </a:extLst>
+          </p:cNvPr>
+          <p:cNvSpPr txBox="1"/>
+          <p:nvPr/>
+        </p:nvSpPr>
+        <p:spPr>
+          <a:xfrm>
+            <a:off x="199778" y="5153481"/>
+            <a:ext cx="1961965" cy="338554"/>
+          </a:xfrm>
+          <a:prstGeom prst="rect">
+            <a:avLst/>
+          </a:prstGeom>
+          <a:noFill/>
+        </p:spPr>
+        <p:txBody>
+          <a:bodyPr wrap="square" rtlCol="0">
+            <a:spAutoFit/>
+          </a:bodyPr>
+          <a:lstStyle/>
+          <a:p>
+            <a:r>
+              <a:rPr lang="en-GB" sz="1600" dirty="0" err="1"/>
+              <a:t>Lenaion</a:t>
+            </a:r>
+            <a:r>
+              <a:rPr lang="en-GB" sz="1600" dirty="0"/>
+              <a:t> Labs</a:t>
+            </a:r>
+            <a:endParaRPr lang="en-AU" sz="1600" dirty="0"/>
           </a:p>
         </p:txBody>
       </p:sp>
     </p:spTree>
     <p:extLst>
       <p:ext uri="{BB962C8B-B14F-4D97-AF65-F5344CB8AC3E}">
-        <p14:creationId xmlns:p14="http://schemas.microsoft.com/office/powerpoint/2010/main" val="1911804760"/>
+        <p14:creationId xmlns:p14="http://schemas.microsoft.com/office/powerpoint/2010/main" val="995723358"/>
+      </p:ext>
+    </p:extLst>
+  </p:cSld>
+  <p:clrMapOvr>
+    <a:masterClrMapping/>
+  </p:clrMapOvr>
+</p:sld>
+</file>
+
+<file path=ppt/slides/slide3.xml><?xml version="1.0" encoding="utf-8"?>
+<p:sld xmlns:a="http://schemas.openxmlformats.org/drawingml/2006/main" xmlns:r="http://schemas.openxmlformats.org/officeDocument/2006/relationships" xmlns:p="http://schemas.openxmlformats.org/presentationml/2006/main">
+  <p:cSld>
+    <p:spTree>
+      <p:nvGrpSpPr>
+        <p:cNvPr id="1" name=""/>
+        <p:cNvGrpSpPr/>
+        <p:nvPr/>
+      </p:nvGrpSpPr>
+      <p:grpSpPr>
+        <a:xfrm>
+          <a:off x="0" y="0"/>
+          <a:ext cx="0" cy="0"/>
+          <a:chOff x="0" y="0"/>
+          <a:chExt cx="0" cy="0"/>
+        </a:xfrm>
+      </p:grpSpPr>
+      <p:sp>
+        <p:nvSpPr>
+          <p:cNvPr id="2" name="Title 1">
+            <a:extLst>
+              <a:ext uri="{FF2B5EF4-FFF2-40B4-BE49-F238E27FC236}">
+                <a16:creationId xmlns:a16="http://schemas.microsoft.com/office/drawing/2014/main" id="{31980DA7-0C6B-4917-AAF8-CD6711AD7BA0}"/>
+              </a:ext>
+            </a:extLst>
+          </p:cNvPr>
+          <p:cNvSpPr>
+            <a:spLocks noGrp="1"/>
+          </p:cNvSpPr>
+          <p:nvPr>
+            <p:ph type="title"/>
+          </p:nvPr>
+        </p:nvSpPr>
+        <p:spPr/>
+        <p:txBody>
+          <a:bodyPr/>
+          <a:lstStyle/>
+          <a:p>
+            <a:r>
+              <a:rPr lang="en-GB" dirty="0"/>
+              <a:t>The Problem</a:t>
+            </a:r>
+            <a:endParaRPr lang="en-AU" dirty="0"/>
+          </a:p>
+        </p:txBody>
+      </p:sp>
+      <p:pic>
+        <p:nvPicPr>
+          <p:cNvPr id="5" name="Content Placeholder 4">
+            <a:extLst>
+              <a:ext uri="{FF2B5EF4-FFF2-40B4-BE49-F238E27FC236}">
+                <a16:creationId xmlns:a16="http://schemas.microsoft.com/office/drawing/2014/main" id="{45E73892-F4E2-45A6-8E56-B6D25FB6997D}"/>
+              </a:ext>
+            </a:extLst>
+          </p:cNvPr>
+          <p:cNvPicPr>
+            <a:picLocks noGrp="1" noChangeAspect="1"/>
+          </p:cNvPicPr>
+          <p:nvPr>
+            <p:ph idx="1"/>
+          </p:nvPr>
+        </p:nvPicPr>
+        <p:blipFill>
+          <a:blip r:embed="rId2">
+            <a:extLst>
+              <a:ext uri="{28A0092B-C50C-407E-A947-70E740481C1C}">
+                <a14:useLocalDpi xmlns:a14="http://schemas.microsoft.com/office/drawing/2010/main" val="0"/>
+              </a:ext>
+            </a:extLst>
+          </a:blip>
+          <a:stretch>
+            <a:fillRect/>
+          </a:stretch>
+        </p:blipFill>
+        <p:spPr>
+          <a:xfrm>
+            <a:off x="2906545" y="1509713"/>
+            <a:ext cx="4267536" cy="3597275"/>
+          </a:xfrm>
+        </p:spPr>
+      </p:pic>
+      <p:sp>
+        <p:nvSpPr>
+          <p:cNvPr id="4" name="TextBox 3">
+            <a:extLst>
+              <a:ext uri="{FF2B5EF4-FFF2-40B4-BE49-F238E27FC236}">
+                <a16:creationId xmlns:a16="http://schemas.microsoft.com/office/drawing/2014/main" id="{89DD958A-775E-4DAD-8E6E-7AD0E7857800}"/>
+              </a:ext>
+            </a:extLst>
+          </p:cNvPr>
+          <p:cNvSpPr txBox="1"/>
+          <p:nvPr/>
+        </p:nvSpPr>
+        <p:spPr>
+          <a:xfrm>
+            <a:off x="8646850" y="5153481"/>
+            <a:ext cx="1233997" cy="338554"/>
+          </a:xfrm>
+          <a:prstGeom prst="rect">
+            <a:avLst/>
+          </a:prstGeom>
+          <a:noFill/>
+        </p:spPr>
+        <p:txBody>
+          <a:bodyPr wrap="square" rtlCol="0">
+            <a:spAutoFit/>
+          </a:bodyPr>
+          <a:lstStyle/>
+          <a:p>
+            <a:r>
+              <a:rPr lang="en-GB" sz="1600" dirty="0"/>
+              <a:t>lenaion.com</a:t>
+            </a:r>
+            <a:endParaRPr lang="en-AU" sz="1600" dirty="0"/>
+          </a:p>
+        </p:txBody>
+      </p:sp>
+      <p:sp>
+        <p:nvSpPr>
+          <p:cNvPr id="6" name="TextBox 5">
+            <a:extLst>
+              <a:ext uri="{FF2B5EF4-FFF2-40B4-BE49-F238E27FC236}">
+                <a16:creationId xmlns:a16="http://schemas.microsoft.com/office/drawing/2014/main" id="{9CE17319-A4B2-4359-B6A8-AE2B2ECF73BB}"/>
+              </a:ext>
+            </a:extLst>
+          </p:cNvPr>
+          <p:cNvSpPr txBox="1"/>
+          <p:nvPr/>
+        </p:nvSpPr>
+        <p:spPr>
+          <a:xfrm>
+            <a:off x="199778" y="5162359"/>
+            <a:ext cx="1961965" cy="338554"/>
+          </a:xfrm>
+          <a:prstGeom prst="rect">
+            <a:avLst/>
+          </a:prstGeom>
+          <a:noFill/>
+        </p:spPr>
+        <p:txBody>
+          <a:bodyPr wrap="square" rtlCol="0">
+            <a:spAutoFit/>
+          </a:bodyPr>
+          <a:lstStyle/>
+          <a:p>
+            <a:r>
+              <a:rPr lang="en-GB" sz="1600" dirty="0" err="1"/>
+              <a:t>Lenaion</a:t>
+            </a:r>
+            <a:r>
+              <a:rPr lang="en-GB" sz="1600" dirty="0"/>
+              <a:t> Labs</a:t>
+            </a:r>
+            <a:endParaRPr lang="en-AU" sz="1600" dirty="0"/>
+          </a:p>
+        </p:txBody>
+      </p:sp>
+    </p:spTree>
+    <p:extLst>
+      <p:ext uri="{BB962C8B-B14F-4D97-AF65-F5344CB8AC3E}">
+        <p14:creationId xmlns:p14="http://schemas.microsoft.com/office/powerpoint/2010/main" val="1679873724"/>
+      </p:ext>
+    </p:extLst>
+  </p:cSld>
+  <p:clrMapOvr>
+    <a:masterClrMapping/>
+  </p:clrMapOvr>
+</p:sld>
+</file>
+
+<file path=ppt/slides/slide4.xml><?xml version="1.0" encoding="utf-8"?>
+<p:sld xmlns:a="http://schemas.openxmlformats.org/drawingml/2006/main" xmlns:r="http://schemas.openxmlformats.org/officeDocument/2006/relationships" xmlns:p="http://schemas.openxmlformats.org/presentationml/2006/main">
+  <p:cSld>
+    <p:spTree>
+      <p:nvGrpSpPr>
+        <p:cNvPr id="1" name=""/>
+        <p:cNvGrpSpPr/>
+        <p:nvPr/>
+      </p:nvGrpSpPr>
+      <p:grpSpPr>
+        <a:xfrm>
+          <a:off x="0" y="0"/>
+          <a:ext cx="0" cy="0"/>
+          <a:chOff x="0" y="0"/>
+          <a:chExt cx="0" cy="0"/>
+        </a:xfrm>
+      </p:grpSpPr>
+      <p:sp>
+        <p:nvSpPr>
+          <p:cNvPr id="8" name="Oval 7">
+            <a:extLst>
+              <a:ext uri="{FF2B5EF4-FFF2-40B4-BE49-F238E27FC236}">
+                <a16:creationId xmlns:a16="http://schemas.microsoft.com/office/drawing/2014/main" id="{E7D53EDF-F4A3-4F99-B8FA-640386E4D558}"/>
+              </a:ext>
+            </a:extLst>
+          </p:cNvPr>
+          <p:cNvSpPr/>
+          <p:nvPr/>
+        </p:nvSpPr>
+        <p:spPr>
+          <a:xfrm>
+            <a:off x="6279195" y="1077720"/>
+            <a:ext cx="1764000" cy="1764000"/>
+          </a:xfrm>
+          <a:prstGeom prst="ellipse">
+            <a:avLst/>
+          </a:prstGeom>
+          <a:ln w="38100">
+            <a:solidFill>
+              <a:schemeClr val="accent1">
+                <a:lumMod val="50000"/>
+              </a:schemeClr>
+            </a:solidFill>
+          </a:ln>
+        </p:spPr>
+        <p:style>
+          <a:lnRef idx="2">
+            <a:schemeClr val="accent1">
+              <a:shade val="50000"/>
+            </a:schemeClr>
+          </a:lnRef>
+          <a:fillRef idx="1">
+            <a:schemeClr val="accent1"/>
+          </a:fillRef>
+          <a:effectRef idx="0">
+            <a:schemeClr val="accent1"/>
+          </a:effectRef>
+          <a:fontRef idx="minor">
+            <a:schemeClr val="lt1"/>
+          </a:fontRef>
+        </p:style>
+        <p:txBody>
+          <a:bodyPr rtlCol="0" anchor="ctr"/>
+          <a:lstStyle/>
+          <a:p>
+            <a:pPr algn="ctr"/>
+            <a:endParaRPr lang="en-AU"/>
+          </a:p>
+        </p:txBody>
+      </p:sp>
+      <p:sp>
+        <p:nvSpPr>
+          <p:cNvPr id="7" name="Oval 6">
+            <a:extLst>
+              <a:ext uri="{FF2B5EF4-FFF2-40B4-BE49-F238E27FC236}">
+                <a16:creationId xmlns:a16="http://schemas.microsoft.com/office/drawing/2014/main" id="{734E2DC5-59CF-48C2-8322-C86686068B6A}"/>
+              </a:ext>
+            </a:extLst>
+          </p:cNvPr>
+          <p:cNvSpPr/>
+          <p:nvPr/>
+        </p:nvSpPr>
+        <p:spPr>
+          <a:xfrm>
+            <a:off x="3871866" y="1077720"/>
+            <a:ext cx="1764000" cy="1764000"/>
+          </a:xfrm>
+          <a:prstGeom prst="ellipse">
+            <a:avLst/>
+          </a:prstGeom>
+          <a:ln w="38100">
+            <a:solidFill>
+              <a:schemeClr val="accent1">
+                <a:lumMod val="50000"/>
+              </a:schemeClr>
+            </a:solidFill>
+          </a:ln>
+        </p:spPr>
+        <p:style>
+          <a:lnRef idx="2">
+            <a:schemeClr val="accent1">
+              <a:shade val="50000"/>
+            </a:schemeClr>
+          </a:lnRef>
+          <a:fillRef idx="1">
+            <a:schemeClr val="accent1"/>
+          </a:fillRef>
+          <a:effectRef idx="0">
+            <a:schemeClr val="accent1"/>
+          </a:effectRef>
+          <a:fontRef idx="minor">
+            <a:schemeClr val="lt1"/>
+          </a:fontRef>
+        </p:style>
+        <p:txBody>
+          <a:bodyPr rtlCol="0" anchor="ctr"/>
+          <a:lstStyle/>
+          <a:p>
+            <a:pPr algn="ctr"/>
+            <a:endParaRPr lang="en-AU"/>
+          </a:p>
+        </p:txBody>
+      </p:sp>
+      <p:sp>
+        <p:nvSpPr>
+          <p:cNvPr id="2" name="Title 1">
+            <a:extLst>
+              <a:ext uri="{FF2B5EF4-FFF2-40B4-BE49-F238E27FC236}">
+                <a16:creationId xmlns:a16="http://schemas.microsoft.com/office/drawing/2014/main" id="{9B64A8C7-B041-4861-8F38-182C7C6B14CD}"/>
+              </a:ext>
+            </a:extLst>
+          </p:cNvPr>
+          <p:cNvSpPr>
+            <a:spLocks noGrp="1"/>
+          </p:cNvSpPr>
+          <p:nvPr>
+            <p:ph type="title"/>
+          </p:nvPr>
+        </p:nvSpPr>
+        <p:spPr/>
+        <p:txBody>
+          <a:bodyPr/>
+          <a:lstStyle/>
+          <a:p>
+            <a:r>
+              <a:rPr lang="en-GB" dirty="0"/>
+              <a:t>The Solution</a:t>
+            </a:r>
+            <a:endParaRPr lang="en-AU" dirty="0"/>
+          </a:p>
+        </p:txBody>
+      </p:sp>
+      <p:pic>
+        <p:nvPicPr>
+          <p:cNvPr id="4" name="Graphic 3">
+            <a:extLst>
+              <a:ext uri="{FF2B5EF4-FFF2-40B4-BE49-F238E27FC236}">
+                <a16:creationId xmlns:a16="http://schemas.microsoft.com/office/drawing/2014/main" id="{5371AA14-4F2A-4A61-A75C-81DC91ABD29B}"/>
+              </a:ext>
+            </a:extLst>
+          </p:cNvPr>
+          <p:cNvPicPr>
+            <a:picLocks noChangeAspect="1"/>
+          </p:cNvPicPr>
+          <p:nvPr/>
+        </p:nvPicPr>
+        <p:blipFill>
+          <a:blip r:embed="rId3">
+            <a:extLst>
+              <a:ext uri="{28A0092B-C50C-407E-A947-70E740481C1C}">
+                <a14:useLocalDpi xmlns:a14="http://schemas.microsoft.com/office/drawing/2010/main" val="0"/>
+              </a:ext>
+              <a:ext uri="{96DAC541-7B7A-43D3-8B79-37D633B846F1}">
+                <asvg:svgBlip xmlns:asvg="http://schemas.microsoft.com/office/drawing/2016/SVG/main" r:embed="rId4"/>
+              </a:ext>
+            </a:extLst>
+          </a:blip>
+          <a:stretch>
+            <a:fillRect/>
+          </a:stretch>
+        </p:blipFill>
+        <p:spPr>
+          <a:xfrm>
+            <a:off x="4229966" y="1397949"/>
+            <a:ext cx="1123542" cy="1123542"/>
+          </a:xfrm>
+          <a:prstGeom prst="rect">
+            <a:avLst/>
+          </a:prstGeom>
+        </p:spPr>
+      </p:pic>
+      <p:sp>
+        <p:nvSpPr>
+          <p:cNvPr id="5" name="TextBox 4">
+            <a:extLst>
+              <a:ext uri="{FF2B5EF4-FFF2-40B4-BE49-F238E27FC236}">
+                <a16:creationId xmlns:a16="http://schemas.microsoft.com/office/drawing/2014/main" id="{CD60205B-1193-4DDC-8796-94C7CB3A430B}"/>
+              </a:ext>
+            </a:extLst>
+          </p:cNvPr>
+          <p:cNvSpPr txBox="1"/>
+          <p:nvPr/>
+        </p:nvSpPr>
+        <p:spPr>
+          <a:xfrm>
+            <a:off x="3799516" y="3023170"/>
+            <a:ext cx="1908699" cy="1569660"/>
+          </a:xfrm>
+          <a:prstGeom prst="rect">
+            <a:avLst/>
+          </a:prstGeom>
+          <a:noFill/>
+        </p:spPr>
+        <p:txBody>
+          <a:bodyPr wrap="square" rtlCol="0">
+            <a:spAutoFit/>
+          </a:bodyPr>
+          <a:lstStyle/>
+          <a:p>
+            <a:pPr algn="ctr"/>
+            <a:r>
+              <a:rPr lang="en-GB" sz="2400" b="1" dirty="0"/>
+              <a:t>Our natural language processing API</a:t>
+            </a:r>
+            <a:endParaRPr lang="en-AU" sz="2400" b="1" dirty="0"/>
+          </a:p>
+        </p:txBody>
+      </p:sp>
+      <p:sp>
+        <p:nvSpPr>
+          <p:cNvPr id="10" name="Rectangle 9">
+            <a:extLst>
+              <a:ext uri="{FF2B5EF4-FFF2-40B4-BE49-F238E27FC236}">
+                <a16:creationId xmlns:a16="http://schemas.microsoft.com/office/drawing/2014/main" id="{7CBFCEF6-3A8B-474B-A5AA-5E6ECE3BB46F}"/>
+              </a:ext>
+            </a:extLst>
+          </p:cNvPr>
+          <p:cNvSpPr/>
+          <p:nvPr/>
+        </p:nvSpPr>
+        <p:spPr>
+          <a:xfrm>
+            <a:off x="6551719" y="1601683"/>
+            <a:ext cx="1230074" cy="646331"/>
+          </a:xfrm>
+          <a:prstGeom prst="rect">
+            <a:avLst/>
+          </a:prstGeom>
+          <a:ln w="38100">
+            <a:solidFill>
+              <a:schemeClr val="accent2">
+                <a:lumMod val="75000"/>
+              </a:schemeClr>
+            </a:solidFill>
+          </a:ln>
+        </p:spPr>
+        <p:style>
+          <a:lnRef idx="2">
+            <a:schemeClr val="accent6"/>
+          </a:lnRef>
+          <a:fillRef idx="1">
+            <a:schemeClr val="lt1"/>
+          </a:fillRef>
+          <a:effectRef idx="0">
+            <a:schemeClr val="accent6"/>
+          </a:effectRef>
+          <a:fontRef idx="minor">
+            <a:schemeClr val="dk1"/>
+          </a:fontRef>
+        </p:style>
+        <p:txBody>
+          <a:bodyPr rtlCol="0" anchor="ctr"/>
+          <a:lstStyle/>
+          <a:p>
+            <a:pPr algn="ctr"/>
+            <a:endParaRPr lang="en-AU"/>
+          </a:p>
+        </p:txBody>
+      </p:sp>
+      <p:sp>
+        <p:nvSpPr>
+          <p:cNvPr id="6" name="TextBox 5">
+            <a:extLst>
+              <a:ext uri="{FF2B5EF4-FFF2-40B4-BE49-F238E27FC236}">
+                <a16:creationId xmlns:a16="http://schemas.microsoft.com/office/drawing/2014/main" id="{6F8397E8-2254-4054-AA8F-C2F68074B068}"/>
+              </a:ext>
+            </a:extLst>
+          </p:cNvPr>
+          <p:cNvSpPr txBox="1"/>
+          <p:nvPr/>
+        </p:nvSpPr>
+        <p:spPr>
+          <a:xfrm>
+            <a:off x="6658251" y="1630738"/>
+            <a:ext cx="1123542" cy="646331"/>
+          </a:xfrm>
+          <a:prstGeom prst="rect">
+            <a:avLst/>
+          </a:prstGeom>
+          <a:noFill/>
+        </p:spPr>
+        <p:txBody>
+          <a:bodyPr wrap="square" rtlCol="0">
+            <a:spAutoFit/>
+          </a:bodyPr>
+          <a:lstStyle/>
+          <a:p>
+            <a:r>
+              <a:rPr lang="en-GB" b="1" dirty="0">
+                <a:solidFill>
+                  <a:schemeClr val="accent2">
+                    <a:lumMod val="75000"/>
+                  </a:schemeClr>
+                </a:solidFill>
+              </a:rPr>
+              <a:t>0.9     0.2</a:t>
+            </a:r>
+          </a:p>
+          <a:p>
+            <a:r>
+              <a:rPr lang="en-GB" b="1" dirty="0">
+                <a:solidFill>
+                  <a:schemeClr val="accent2">
+                    <a:lumMod val="75000"/>
+                  </a:schemeClr>
+                </a:solidFill>
+              </a:rPr>
+              <a:t>-0.6    0.3</a:t>
+            </a:r>
+            <a:endParaRPr lang="en-AU" b="1" dirty="0">
+              <a:solidFill>
+                <a:schemeClr val="accent2">
+                  <a:lumMod val="75000"/>
+                </a:schemeClr>
+              </a:solidFill>
+            </a:endParaRPr>
+          </a:p>
+        </p:txBody>
+      </p:sp>
+      <p:sp>
+        <p:nvSpPr>
+          <p:cNvPr id="11" name="TextBox 10">
+            <a:extLst>
+              <a:ext uri="{FF2B5EF4-FFF2-40B4-BE49-F238E27FC236}">
+                <a16:creationId xmlns:a16="http://schemas.microsoft.com/office/drawing/2014/main" id="{EDC4B864-38C8-4B22-9ECA-E3B70FA49F4F}"/>
+              </a:ext>
+            </a:extLst>
+          </p:cNvPr>
+          <p:cNvSpPr txBox="1"/>
+          <p:nvPr/>
+        </p:nvSpPr>
+        <p:spPr>
+          <a:xfrm>
+            <a:off x="6029292" y="3080324"/>
+            <a:ext cx="2263806" cy="1200329"/>
+          </a:xfrm>
+          <a:prstGeom prst="rect">
+            <a:avLst/>
+          </a:prstGeom>
+          <a:noFill/>
+        </p:spPr>
+        <p:txBody>
+          <a:bodyPr wrap="square" rtlCol="0">
+            <a:spAutoFit/>
+          </a:bodyPr>
+          <a:lstStyle/>
+          <a:p>
+            <a:pPr algn="ctr"/>
+            <a:r>
+              <a:rPr lang="en-GB" sz="2400" b="1" dirty="0"/>
+              <a:t>Quantitative investment signals</a:t>
+            </a:r>
+            <a:endParaRPr lang="en-AU" sz="2400" b="1" dirty="0"/>
+          </a:p>
+        </p:txBody>
+      </p:sp>
+      <p:sp>
+        <p:nvSpPr>
+          <p:cNvPr id="12" name="Oval 11">
+            <a:extLst>
+              <a:ext uri="{FF2B5EF4-FFF2-40B4-BE49-F238E27FC236}">
+                <a16:creationId xmlns:a16="http://schemas.microsoft.com/office/drawing/2014/main" id="{D94D8382-63CB-4218-8F62-2CFC2900ACE3}"/>
+              </a:ext>
+            </a:extLst>
+          </p:cNvPr>
+          <p:cNvSpPr/>
+          <p:nvPr/>
+        </p:nvSpPr>
+        <p:spPr>
+          <a:xfrm>
+            <a:off x="1464537" y="1077720"/>
+            <a:ext cx="1764000" cy="1764000"/>
+          </a:xfrm>
+          <a:prstGeom prst="ellipse">
+            <a:avLst/>
+          </a:prstGeom>
+          <a:ln w="38100">
+            <a:solidFill>
+              <a:schemeClr val="accent1">
+                <a:lumMod val="50000"/>
+              </a:schemeClr>
+            </a:solidFill>
+          </a:ln>
+        </p:spPr>
+        <p:style>
+          <a:lnRef idx="2">
+            <a:schemeClr val="accent1">
+              <a:shade val="50000"/>
+            </a:schemeClr>
+          </a:lnRef>
+          <a:fillRef idx="1">
+            <a:schemeClr val="accent1"/>
+          </a:fillRef>
+          <a:effectRef idx="0">
+            <a:schemeClr val="accent1"/>
+          </a:effectRef>
+          <a:fontRef idx="minor">
+            <a:schemeClr val="lt1"/>
+          </a:fontRef>
+        </p:style>
+        <p:txBody>
+          <a:bodyPr rtlCol="0" anchor="ctr"/>
+          <a:lstStyle/>
+          <a:p>
+            <a:pPr algn="ctr"/>
+            <a:endParaRPr lang="en-AU"/>
+          </a:p>
+        </p:txBody>
+      </p:sp>
+      <p:sp>
+        <p:nvSpPr>
+          <p:cNvPr id="17" name="TextBox 16">
+            <a:extLst>
+              <a:ext uri="{FF2B5EF4-FFF2-40B4-BE49-F238E27FC236}">
+                <a16:creationId xmlns:a16="http://schemas.microsoft.com/office/drawing/2014/main" id="{D88CAB5C-8560-4BE6-89C4-336E596D0E64}"/>
+              </a:ext>
+            </a:extLst>
+          </p:cNvPr>
+          <p:cNvSpPr txBox="1"/>
+          <p:nvPr/>
+        </p:nvSpPr>
+        <p:spPr>
+          <a:xfrm>
+            <a:off x="1464537" y="3080324"/>
+            <a:ext cx="1764000" cy="830997"/>
+          </a:xfrm>
+          <a:prstGeom prst="rect">
+            <a:avLst/>
+          </a:prstGeom>
+          <a:noFill/>
+        </p:spPr>
+        <p:txBody>
+          <a:bodyPr wrap="square" rtlCol="0">
+            <a:spAutoFit/>
+          </a:bodyPr>
+          <a:lstStyle/>
+          <a:p>
+            <a:pPr algn="ctr"/>
+            <a:r>
+              <a:rPr lang="en-GB" sz="2400" b="1" dirty="0"/>
+              <a:t>Reports and documents</a:t>
+            </a:r>
+            <a:endParaRPr lang="en-AU" sz="2400" b="1" dirty="0"/>
+          </a:p>
+        </p:txBody>
+      </p:sp>
+      <p:sp>
+        <p:nvSpPr>
+          <p:cNvPr id="18" name="Arrow: Right 17">
+            <a:extLst>
+              <a:ext uri="{FF2B5EF4-FFF2-40B4-BE49-F238E27FC236}">
+                <a16:creationId xmlns:a16="http://schemas.microsoft.com/office/drawing/2014/main" id="{CFF60C63-FBF7-4D66-9260-E25482C07669}"/>
+              </a:ext>
+            </a:extLst>
+          </p:cNvPr>
+          <p:cNvSpPr/>
+          <p:nvPr/>
+        </p:nvSpPr>
+        <p:spPr>
+          <a:xfrm>
+            <a:off x="3355759" y="1713390"/>
+            <a:ext cx="425304" cy="534624"/>
+          </a:xfrm>
+          <a:prstGeom prst="rightArrow">
+            <a:avLst/>
+          </a:prstGeom>
+        </p:spPr>
+        <p:style>
+          <a:lnRef idx="2">
+            <a:schemeClr val="accent1">
+              <a:shade val="50000"/>
+            </a:schemeClr>
+          </a:lnRef>
+          <a:fillRef idx="1">
+            <a:schemeClr val="accent1"/>
+          </a:fillRef>
+          <a:effectRef idx="0">
+            <a:schemeClr val="accent1"/>
+          </a:effectRef>
+          <a:fontRef idx="minor">
+            <a:schemeClr val="lt1"/>
+          </a:fontRef>
+        </p:style>
+        <p:txBody>
+          <a:bodyPr rtlCol="0" anchor="ctr"/>
+          <a:lstStyle/>
+          <a:p>
+            <a:pPr algn="ctr"/>
+            <a:endParaRPr lang="en-AU"/>
+          </a:p>
+        </p:txBody>
+      </p:sp>
+      <p:sp>
+        <p:nvSpPr>
+          <p:cNvPr id="19" name="Arrow: Right 18">
+            <a:extLst>
+              <a:ext uri="{FF2B5EF4-FFF2-40B4-BE49-F238E27FC236}">
+                <a16:creationId xmlns:a16="http://schemas.microsoft.com/office/drawing/2014/main" id="{B15B8C40-A791-4696-8AC5-66709C5AFA31}"/>
+              </a:ext>
+            </a:extLst>
+          </p:cNvPr>
+          <p:cNvSpPr/>
+          <p:nvPr/>
+        </p:nvSpPr>
+        <p:spPr>
+          <a:xfrm>
+            <a:off x="5731422" y="1665272"/>
+            <a:ext cx="425304" cy="534624"/>
+          </a:xfrm>
+          <a:prstGeom prst="rightArrow">
+            <a:avLst/>
+          </a:prstGeom>
+        </p:spPr>
+        <p:style>
+          <a:lnRef idx="2">
+            <a:schemeClr val="accent1">
+              <a:shade val="50000"/>
+            </a:schemeClr>
+          </a:lnRef>
+          <a:fillRef idx="1">
+            <a:schemeClr val="accent1"/>
+          </a:fillRef>
+          <a:effectRef idx="0">
+            <a:schemeClr val="accent1"/>
+          </a:effectRef>
+          <a:fontRef idx="minor">
+            <a:schemeClr val="lt1"/>
+          </a:fontRef>
+        </p:style>
+        <p:txBody>
+          <a:bodyPr rtlCol="0" anchor="ctr"/>
+          <a:lstStyle/>
+          <a:p>
+            <a:pPr algn="ctr"/>
+            <a:endParaRPr lang="en-AU"/>
+          </a:p>
+        </p:txBody>
+      </p:sp>
+      <p:sp>
+        <p:nvSpPr>
+          <p:cNvPr id="20" name="TextBox 19">
+            <a:extLst>
+              <a:ext uri="{FF2B5EF4-FFF2-40B4-BE49-F238E27FC236}">
+                <a16:creationId xmlns:a16="http://schemas.microsoft.com/office/drawing/2014/main" id="{E1F98F15-4B2D-4E54-A639-B59ECFE4DCD0}"/>
+              </a:ext>
+            </a:extLst>
+          </p:cNvPr>
+          <p:cNvSpPr txBox="1"/>
+          <p:nvPr/>
+        </p:nvSpPr>
+        <p:spPr>
+          <a:xfrm>
+            <a:off x="199778" y="5153481"/>
+            <a:ext cx="1961965" cy="338554"/>
+          </a:xfrm>
+          <a:prstGeom prst="rect">
+            <a:avLst/>
+          </a:prstGeom>
+          <a:noFill/>
+        </p:spPr>
+        <p:txBody>
+          <a:bodyPr wrap="square" rtlCol="0">
+            <a:spAutoFit/>
+          </a:bodyPr>
+          <a:lstStyle/>
+          <a:p>
+            <a:r>
+              <a:rPr lang="en-GB" sz="1600" dirty="0" err="1"/>
+              <a:t>Lenaion</a:t>
+            </a:r>
+            <a:r>
+              <a:rPr lang="en-GB" sz="1600" dirty="0"/>
+              <a:t> Labs</a:t>
+            </a:r>
+            <a:endParaRPr lang="en-AU" sz="1600" dirty="0"/>
+          </a:p>
+        </p:txBody>
+      </p:sp>
+      <p:sp>
+        <p:nvSpPr>
+          <p:cNvPr id="21" name="TextBox 20">
+            <a:extLst>
+              <a:ext uri="{FF2B5EF4-FFF2-40B4-BE49-F238E27FC236}">
+                <a16:creationId xmlns:a16="http://schemas.microsoft.com/office/drawing/2014/main" id="{97809FD2-4B75-4080-B28C-E41E8F49AA15}"/>
+              </a:ext>
+            </a:extLst>
+          </p:cNvPr>
+          <p:cNvSpPr txBox="1"/>
+          <p:nvPr/>
+        </p:nvSpPr>
+        <p:spPr>
+          <a:xfrm>
+            <a:off x="8646850" y="5153481"/>
+            <a:ext cx="1233997" cy="338554"/>
+          </a:xfrm>
+          <a:prstGeom prst="rect">
+            <a:avLst/>
+          </a:prstGeom>
+          <a:noFill/>
+        </p:spPr>
+        <p:txBody>
+          <a:bodyPr wrap="square" rtlCol="0">
+            <a:spAutoFit/>
+          </a:bodyPr>
+          <a:lstStyle/>
+          <a:p>
+            <a:r>
+              <a:rPr lang="en-GB" sz="1600" dirty="0"/>
+              <a:t>lenaion.com</a:t>
+            </a:r>
+            <a:endParaRPr lang="en-AU" sz="1600" dirty="0"/>
+          </a:p>
+        </p:txBody>
+      </p:sp>
+      <p:sp>
+        <p:nvSpPr>
+          <p:cNvPr id="29" name="Rectangle 28">
+            <a:extLst>
+              <a:ext uri="{FF2B5EF4-FFF2-40B4-BE49-F238E27FC236}">
+                <a16:creationId xmlns:a16="http://schemas.microsoft.com/office/drawing/2014/main" id="{50F2051A-06CA-4362-A909-927D79080D2A}"/>
+              </a:ext>
+            </a:extLst>
+          </p:cNvPr>
+          <p:cNvSpPr/>
+          <p:nvPr/>
+        </p:nvSpPr>
+        <p:spPr>
+          <a:xfrm>
+            <a:off x="1882066" y="1245661"/>
+            <a:ext cx="932155" cy="1412204"/>
+          </a:xfrm>
+          <a:prstGeom prst="rect">
+            <a:avLst/>
+          </a:prstGeom>
+          <a:solidFill>
+            <a:schemeClr val="tx1"/>
+          </a:solidFill>
+          <a:ln w="38100">
+            <a:solidFill>
+              <a:schemeClr val="accent2">
+                <a:lumMod val="75000"/>
+              </a:schemeClr>
+            </a:solidFill>
+          </a:ln>
+        </p:spPr>
+        <p:style>
+          <a:lnRef idx="2">
+            <a:schemeClr val="accent1">
+              <a:shade val="50000"/>
+            </a:schemeClr>
+          </a:lnRef>
+          <a:fillRef idx="1">
+            <a:schemeClr val="accent1"/>
+          </a:fillRef>
+          <a:effectRef idx="0">
+            <a:schemeClr val="accent1"/>
+          </a:effectRef>
+          <a:fontRef idx="minor">
+            <a:schemeClr val="lt1"/>
+          </a:fontRef>
+        </p:style>
+        <p:txBody>
+          <a:bodyPr rtlCol="0" anchor="ctr"/>
+          <a:lstStyle/>
+          <a:p>
+            <a:pPr algn="ctr"/>
+            <a:endParaRPr lang="en-AU"/>
+          </a:p>
+        </p:txBody>
+      </p:sp>
+      <p:pic>
+        <p:nvPicPr>
+          <p:cNvPr id="27" name="Picture 26" descr="Shape&#10;&#10;Description automatically generated with low confidence">
+            <a:extLst>
+              <a:ext uri="{FF2B5EF4-FFF2-40B4-BE49-F238E27FC236}">
+                <a16:creationId xmlns:a16="http://schemas.microsoft.com/office/drawing/2014/main" id="{53BA02C0-1C21-4848-966E-75A17A9592C7}"/>
+              </a:ext>
+            </a:extLst>
+          </p:cNvPr>
+          <p:cNvPicPr>
+            <a:picLocks noChangeAspect="1"/>
+          </p:cNvPicPr>
+          <p:nvPr/>
+        </p:nvPicPr>
+        <p:blipFill>
+          <a:blip r:embed="rId5">
+            <a:extLst>
+              <a:ext uri="{28A0092B-C50C-407E-A947-70E740481C1C}">
+                <a14:useLocalDpi xmlns:a14="http://schemas.microsoft.com/office/drawing/2010/main" val="0"/>
+              </a:ext>
+            </a:extLst>
+          </a:blip>
+          <a:stretch>
+            <a:fillRect/>
+          </a:stretch>
+        </p:blipFill>
+        <p:spPr>
+          <a:xfrm>
+            <a:off x="1640435" y="1247801"/>
+            <a:ext cx="1412204" cy="1412204"/>
+          </a:xfrm>
+          <a:prstGeom prst="rect">
+            <a:avLst/>
+          </a:prstGeom>
+        </p:spPr>
+      </p:pic>
+      <p:sp>
+        <p:nvSpPr>
+          <p:cNvPr id="28" name="Rectangle 27">
+            <a:extLst>
+              <a:ext uri="{FF2B5EF4-FFF2-40B4-BE49-F238E27FC236}">
+                <a16:creationId xmlns:a16="http://schemas.microsoft.com/office/drawing/2014/main" id="{7B87F37C-2C51-4372-856E-1BAEC60DD565}"/>
+              </a:ext>
+            </a:extLst>
+          </p:cNvPr>
+          <p:cNvSpPr/>
+          <p:nvPr/>
+        </p:nvSpPr>
+        <p:spPr>
+          <a:xfrm>
+            <a:off x="-234358" y="2112885"/>
+            <a:ext cx="47927" cy="45719"/>
+          </a:xfrm>
+          <a:prstGeom prst="rect">
+            <a:avLst/>
+          </a:prstGeom>
+        </p:spPr>
+        <p:style>
+          <a:lnRef idx="2">
+            <a:schemeClr val="accent1">
+              <a:shade val="50000"/>
+            </a:schemeClr>
+          </a:lnRef>
+          <a:fillRef idx="1">
+            <a:schemeClr val="accent1"/>
+          </a:fillRef>
+          <a:effectRef idx="0">
+            <a:schemeClr val="accent1"/>
+          </a:effectRef>
+          <a:fontRef idx="minor">
+            <a:schemeClr val="lt1"/>
+          </a:fontRef>
+        </p:style>
+        <p:txBody>
+          <a:bodyPr rtlCol="0" anchor="ctr"/>
+          <a:lstStyle/>
+          <a:p>
+            <a:pPr algn="ctr"/>
+            <a:endParaRPr lang="en-AU"/>
+          </a:p>
+        </p:txBody>
+      </p:sp>
+    </p:spTree>
+    <p:extLst>
+      <p:ext uri="{BB962C8B-B14F-4D97-AF65-F5344CB8AC3E}">
+        <p14:creationId xmlns:p14="http://schemas.microsoft.com/office/powerpoint/2010/main" val="1465275754"/>
+      </p:ext>
+    </p:extLst>
+  </p:cSld>
+  <p:clrMapOvr>
+    <a:masterClrMapping/>
+  </p:clrMapOvr>
+</p:sld>
+</file>
+
+<file path=ppt/slides/slide5.xml><?xml version="1.0" encoding="utf-8"?>
+<p:sld xmlns:a="http://schemas.openxmlformats.org/drawingml/2006/main" xmlns:r="http://schemas.openxmlformats.org/officeDocument/2006/relationships" xmlns:p="http://schemas.openxmlformats.org/presentationml/2006/main">
+  <p:cSld>
+    <p:spTree>
+      <p:nvGrpSpPr>
+        <p:cNvPr id="1" name=""/>
+        <p:cNvGrpSpPr/>
+        <p:nvPr/>
+      </p:nvGrpSpPr>
+      <p:grpSpPr>
+        <a:xfrm>
+          <a:off x="0" y="0"/>
+          <a:ext cx="0" cy="0"/>
+          <a:chOff x="0" y="0"/>
+          <a:chExt cx="0" cy="0"/>
+        </a:xfrm>
+      </p:grpSpPr>
+      <p:sp>
+        <p:nvSpPr>
+          <p:cNvPr id="2" name="Title 1">
+            <a:extLst>
+              <a:ext uri="{FF2B5EF4-FFF2-40B4-BE49-F238E27FC236}">
+                <a16:creationId xmlns:a16="http://schemas.microsoft.com/office/drawing/2014/main" id="{77C2FE0E-554A-471C-A950-AB85D72CB207}"/>
+              </a:ext>
+            </a:extLst>
+          </p:cNvPr>
+          <p:cNvSpPr>
+            <a:spLocks noGrp="1"/>
+          </p:cNvSpPr>
+          <p:nvPr>
+            <p:ph type="title"/>
+          </p:nvPr>
+        </p:nvSpPr>
+        <p:spPr/>
+        <p:txBody>
+          <a:bodyPr/>
+          <a:lstStyle/>
+          <a:p>
+            <a:r>
+              <a:rPr lang="en-GB" dirty="0"/>
+              <a:t>Solution Strengths</a:t>
+            </a:r>
+            <a:endParaRPr lang="en-AU" dirty="0"/>
+          </a:p>
+        </p:txBody>
+      </p:sp>
+      <p:sp>
+        <p:nvSpPr>
+          <p:cNvPr id="4" name="TextBox 3">
+            <a:extLst>
+              <a:ext uri="{FF2B5EF4-FFF2-40B4-BE49-F238E27FC236}">
+                <a16:creationId xmlns:a16="http://schemas.microsoft.com/office/drawing/2014/main" id="{277BDEB3-7778-40F6-9D84-49AA695757C4}"/>
+              </a:ext>
+            </a:extLst>
+          </p:cNvPr>
+          <p:cNvSpPr txBox="1"/>
+          <p:nvPr/>
+        </p:nvSpPr>
+        <p:spPr>
+          <a:xfrm>
+            <a:off x="583986" y="1644241"/>
+            <a:ext cx="2857500" cy="1905000"/>
+          </a:xfrm>
+          <a:prstGeom prst="rect">
+            <a:avLst/>
+          </a:prstGeom>
+          <a:noFill/>
+        </p:spPr>
+        <p:txBody>
+          <a:bodyPr wrap="square" rtlCol="0">
+            <a:spAutoFit/>
+          </a:bodyPr>
+          <a:lstStyle/>
+          <a:p>
+            <a:pPr algn="ctr"/>
+            <a:r>
+              <a:rPr lang="en-GB" sz="2400" dirty="0">
+                <a:latin typeface="Aharoni" panose="02010803020104030203" pitchFamily="2" charset="-79"/>
+                <a:cs typeface="Aharoni" panose="02010803020104030203" pitchFamily="2" charset="-79"/>
+              </a:rPr>
+              <a:t>Speed</a:t>
+            </a:r>
+          </a:p>
+          <a:p>
+            <a:pPr algn="ctr"/>
+            <a:endParaRPr lang="en-GB" sz="2400" dirty="0">
+              <a:latin typeface="Aharoni" panose="02010803020104030203" pitchFamily="2" charset="-79"/>
+              <a:cs typeface="Aharoni" panose="02010803020104030203" pitchFamily="2" charset="-79"/>
+            </a:endParaRPr>
+          </a:p>
+          <a:p>
+            <a:pPr algn="ctr"/>
+            <a:r>
+              <a:rPr lang="en-GB" sz="2400" dirty="0">
+                <a:latin typeface="Aharoni" panose="02010803020104030203" pitchFamily="2" charset="-79"/>
+                <a:cs typeface="Aharoni" panose="02010803020104030203" pitchFamily="2" charset="-79"/>
+              </a:rPr>
+              <a:t>Automated analysis in seconds</a:t>
+            </a:r>
+            <a:endParaRPr lang="en-AU" sz="2400" dirty="0">
+              <a:latin typeface="Aharoni" panose="02010803020104030203" pitchFamily="2" charset="-79"/>
+              <a:cs typeface="Aharoni" panose="02010803020104030203" pitchFamily="2" charset="-79"/>
+            </a:endParaRPr>
+          </a:p>
+        </p:txBody>
+      </p:sp>
+      <p:sp>
+        <p:nvSpPr>
+          <p:cNvPr id="5" name="TextBox 4">
+            <a:extLst>
+              <a:ext uri="{FF2B5EF4-FFF2-40B4-BE49-F238E27FC236}">
+                <a16:creationId xmlns:a16="http://schemas.microsoft.com/office/drawing/2014/main" id="{3A3161C5-FDE5-4D20-94B2-5F062E30C087}"/>
+              </a:ext>
+            </a:extLst>
+          </p:cNvPr>
+          <p:cNvSpPr txBox="1"/>
+          <p:nvPr/>
+        </p:nvSpPr>
+        <p:spPr>
+          <a:xfrm>
+            <a:off x="3621003" y="1644241"/>
+            <a:ext cx="2857500" cy="1905000"/>
+          </a:xfrm>
+          <a:prstGeom prst="rect">
+            <a:avLst/>
+          </a:prstGeom>
+          <a:noFill/>
+        </p:spPr>
+        <p:txBody>
+          <a:bodyPr wrap="square" rtlCol="0">
+            <a:spAutoFit/>
+          </a:bodyPr>
+          <a:lstStyle/>
+          <a:p>
+            <a:pPr algn="ctr"/>
+            <a:r>
+              <a:rPr lang="en-GB" sz="2400" b="1" dirty="0">
+                <a:latin typeface="Aharoni" panose="02010803020104030203" pitchFamily="2" charset="-79"/>
+                <a:cs typeface="Aharoni" panose="02010803020104030203" pitchFamily="2" charset="-79"/>
+              </a:rPr>
+              <a:t>Originality</a:t>
+            </a:r>
+          </a:p>
+          <a:p>
+            <a:pPr algn="ctr"/>
+            <a:endParaRPr lang="en-GB" sz="2400" b="1" dirty="0">
+              <a:latin typeface="Aharoni" panose="02010803020104030203" pitchFamily="2" charset="-79"/>
+              <a:cs typeface="Aharoni" panose="02010803020104030203" pitchFamily="2" charset="-79"/>
+            </a:endParaRPr>
+          </a:p>
+          <a:p>
+            <a:pPr algn="ctr"/>
+            <a:r>
+              <a:rPr lang="en-GB" sz="2400" b="1" dirty="0">
+                <a:latin typeface="Aharoni" panose="02010803020104030203" pitchFamily="2" charset="-79"/>
+                <a:cs typeface="Aharoni" panose="02010803020104030203" pitchFamily="2" charset="-79"/>
+              </a:rPr>
+              <a:t>Obtain unique investment signals</a:t>
+            </a:r>
+            <a:endParaRPr lang="en-AU" sz="2400" b="1" dirty="0">
+              <a:latin typeface="Aharoni" panose="02010803020104030203" pitchFamily="2" charset="-79"/>
+              <a:cs typeface="Aharoni" panose="02010803020104030203" pitchFamily="2" charset="-79"/>
+            </a:endParaRPr>
+          </a:p>
+        </p:txBody>
+      </p:sp>
+      <p:sp>
+        <p:nvSpPr>
+          <p:cNvPr id="6" name="TextBox 5">
+            <a:extLst>
+              <a:ext uri="{FF2B5EF4-FFF2-40B4-BE49-F238E27FC236}">
+                <a16:creationId xmlns:a16="http://schemas.microsoft.com/office/drawing/2014/main" id="{78193B1B-DA4A-4891-843F-EC4E8EC18D23}"/>
+              </a:ext>
+            </a:extLst>
+          </p:cNvPr>
+          <p:cNvSpPr txBox="1"/>
+          <p:nvPr/>
+        </p:nvSpPr>
+        <p:spPr>
+          <a:xfrm>
+            <a:off x="6658020" y="1644241"/>
+            <a:ext cx="2857500" cy="1905000"/>
+          </a:xfrm>
+          <a:prstGeom prst="rect">
+            <a:avLst/>
+          </a:prstGeom>
+          <a:noFill/>
+        </p:spPr>
+        <p:txBody>
+          <a:bodyPr wrap="square" rtlCol="0">
+            <a:spAutoFit/>
+          </a:bodyPr>
+          <a:lstStyle/>
+          <a:p>
+            <a:pPr algn="ctr"/>
+            <a:r>
+              <a:rPr lang="en-GB" sz="2400" b="1" dirty="0">
+                <a:latin typeface="Aharoni" panose="02010803020104030203" pitchFamily="2" charset="-79"/>
+                <a:cs typeface="Aharoni" panose="02010803020104030203" pitchFamily="2" charset="-79"/>
+              </a:rPr>
+              <a:t>Freedom</a:t>
+            </a:r>
+          </a:p>
+          <a:p>
+            <a:pPr algn="ctr"/>
+            <a:endParaRPr lang="en-GB" sz="2400" b="1" dirty="0">
+              <a:latin typeface="Aharoni" panose="02010803020104030203" pitchFamily="2" charset="-79"/>
+              <a:cs typeface="Aharoni" panose="02010803020104030203" pitchFamily="2" charset="-79"/>
+            </a:endParaRPr>
+          </a:p>
+          <a:p>
+            <a:pPr algn="ctr"/>
+            <a:r>
+              <a:rPr lang="en-GB" sz="2400" b="1" dirty="0">
+                <a:latin typeface="Aharoni" panose="02010803020104030203" pitchFamily="2" charset="-79"/>
+                <a:cs typeface="Aharoni" panose="02010803020104030203" pitchFamily="2" charset="-79"/>
+              </a:rPr>
+              <a:t>No longer limited to third party analyses</a:t>
+            </a:r>
+            <a:endParaRPr lang="en-AU" sz="2400" b="1" dirty="0">
+              <a:latin typeface="Aharoni" panose="02010803020104030203" pitchFamily="2" charset="-79"/>
+              <a:cs typeface="Aharoni" panose="02010803020104030203" pitchFamily="2" charset="-79"/>
+            </a:endParaRPr>
+          </a:p>
+        </p:txBody>
+      </p:sp>
+      <p:cxnSp>
+        <p:nvCxnSpPr>
+          <p:cNvPr id="11" name="Straight Connector 10">
+            <a:extLst>
+              <a:ext uri="{FF2B5EF4-FFF2-40B4-BE49-F238E27FC236}">
+                <a16:creationId xmlns:a16="http://schemas.microsoft.com/office/drawing/2014/main" id="{58EDF715-D08B-43A0-B498-848F5014E490}"/>
+              </a:ext>
+            </a:extLst>
+          </p:cNvPr>
+          <p:cNvCxnSpPr/>
+          <p:nvPr/>
+        </p:nvCxnSpPr>
+        <p:spPr>
+          <a:xfrm>
+            <a:off x="1118586" y="2166151"/>
+            <a:ext cx="1757779" cy="0"/>
+          </a:xfrm>
+          <a:prstGeom prst="line">
+            <a:avLst/>
+          </a:prstGeom>
+          <a:ln w="19050">
+            <a:solidFill>
+              <a:schemeClr val="tx1"/>
+            </a:solidFill>
+          </a:ln>
+        </p:spPr>
+        <p:style>
+          <a:lnRef idx="1">
+            <a:schemeClr val="accent1"/>
+          </a:lnRef>
+          <a:fillRef idx="0">
+            <a:schemeClr val="accent1"/>
+          </a:fillRef>
+          <a:effectRef idx="0">
+            <a:schemeClr val="accent1"/>
+          </a:effectRef>
+          <a:fontRef idx="minor">
+            <a:schemeClr val="tx1"/>
+          </a:fontRef>
+        </p:style>
+      </p:cxnSp>
+      <p:cxnSp>
+        <p:nvCxnSpPr>
+          <p:cNvPr id="12" name="Straight Connector 11">
+            <a:extLst>
+              <a:ext uri="{FF2B5EF4-FFF2-40B4-BE49-F238E27FC236}">
+                <a16:creationId xmlns:a16="http://schemas.microsoft.com/office/drawing/2014/main" id="{509F250D-E404-4FBD-A7F0-F3F85797E92B}"/>
+              </a:ext>
+            </a:extLst>
+          </p:cNvPr>
+          <p:cNvCxnSpPr/>
+          <p:nvPr/>
+        </p:nvCxnSpPr>
+        <p:spPr>
+          <a:xfrm>
+            <a:off x="4161422" y="2167630"/>
+            <a:ext cx="1757779" cy="0"/>
+          </a:xfrm>
+          <a:prstGeom prst="line">
+            <a:avLst/>
+          </a:prstGeom>
+          <a:ln w="19050">
+            <a:solidFill>
+              <a:schemeClr val="tx1"/>
+            </a:solidFill>
+          </a:ln>
+        </p:spPr>
+        <p:style>
+          <a:lnRef idx="1">
+            <a:schemeClr val="accent1"/>
+          </a:lnRef>
+          <a:fillRef idx="0">
+            <a:schemeClr val="accent1"/>
+          </a:fillRef>
+          <a:effectRef idx="0">
+            <a:schemeClr val="accent1"/>
+          </a:effectRef>
+          <a:fontRef idx="minor">
+            <a:schemeClr val="tx1"/>
+          </a:fontRef>
+        </p:style>
+      </p:cxnSp>
+      <p:cxnSp>
+        <p:nvCxnSpPr>
+          <p:cNvPr id="13" name="Straight Connector 12">
+            <a:extLst>
+              <a:ext uri="{FF2B5EF4-FFF2-40B4-BE49-F238E27FC236}">
+                <a16:creationId xmlns:a16="http://schemas.microsoft.com/office/drawing/2014/main" id="{AB2A4B21-CE17-4C56-8055-8B3DC05952CA}"/>
+              </a:ext>
+            </a:extLst>
+          </p:cNvPr>
+          <p:cNvCxnSpPr/>
+          <p:nvPr/>
+        </p:nvCxnSpPr>
+        <p:spPr>
+          <a:xfrm>
+            <a:off x="7174637" y="2166151"/>
+            <a:ext cx="1757779" cy="0"/>
+          </a:xfrm>
+          <a:prstGeom prst="line">
+            <a:avLst/>
+          </a:prstGeom>
+          <a:ln w="19050">
+            <a:solidFill>
+              <a:schemeClr val="tx1"/>
+            </a:solidFill>
+          </a:ln>
+        </p:spPr>
+        <p:style>
+          <a:lnRef idx="1">
+            <a:schemeClr val="accent1"/>
+          </a:lnRef>
+          <a:fillRef idx="0">
+            <a:schemeClr val="accent1"/>
+          </a:fillRef>
+          <a:effectRef idx="0">
+            <a:schemeClr val="accent1"/>
+          </a:effectRef>
+          <a:fontRef idx="minor">
+            <a:schemeClr val="tx1"/>
+          </a:fontRef>
+        </p:style>
+      </p:cxnSp>
+      <p:sp>
+        <p:nvSpPr>
+          <p:cNvPr id="14" name="TextBox 13">
+            <a:extLst>
+              <a:ext uri="{FF2B5EF4-FFF2-40B4-BE49-F238E27FC236}">
+                <a16:creationId xmlns:a16="http://schemas.microsoft.com/office/drawing/2014/main" id="{1379C127-5A7F-4A39-8B70-D7A5E384BA52}"/>
+              </a:ext>
+            </a:extLst>
+          </p:cNvPr>
+          <p:cNvSpPr txBox="1"/>
+          <p:nvPr/>
+        </p:nvSpPr>
+        <p:spPr>
+          <a:xfrm>
+            <a:off x="8646850" y="5153481"/>
+            <a:ext cx="1233997" cy="338554"/>
+          </a:xfrm>
+          <a:prstGeom prst="rect">
+            <a:avLst/>
+          </a:prstGeom>
+          <a:noFill/>
+        </p:spPr>
+        <p:txBody>
+          <a:bodyPr wrap="square" rtlCol="0">
+            <a:spAutoFit/>
+          </a:bodyPr>
+          <a:lstStyle/>
+          <a:p>
+            <a:r>
+              <a:rPr lang="en-GB" sz="1600" dirty="0"/>
+              <a:t>lenaion.com</a:t>
+            </a:r>
+            <a:endParaRPr lang="en-AU" sz="1600" dirty="0"/>
+          </a:p>
+        </p:txBody>
+      </p:sp>
+      <p:sp>
+        <p:nvSpPr>
+          <p:cNvPr id="15" name="TextBox 14">
+            <a:extLst>
+              <a:ext uri="{FF2B5EF4-FFF2-40B4-BE49-F238E27FC236}">
+                <a16:creationId xmlns:a16="http://schemas.microsoft.com/office/drawing/2014/main" id="{D2BBE3AC-5B73-4A1F-9C75-A804C65BFC23}"/>
+              </a:ext>
+            </a:extLst>
+          </p:cNvPr>
+          <p:cNvSpPr txBox="1"/>
+          <p:nvPr/>
+        </p:nvSpPr>
+        <p:spPr>
+          <a:xfrm>
+            <a:off x="199778" y="5153481"/>
+            <a:ext cx="1961965" cy="338554"/>
+          </a:xfrm>
+          <a:prstGeom prst="rect">
+            <a:avLst/>
+          </a:prstGeom>
+          <a:noFill/>
+        </p:spPr>
+        <p:txBody>
+          <a:bodyPr wrap="square" rtlCol="0">
+            <a:spAutoFit/>
+          </a:bodyPr>
+          <a:lstStyle/>
+          <a:p>
+            <a:r>
+              <a:rPr lang="en-GB" sz="1600" dirty="0" err="1"/>
+              <a:t>Lenaion</a:t>
+            </a:r>
+            <a:r>
+              <a:rPr lang="en-GB" sz="1600" dirty="0"/>
+              <a:t> Labs</a:t>
+            </a:r>
+            <a:endParaRPr lang="en-AU" sz="1600" dirty="0"/>
+          </a:p>
+        </p:txBody>
+      </p:sp>
+    </p:spTree>
+    <p:extLst>
+      <p:ext uri="{BB962C8B-B14F-4D97-AF65-F5344CB8AC3E}">
+        <p14:creationId xmlns:p14="http://schemas.microsoft.com/office/powerpoint/2010/main" val="3190314888"/>
+      </p:ext>
+    </p:extLst>
+  </p:cSld>
+  <p:clrMapOvr>
+    <a:masterClrMapping/>
+  </p:clrMapOvr>
+</p:sld>
+</file>
+
+<file path=ppt/slides/slide6.xml><?xml version="1.0" encoding="utf-8"?>
+<p:sld xmlns:a="http://schemas.openxmlformats.org/drawingml/2006/main" xmlns:r="http://schemas.openxmlformats.org/officeDocument/2006/relationships" xmlns:p="http://schemas.openxmlformats.org/presentationml/2006/main">
+  <p:cSld>
+    <p:spTree>
+      <p:nvGrpSpPr>
+        <p:cNvPr id="1" name=""/>
+        <p:cNvGrpSpPr/>
+        <p:nvPr/>
+      </p:nvGrpSpPr>
+      <p:grpSpPr>
+        <a:xfrm>
+          <a:off x="0" y="0"/>
+          <a:ext cx="0" cy="0"/>
+          <a:chOff x="0" y="0"/>
+          <a:chExt cx="0" cy="0"/>
+        </a:xfrm>
+      </p:grpSpPr>
+      <p:sp>
+        <p:nvSpPr>
+          <p:cNvPr id="2" name="Title 1">
+            <a:extLst>
+              <a:ext uri="{FF2B5EF4-FFF2-40B4-BE49-F238E27FC236}">
+                <a16:creationId xmlns:a16="http://schemas.microsoft.com/office/drawing/2014/main" id="{98280C60-9339-4137-ABC1-D09D8F6BFD74}"/>
+              </a:ext>
+            </a:extLst>
+          </p:cNvPr>
+          <p:cNvSpPr>
+            <a:spLocks noGrp="1"/>
+          </p:cNvSpPr>
+          <p:nvPr>
+            <p:ph type="title"/>
+          </p:nvPr>
+        </p:nvSpPr>
+        <p:spPr/>
+        <p:txBody>
+          <a:bodyPr/>
+          <a:lstStyle/>
+          <a:p>
+            <a:r>
+              <a:rPr lang="en-GB" dirty="0"/>
+              <a:t>The Solution</a:t>
+            </a:r>
+            <a:endParaRPr lang="en-AU" dirty="0"/>
+          </a:p>
+        </p:txBody>
+      </p:sp>
+      <p:sp>
+        <p:nvSpPr>
+          <p:cNvPr id="3" name="Content Placeholder 2">
+            <a:extLst>
+              <a:ext uri="{FF2B5EF4-FFF2-40B4-BE49-F238E27FC236}">
+                <a16:creationId xmlns:a16="http://schemas.microsoft.com/office/drawing/2014/main" id="{8EB06051-C0A6-4D8A-AF48-892917E20495}"/>
+              </a:ext>
+            </a:extLst>
+          </p:cNvPr>
+          <p:cNvSpPr>
+            <a:spLocks noGrp="1"/>
+          </p:cNvSpPr>
+          <p:nvPr>
+            <p:ph idx="1"/>
+          </p:nvPr>
+        </p:nvSpPr>
+        <p:spPr/>
+        <p:txBody>
+          <a:bodyPr>
+            <a:normAutofit/>
+          </a:bodyPr>
+          <a:lstStyle/>
+          <a:p>
+            <a:pPr marL="0" indent="0" algn="ctr">
+              <a:buNone/>
+            </a:pPr>
+            <a:r>
+              <a:rPr lang="en-GB" sz="2800" dirty="0"/>
+              <a:t>Our API provides investment teams</a:t>
+            </a:r>
+          </a:p>
+          <a:p>
+            <a:pPr marL="0" indent="0" algn="ctr">
+              <a:buNone/>
+            </a:pPr>
+            <a:r>
+              <a:rPr lang="en-GB" sz="2800" dirty="0"/>
+              <a:t>NLP-based tools </a:t>
+            </a:r>
+          </a:p>
+          <a:p>
+            <a:pPr marL="0" indent="0" algn="ctr">
+              <a:buNone/>
+            </a:pPr>
+            <a:r>
+              <a:rPr lang="en-GB" sz="2800" dirty="0"/>
+              <a:t>that analyse environmental and social factors</a:t>
+            </a:r>
+          </a:p>
+          <a:p>
+            <a:pPr marL="0" indent="0" algn="ctr">
+              <a:buNone/>
+            </a:pPr>
+            <a:r>
+              <a:rPr lang="en-GB" sz="2800" dirty="0"/>
+              <a:t>to maximise impact</a:t>
+            </a:r>
+            <a:endParaRPr lang="en-AU" sz="2800" dirty="0"/>
+          </a:p>
+        </p:txBody>
+      </p:sp>
+      <p:sp>
+        <p:nvSpPr>
+          <p:cNvPr id="4" name="TextBox 3">
+            <a:extLst>
+              <a:ext uri="{FF2B5EF4-FFF2-40B4-BE49-F238E27FC236}">
+                <a16:creationId xmlns:a16="http://schemas.microsoft.com/office/drawing/2014/main" id="{2BCC3811-DA3B-49A6-BCBD-BBEC179D15B4}"/>
+              </a:ext>
+            </a:extLst>
+          </p:cNvPr>
+          <p:cNvSpPr txBox="1"/>
+          <p:nvPr/>
+        </p:nvSpPr>
+        <p:spPr>
+          <a:xfrm>
+            <a:off x="8646850" y="5153481"/>
+            <a:ext cx="1233997" cy="338554"/>
+          </a:xfrm>
+          <a:prstGeom prst="rect">
+            <a:avLst/>
+          </a:prstGeom>
+          <a:noFill/>
+        </p:spPr>
+        <p:txBody>
+          <a:bodyPr wrap="square" rtlCol="0">
+            <a:spAutoFit/>
+          </a:bodyPr>
+          <a:lstStyle/>
+          <a:p>
+            <a:r>
+              <a:rPr lang="en-GB" sz="1600" dirty="0"/>
+              <a:t>lenaion.com</a:t>
+            </a:r>
+            <a:endParaRPr lang="en-AU" sz="1600" dirty="0"/>
+          </a:p>
+        </p:txBody>
+      </p:sp>
+      <p:sp>
+        <p:nvSpPr>
+          <p:cNvPr id="5" name="TextBox 4">
+            <a:extLst>
+              <a:ext uri="{FF2B5EF4-FFF2-40B4-BE49-F238E27FC236}">
+                <a16:creationId xmlns:a16="http://schemas.microsoft.com/office/drawing/2014/main" id="{330F5F22-3C63-464B-8FC3-E7BC998A1D38}"/>
+              </a:ext>
+            </a:extLst>
+          </p:cNvPr>
+          <p:cNvSpPr txBox="1"/>
+          <p:nvPr/>
+        </p:nvSpPr>
+        <p:spPr>
+          <a:xfrm>
+            <a:off x="199778" y="5153481"/>
+            <a:ext cx="1961965" cy="338554"/>
+          </a:xfrm>
+          <a:prstGeom prst="rect">
+            <a:avLst/>
+          </a:prstGeom>
+          <a:noFill/>
+        </p:spPr>
+        <p:txBody>
+          <a:bodyPr wrap="square" rtlCol="0">
+            <a:spAutoFit/>
+          </a:bodyPr>
+          <a:lstStyle/>
+          <a:p>
+            <a:r>
+              <a:rPr lang="en-GB" sz="1600" dirty="0" err="1"/>
+              <a:t>Lenaion</a:t>
+            </a:r>
+            <a:r>
+              <a:rPr lang="en-GB" sz="1600" dirty="0"/>
+              <a:t> Labs</a:t>
+            </a:r>
+            <a:endParaRPr lang="en-AU" sz="1600" dirty="0"/>
+          </a:p>
+        </p:txBody>
+      </p:sp>
+    </p:spTree>
+    <p:extLst>
+      <p:ext uri="{BB962C8B-B14F-4D97-AF65-F5344CB8AC3E}">
+        <p14:creationId xmlns:p14="http://schemas.microsoft.com/office/powerpoint/2010/main" val="1237137668"/>
+      </p:ext>
+    </p:extLst>
+  </p:cSld>
+  <p:clrMapOvr>
+    <a:masterClrMapping/>
+  </p:clrMapOvr>
+</p:sld>
+</file>
+
+<file path=ppt/slides/slide7.xml><?xml version="1.0" encoding="utf-8"?>
+<p:sld xmlns:a="http://schemas.openxmlformats.org/drawingml/2006/main" xmlns:r="http://schemas.openxmlformats.org/officeDocument/2006/relationships" xmlns:p="http://schemas.openxmlformats.org/presentationml/2006/main">
+  <p:cSld>
+    <p:spTree>
+      <p:nvGrpSpPr>
+        <p:cNvPr id="1" name=""/>
+        <p:cNvGrpSpPr/>
+        <p:nvPr/>
+      </p:nvGrpSpPr>
+      <p:grpSpPr>
+        <a:xfrm>
+          <a:off x="0" y="0"/>
+          <a:ext cx="0" cy="0"/>
+          <a:chOff x="0" y="0"/>
+          <a:chExt cx="0" cy="0"/>
+        </a:xfrm>
+      </p:grpSpPr>
+      <p:sp>
+        <p:nvSpPr>
+          <p:cNvPr id="2" name="Title 1">
+            <a:extLst>
+              <a:ext uri="{FF2B5EF4-FFF2-40B4-BE49-F238E27FC236}">
+                <a16:creationId xmlns:a16="http://schemas.microsoft.com/office/drawing/2014/main" id="{9DDA6A4A-33E1-4868-B3ED-104503CFD127}"/>
+              </a:ext>
+            </a:extLst>
+          </p:cNvPr>
+          <p:cNvSpPr>
+            <a:spLocks noGrp="1"/>
+          </p:cNvSpPr>
+          <p:nvPr>
+            <p:ph type="title"/>
+          </p:nvPr>
+        </p:nvSpPr>
+        <p:spPr/>
+        <p:txBody>
+          <a:bodyPr/>
+          <a:lstStyle/>
+          <a:p>
+            <a:r>
+              <a:rPr lang="en-GB" dirty="0"/>
+              <a:t>What we need</a:t>
+            </a:r>
+            <a:endParaRPr lang="en-AU" dirty="0"/>
+          </a:p>
+        </p:txBody>
+      </p:sp>
+      <p:sp>
+        <p:nvSpPr>
+          <p:cNvPr id="3" name="Content Placeholder 2">
+            <a:extLst>
+              <a:ext uri="{FF2B5EF4-FFF2-40B4-BE49-F238E27FC236}">
+                <a16:creationId xmlns:a16="http://schemas.microsoft.com/office/drawing/2014/main" id="{C4CB6D1E-9C40-4A66-8DFC-8A0867E7108B}"/>
+              </a:ext>
+            </a:extLst>
+          </p:cNvPr>
+          <p:cNvSpPr>
+            <a:spLocks noGrp="1"/>
+          </p:cNvSpPr>
+          <p:nvPr>
+            <p:ph idx="1"/>
+          </p:nvPr>
+        </p:nvSpPr>
+        <p:spPr/>
+        <p:txBody>
+          <a:bodyPr>
+            <a:normAutofit/>
+          </a:bodyPr>
+          <a:lstStyle/>
+          <a:p>
+            <a:pPr marL="0" indent="0">
+              <a:buNone/>
+            </a:pPr>
+            <a:r>
+              <a:rPr lang="en-GB" sz="2800" dirty="0"/>
+              <a:t>Advice</a:t>
+            </a:r>
+          </a:p>
+          <a:p>
+            <a:pPr marL="0" indent="0">
+              <a:buNone/>
+            </a:pPr>
+            <a:r>
+              <a:rPr lang="en-GB" sz="2800" dirty="0"/>
+              <a:t>Introductions</a:t>
+            </a:r>
+          </a:p>
+          <a:p>
+            <a:pPr marL="0" indent="0">
+              <a:buNone/>
+            </a:pPr>
+            <a:r>
+              <a:rPr lang="en-GB" sz="2800" dirty="0"/>
+              <a:t>Co-founder with industry connections</a:t>
+            </a:r>
+          </a:p>
+        </p:txBody>
+      </p:sp>
+      <p:sp>
+        <p:nvSpPr>
+          <p:cNvPr id="4" name="TextBox 3">
+            <a:extLst>
+              <a:ext uri="{FF2B5EF4-FFF2-40B4-BE49-F238E27FC236}">
+                <a16:creationId xmlns:a16="http://schemas.microsoft.com/office/drawing/2014/main" id="{D4A5CA89-2767-416C-AD18-C4C158B4DC2D}"/>
+              </a:ext>
+            </a:extLst>
+          </p:cNvPr>
+          <p:cNvSpPr txBox="1"/>
+          <p:nvPr/>
+        </p:nvSpPr>
+        <p:spPr>
+          <a:xfrm>
+            <a:off x="8646850" y="5153481"/>
+            <a:ext cx="1233997" cy="338554"/>
+          </a:xfrm>
+          <a:prstGeom prst="rect">
+            <a:avLst/>
+          </a:prstGeom>
+          <a:noFill/>
+        </p:spPr>
+        <p:txBody>
+          <a:bodyPr wrap="square" rtlCol="0">
+            <a:spAutoFit/>
+          </a:bodyPr>
+          <a:lstStyle/>
+          <a:p>
+            <a:r>
+              <a:rPr lang="en-GB" sz="1600" dirty="0"/>
+              <a:t>lenaion.com</a:t>
+            </a:r>
+            <a:endParaRPr lang="en-AU" sz="1600" dirty="0"/>
+          </a:p>
+        </p:txBody>
+      </p:sp>
+      <p:sp>
+        <p:nvSpPr>
+          <p:cNvPr id="5" name="TextBox 4">
+            <a:extLst>
+              <a:ext uri="{FF2B5EF4-FFF2-40B4-BE49-F238E27FC236}">
+                <a16:creationId xmlns:a16="http://schemas.microsoft.com/office/drawing/2014/main" id="{FF07F90F-B853-4243-A7CE-1B51E5968CA8}"/>
+              </a:ext>
+            </a:extLst>
+          </p:cNvPr>
+          <p:cNvSpPr txBox="1"/>
+          <p:nvPr/>
+        </p:nvSpPr>
+        <p:spPr>
+          <a:xfrm>
+            <a:off x="199778" y="5153481"/>
+            <a:ext cx="1961965" cy="338554"/>
+          </a:xfrm>
+          <a:prstGeom prst="rect">
+            <a:avLst/>
+          </a:prstGeom>
+          <a:noFill/>
+        </p:spPr>
+        <p:txBody>
+          <a:bodyPr wrap="square" rtlCol="0">
+            <a:spAutoFit/>
+          </a:bodyPr>
+          <a:lstStyle/>
+          <a:p>
+            <a:r>
+              <a:rPr lang="en-GB" sz="1600" dirty="0" err="1"/>
+              <a:t>Lenaion</a:t>
+            </a:r>
+            <a:r>
+              <a:rPr lang="en-GB" sz="1600" dirty="0"/>
+              <a:t> Labs</a:t>
+            </a:r>
+            <a:endParaRPr lang="en-AU" sz="1600" dirty="0"/>
+          </a:p>
+        </p:txBody>
+      </p:sp>
+    </p:spTree>
+    <p:extLst>
+      <p:ext uri="{BB962C8B-B14F-4D97-AF65-F5344CB8AC3E}">
+        <p14:creationId xmlns:p14="http://schemas.microsoft.com/office/powerpoint/2010/main" val="1366818736"/>
+      </p:ext>
+    </p:extLst>
+  </p:cSld>
+  <p:clrMapOvr>
+    <a:masterClrMapping/>
+  </p:clrMapOvr>
+</p:sld>
+</file>
+
+<file path=ppt/slides/slide8.xml><?xml version="1.0" encoding="utf-8"?>
+<p:sld xmlns:a="http://schemas.openxmlformats.org/drawingml/2006/main" xmlns:r="http://schemas.openxmlformats.org/officeDocument/2006/relationships" xmlns:p="http://schemas.openxmlformats.org/presentationml/2006/main">
+  <p:cSld>
+    <p:spTree>
+      <p:nvGrpSpPr>
+        <p:cNvPr id="1" name=""/>
+        <p:cNvGrpSpPr/>
+        <p:nvPr/>
+      </p:nvGrpSpPr>
+      <p:grpSpPr>
+        <a:xfrm>
+          <a:off x="0" y="0"/>
+          <a:ext cx="0" cy="0"/>
+          <a:chOff x="0" y="0"/>
+          <a:chExt cx="0" cy="0"/>
+        </a:xfrm>
+      </p:grpSpPr>
+      <p:sp>
+        <p:nvSpPr>
+          <p:cNvPr id="2" name="Title 1">
+            <a:extLst>
+              <a:ext uri="{FF2B5EF4-FFF2-40B4-BE49-F238E27FC236}">
+                <a16:creationId xmlns:a16="http://schemas.microsoft.com/office/drawing/2014/main" id="{42C430BB-27E1-4352-A23B-1DBB9784231E}"/>
+              </a:ext>
+            </a:extLst>
+          </p:cNvPr>
+          <p:cNvSpPr>
+            <a:spLocks noGrp="1"/>
+          </p:cNvSpPr>
+          <p:nvPr>
+            <p:ph type="title"/>
+          </p:nvPr>
+        </p:nvSpPr>
+        <p:spPr/>
+        <p:txBody>
+          <a:bodyPr/>
+          <a:lstStyle/>
+          <a:p>
+            <a:r>
+              <a:rPr lang="en-GB" dirty="0"/>
+              <a:t>Contact</a:t>
+            </a:r>
+            <a:endParaRPr lang="en-AU" dirty="0"/>
+          </a:p>
+        </p:txBody>
+      </p:sp>
+      <p:sp>
+        <p:nvSpPr>
+          <p:cNvPr id="3" name="Content Placeholder 2">
+            <a:extLst>
+              <a:ext uri="{FF2B5EF4-FFF2-40B4-BE49-F238E27FC236}">
+                <a16:creationId xmlns:a16="http://schemas.microsoft.com/office/drawing/2014/main" id="{61C2C79C-47B2-43E9-9BBB-88BE9D2CA39D}"/>
+              </a:ext>
+            </a:extLst>
+          </p:cNvPr>
+          <p:cNvSpPr>
+            <a:spLocks noGrp="1"/>
+          </p:cNvSpPr>
+          <p:nvPr>
+            <p:ph idx="1"/>
+          </p:nvPr>
+        </p:nvSpPr>
+        <p:spPr/>
+        <p:txBody>
+          <a:bodyPr/>
+          <a:lstStyle/>
+          <a:p>
+            <a:pPr marL="0" indent="0">
+              <a:buNone/>
+            </a:pPr>
+            <a:r>
+              <a:rPr lang="en-GB" dirty="0"/>
+              <a:t>Nathan White</a:t>
+            </a:r>
+            <a:r>
+              <a:rPr lang="en-AU" dirty="0"/>
+              <a:t>, Founder, </a:t>
+            </a:r>
+            <a:r>
+              <a:rPr lang="en-AU" dirty="0" err="1"/>
+              <a:t>Lenaion</a:t>
+            </a:r>
+            <a:r>
+              <a:rPr lang="en-AU" dirty="0"/>
+              <a:t> Labs</a:t>
+            </a:r>
+          </a:p>
+          <a:p>
+            <a:pPr marL="0" indent="0">
+              <a:buNone/>
+            </a:pPr>
+            <a:r>
+              <a:rPr lang="en-AU" dirty="0"/>
+              <a:t>Phone: 0410 432 092</a:t>
+            </a:r>
+          </a:p>
+          <a:p>
+            <a:pPr marL="0" indent="0">
+              <a:buNone/>
+            </a:pPr>
+            <a:r>
+              <a:rPr lang="en-AU" dirty="0"/>
+              <a:t>Email: </a:t>
+            </a:r>
+            <a:r>
+              <a:rPr lang="en-AU" dirty="0">
+                <a:hlinkClick r:id="rId2">
+                  <a:extLst>
+                    <a:ext uri="{A12FA001-AC4F-418D-AE19-62706E023703}">
+                      <ahyp:hlinkClr xmlns:ahyp="http://schemas.microsoft.com/office/drawing/2018/hyperlinkcolor" val="tx"/>
+                    </a:ext>
+                  </a:extLst>
+                </a:hlinkClick>
+              </a:rPr>
+              <a:t>contact@lenaion.com</a:t>
+            </a:r>
+            <a:endParaRPr lang="en-AU" dirty="0"/>
+          </a:p>
+          <a:p>
+            <a:pPr marL="0" indent="0">
+              <a:buNone/>
+            </a:pPr>
+            <a:r>
+              <a:rPr lang="en-AU" dirty="0"/>
+              <a:t>LinkedIn: linkedin.com/in/</a:t>
+            </a:r>
+            <a:r>
+              <a:rPr lang="en-AU" dirty="0" err="1"/>
+              <a:t>nathanmwhite</a:t>
+            </a:r>
+            <a:endParaRPr lang="en-AU" dirty="0"/>
+          </a:p>
+        </p:txBody>
+      </p:sp>
+      <p:sp>
+        <p:nvSpPr>
+          <p:cNvPr id="4" name="TextBox 3">
+            <a:extLst>
+              <a:ext uri="{FF2B5EF4-FFF2-40B4-BE49-F238E27FC236}">
+                <a16:creationId xmlns:a16="http://schemas.microsoft.com/office/drawing/2014/main" id="{5DD1354D-5540-4A42-BD11-F2D1DE2DE0CD}"/>
+              </a:ext>
+            </a:extLst>
+          </p:cNvPr>
+          <p:cNvSpPr txBox="1"/>
+          <p:nvPr/>
+        </p:nvSpPr>
+        <p:spPr>
+          <a:xfrm>
+            <a:off x="8646850" y="5153481"/>
+            <a:ext cx="1233997" cy="338554"/>
+          </a:xfrm>
+          <a:prstGeom prst="rect">
+            <a:avLst/>
+          </a:prstGeom>
+          <a:noFill/>
+        </p:spPr>
+        <p:txBody>
+          <a:bodyPr wrap="square" rtlCol="0">
+            <a:spAutoFit/>
+          </a:bodyPr>
+          <a:lstStyle/>
+          <a:p>
+            <a:r>
+              <a:rPr lang="en-GB" sz="1600" dirty="0"/>
+              <a:t>lenaion.com</a:t>
+            </a:r>
+            <a:endParaRPr lang="en-AU" sz="1600" dirty="0"/>
+          </a:p>
+        </p:txBody>
+      </p:sp>
+      <p:sp>
+        <p:nvSpPr>
+          <p:cNvPr id="5" name="TextBox 4">
+            <a:extLst>
+              <a:ext uri="{FF2B5EF4-FFF2-40B4-BE49-F238E27FC236}">
+                <a16:creationId xmlns:a16="http://schemas.microsoft.com/office/drawing/2014/main" id="{C48334A0-8FFB-4E51-BD24-FF7BDB2E74E7}"/>
+              </a:ext>
+            </a:extLst>
+          </p:cNvPr>
+          <p:cNvSpPr txBox="1"/>
+          <p:nvPr/>
+        </p:nvSpPr>
+        <p:spPr>
+          <a:xfrm>
+            <a:off x="199778" y="5153481"/>
+            <a:ext cx="1961965" cy="338554"/>
+          </a:xfrm>
+          <a:prstGeom prst="rect">
+            <a:avLst/>
+          </a:prstGeom>
+          <a:noFill/>
+        </p:spPr>
+        <p:txBody>
+          <a:bodyPr wrap="square" rtlCol="0">
+            <a:spAutoFit/>
+          </a:bodyPr>
+          <a:lstStyle/>
+          <a:p>
+            <a:r>
+              <a:rPr lang="en-GB" sz="1600" dirty="0" err="1"/>
+              <a:t>Lenaion</a:t>
+            </a:r>
+            <a:r>
+              <a:rPr lang="en-GB" sz="1600" dirty="0"/>
+              <a:t> Labs</a:t>
+            </a:r>
+            <a:endParaRPr lang="en-AU" sz="1600" dirty="0"/>
+          </a:p>
+        </p:txBody>
+      </p:sp>
+    </p:spTree>
+    <p:extLst>
+      <p:ext uri="{BB962C8B-B14F-4D97-AF65-F5344CB8AC3E}">
+        <p14:creationId xmlns:p14="http://schemas.microsoft.com/office/powerpoint/2010/main" val="1161373153"/>
       </p:ext>
     </p:extLst>
   </p:cSld>
@@ -3038,6 +6433,301 @@
 </file>
 
 <file path=ppt/theme/theme1.xml><?xml version="1.0" encoding="utf-8"?>
+<a:theme xmlns:a="http://schemas.openxmlformats.org/drawingml/2006/main" name="Office Theme">
+  <a:themeElements>
+    <a:clrScheme name="Blue II">
+      <a:dk1>
+        <a:sysClr val="windowText" lastClr="000000"/>
+      </a:dk1>
+      <a:lt1>
+        <a:sysClr val="window" lastClr="FFFFFF"/>
+      </a:lt1>
+      <a:dk2>
+        <a:srgbClr val="335B74"/>
+      </a:dk2>
+      <a:lt2>
+        <a:srgbClr val="DFE3E5"/>
+      </a:lt2>
+      <a:accent1>
+        <a:srgbClr val="1CADE4"/>
+      </a:accent1>
+      <a:accent2>
+        <a:srgbClr val="2683C6"/>
+      </a:accent2>
+      <a:accent3>
+        <a:srgbClr val="27CED7"/>
+      </a:accent3>
+      <a:accent4>
+        <a:srgbClr val="42BA97"/>
+      </a:accent4>
+      <a:accent5>
+        <a:srgbClr val="3E8853"/>
+      </a:accent5>
+      <a:accent6>
+        <a:srgbClr val="62A39F"/>
+      </a:accent6>
+      <a:hlink>
+        <a:srgbClr val="6EAC1C"/>
+      </a:hlink>
+      <a:folHlink>
+        <a:srgbClr val="B26B02"/>
+      </a:folHlink>
+    </a:clrScheme>
+    <a:fontScheme name="Office">
+      <a:majorFont>
+        <a:latin typeface="Calibri Light" panose="020F0302020204030204"/>
+        <a:ea typeface=""/>
+        <a:cs typeface=""/>
+        <a:font script="Jpan" typeface="游ゴシック Light"/>
+        <a:font script="Hang" typeface="맑은 고딕"/>
+        <a:font script="Hans" typeface="等线 Light"/>
+        <a:font script="Hant" typeface="新細明體"/>
+        <a:font script="Arab" typeface="Times New Roman"/>
+        <a:font script="Hebr" typeface="Times New Roman"/>
+        <a:font script="Thai" typeface="Angsana New"/>
+        <a:font script="Ethi" typeface="Nyala"/>
+        <a:font script="Beng" typeface="Vrinda"/>
+        <a:font script="Gujr" typeface="Shruti"/>
+        <a:font script="Khmr" typeface="MoolBoran"/>
+        <a:font script="Knda" typeface="Tunga"/>
+        <a:font script="Guru" typeface="Raavi"/>
+        <a:font script="Cans" typeface="Euphemia"/>
+        <a:font script="Cher" typeface="Plantagenet Cherokee"/>
+        <a:font script="Yiii" typeface="Microsoft Yi Baiti"/>
+        <a:font script="Tibt" typeface="Microsoft Himalaya"/>
+        <a:font script="Thaa" typeface="MV Boli"/>
+        <a:font script="Deva" typeface="Mangal"/>
+        <a:font script="Telu" typeface="Gautami"/>
+        <a:font script="Taml" typeface="Latha"/>
+        <a:font script="Syrc" typeface="Estrangelo Edessa"/>
+        <a:font script="Orya" typeface="Kalinga"/>
+        <a:font script="Mlym" typeface="Kartika"/>
+        <a:font script="Laoo" typeface="DokChampa"/>
+        <a:font script="Sinh" typeface="Iskoola Pota"/>
+        <a:font script="Mong" typeface="Mongolian Baiti"/>
+        <a:font script="Viet" typeface="Times New Roman"/>
+        <a:font script="Uigh" typeface="Microsoft Uighur"/>
+        <a:font script="Geor" typeface="Sylfaen"/>
+        <a:font script="Armn" typeface="Arial"/>
+        <a:font script="Bugi" typeface="Leelawadee UI"/>
+        <a:font script="Bopo" typeface="Microsoft JhengHei"/>
+        <a:font script="Java" typeface="Javanese Text"/>
+        <a:font script="Lisu" typeface="Segoe UI"/>
+        <a:font script="Mymr" typeface="Myanmar Text"/>
+        <a:font script="Nkoo" typeface="Ebrima"/>
+        <a:font script="Olck" typeface="Nirmala UI"/>
+        <a:font script="Osma" typeface="Ebrima"/>
+        <a:font script="Phag" typeface="Phagspa"/>
+        <a:font script="Syrn" typeface="Estrangelo Edessa"/>
+        <a:font script="Syrj" typeface="Estrangelo Edessa"/>
+        <a:font script="Syre" typeface="Estrangelo Edessa"/>
+        <a:font script="Sora" typeface="Nirmala UI"/>
+        <a:font script="Tale" typeface="Microsoft Tai Le"/>
+        <a:font script="Talu" typeface="Microsoft New Tai Lue"/>
+        <a:font script="Tfng" typeface="Ebrima"/>
+      </a:majorFont>
+      <a:minorFont>
+        <a:latin typeface="Calibri" panose="020F0502020204030204"/>
+        <a:ea typeface=""/>
+        <a:cs typeface=""/>
+        <a:font script="Jpan" typeface="游ゴシック"/>
+        <a:font script="Hang" typeface="맑은 고딕"/>
+        <a:font script="Hans" typeface="等线"/>
+        <a:font script="Hant" typeface="新細明體"/>
+        <a:font script="Arab" typeface="Arial"/>
+        <a:font script="Hebr" typeface="Arial"/>
+        <a:font script="Thai" typeface="Cordia New"/>
+        <a:font script="Ethi" typeface="Nyala"/>
+        <a:font script="Beng" typeface="Vrinda"/>
+        <a:font script="Gujr" typeface="Shruti"/>
+        <a:font script="Khmr" typeface="DaunPenh"/>
+        <a:font script="Knda" typeface="Tunga"/>
+        <a:font script="Guru" typeface="Raavi"/>
+        <a:font script="Cans" typeface="Euphemia"/>
+        <a:font script="Cher" typeface="Plantagenet Cherokee"/>
+        <a:font script="Yiii" typeface="Microsoft Yi Baiti"/>
+        <a:font script="Tibt" typeface="Microsoft Himalaya"/>
+        <a:font script="Thaa" typeface="MV Boli"/>
+        <a:font script="Deva" typeface="Mangal"/>
+        <a:font script="Telu" typeface="Gautami"/>
+        <a:font script="Taml" typeface="Latha"/>
+        <a:font script="Syrc" typeface="Estrangelo Edessa"/>
+        <a:font script="Orya" typeface="Kalinga"/>
+        <a:font script="Mlym" typeface="Kartika"/>
+        <a:font script="Laoo" typeface="DokChampa"/>
+        <a:font script="Sinh" typeface="Iskoola Pota"/>
+        <a:font script="Mong" typeface="Mongolian Baiti"/>
+        <a:font script="Viet" typeface="Arial"/>
+        <a:font script="Uigh" typeface="Microsoft Uighur"/>
+        <a:font script="Geor" typeface="Sylfaen"/>
+        <a:font script="Armn" typeface="Arial"/>
+        <a:font script="Bugi" typeface="Leelawadee UI"/>
+        <a:font script="Bopo" typeface="Microsoft JhengHei"/>
+        <a:font script="Java" typeface="Javanese Text"/>
+        <a:font script="Lisu" typeface="Segoe UI"/>
+        <a:font script="Mymr" typeface="Myanmar Text"/>
+        <a:font script="Nkoo" typeface="Ebrima"/>
+        <a:font script="Olck" typeface="Nirmala UI"/>
+        <a:font script="Osma" typeface="Ebrima"/>
+        <a:font script="Phag" typeface="Phagspa"/>
+        <a:font script="Syrn" typeface="Estrangelo Edessa"/>
+        <a:font script="Syrj" typeface="Estrangelo Edessa"/>
+        <a:font script="Syre" typeface="Estrangelo Edessa"/>
+        <a:font script="Sora" typeface="Nirmala UI"/>
+        <a:font script="Tale" typeface="Microsoft Tai Le"/>
+        <a:font script="Talu" typeface="Microsoft New Tai Lue"/>
+        <a:font script="Tfng" typeface="Ebrima"/>
+      </a:minorFont>
+    </a:fontScheme>
+    <a:fmtScheme name="Office">
+      <a:fillStyleLst>
+        <a:solidFill>
+          <a:schemeClr val="phClr"/>
+        </a:solidFill>
+        <a:gradFill rotWithShape="1">
+          <a:gsLst>
+            <a:gs pos="0">
+              <a:schemeClr val="phClr">
+                <a:lumMod val="110000"/>
+                <a:satMod val="105000"/>
+                <a:tint val="67000"/>
+              </a:schemeClr>
+            </a:gs>
+            <a:gs pos="50000">
+              <a:schemeClr val="phClr">
+                <a:lumMod val="105000"/>
+                <a:satMod val="103000"/>
+                <a:tint val="73000"/>
+              </a:schemeClr>
+            </a:gs>
+            <a:gs pos="100000">
+              <a:schemeClr val="phClr">
+                <a:lumMod val="105000"/>
+                <a:satMod val="109000"/>
+                <a:tint val="81000"/>
+              </a:schemeClr>
+            </a:gs>
+          </a:gsLst>
+          <a:lin ang="5400000" scaled="0"/>
+        </a:gradFill>
+        <a:gradFill rotWithShape="1">
+          <a:gsLst>
+            <a:gs pos="0">
+              <a:schemeClr val="phClr">
+                <a:satMod val="103000"/>
+                <a:lumMod val="102000"/>
+                <a:tint val="94000"/>
+              </a:schemeClr>
+            </a:gs>
+            <a:gs pos="50000">
+              <a:schemeClr val="phClr">
+                <a:satMod val="110000"/>
+                <a:lumMod val="100000"/>
+                <a:shade val="100000"/>
+              </a:schemeClr>
+            </a:gs>
+            <a:gs pos="100000">
+              <a:schemeClr val="phClr">
+                <a:lumMod val="99000"/>
+                <a:satMod val="120000"/>
+                <a:shade val="78000"/>
+              </a:schemeClr>
+            </a:gs>
+          </a:gsLst>
+          <a:lin ang="5400000" scaled="0"/>
+        </a:gradFill>
+      </a:fillStyleLst>
+      <a:lnStyleLst>
+        <a:ln w="6350" cap="flat" cmpd="sng" algn="ctr">
+          <a:solidFill>
+            <a:schemeClr val="phClr"/>
+          </a:solidFill>
+          <a:prstDash val="solid"/>
+          <a:miter lim="800000"/>
+        </a:ln>
+        <a:ln w="12700" cap="flat" cmpd="sng" algn="ctr">
+          <a:solidFill>
+            <a:schemeClr val="phClr"/>
+          </a:solidFill>
+          <a:prstDash val="solid"/>
+          <a:miter lim="800000"/>
+        </a:ln>
+        <a:ln w="19050" cap="flat" cmpd="sng" algn="ctr">
+          <a:solidFill>
+            <a:schemeClr val="phClr"/>
+          </a:solidFill>
+          <a:prstDash val="solid"/>
+          <a:miter lim="800000"/>
+        </a:ln>
+      </a:lnStyleLst>
+      <a:effectStyleLst>
+        <a:effectStyle>
+          <a:effectLst/>
+        </a:effectStyle>
+        <a:effectStyle>
+          <a:effectLst/>
+        </a:effectStyle>
+        <a:effectStyle>
+          <a:effectLst>
+            <a:outerShdw blurRad="57150" dist="19050" dir="5400000" algn="ctr" rotWithShape="0">
+              <a:srgbClr val="000000">
+                <a:alpha val="63000"/>
+              </a:srgbClr>
+            </a:outerShdw>
+          </a:effectLst>
+        </a:effectStyle>
+      </a:effectStyleLst>
+      <a:bgFillStyleLst>
+        <a:solidFill>
+          <a:schemeClr val="phClr"/>
+        </a:solidFill>
+        <a:solidFill>
+          <a:schemeClr val="phClr">
+            <a:tint val="95000"/>
+            <a:satMod val="170000"/>
+          </a:schemeClr>
+        </a:solidFill>
+        <a:gradFill rotWithShape="1">
+          <a:gsLst>
+            <a:gs pos="0">
+              <a:schemeClr val="phClr">
+                <a:tint val="93000"/>
+                <a:satMod val="150000"/>
+                <a:shade val="98000"/>
+                <a:lumMod val="102000"/>
+              </a:schemeClr>
+            </a:gs>
+            <a:gs pos="50000">
+              <a:schemeClr val="phClr">
+                <a:tint val="98000"/>
+                <a:satMod val="130000"/>
+                <a:shade val="90000"/>
+                <a:lumMod val="103000"/>
+              </a:schemeClr>
+            </a:gs>
+            <a:gs pos="100000">
+              <a:schemeClr val="phClr">
+                <a:shade val="63000"/>
+                <a:satMod val="120000"/>
+              </a:schemeClr>
+            </a:gs>
+          </a:gsLst>
+          <a:lin ang="5400000" scaled="0"/>
+        </a:gradFill>
+      </a:bgFillStyleLst>
+    </a:fmtScheme>
+  </a:themeElements>
+  <a:objectDefaults/>
+  <a:extraClrSchemeLst/>
+  <a:extLst>
+    <a:ext uri="{05A4C25C-085E-4340-85A3-A5531E510DB2}">
+      <thm15:themeFamily xmlns:thm15="http://schemas.microsoft.com/office/thememl/2012/main" name="Office Theme" id="{62F939B6-93AF-4DB8-9C6B-D6C7DFDC589F}" vid="{4A3C46E8-61CC-4603-A589-7422A47A8E4A}"/>
+    </a:ext>
+  </a:extLst>
+</a:theme>
+</file>
+
+<file path=ppt/theme/theme2.xml><?xml version="1.0" encoding="utf-8"?>
 <a:theme xmlns:a="http://schemas.openxmlformats.org/drawingml/2006/main" name="Office Theme">
   <a:themeElements>
     <a:clrScheme name="Office">
@@ -3054,7 +6744,7 @@
         <a:srgbClr val="E7E6E6"/>
       </a:lt2>
       <a:accent1>
-        <a:srgbClr val="5B9BD5"/>
+        <a:srgbClr val="4472C4"/>
       </a:accent1>
       <a:accent2>
         <a:srgbClr val="ED7D31"/>
@@ -3066,7 +6756,7 @@
         <a:srgbClr val="FFC000"/>
       </a:accent4>
       <a:accent5>
-        <a:srgbClr val="4472C4"/>
+        <a:srgbClr val="5B9BD5"/>
       </a:accent5>
       <a:accent6>
         <a:srgbClr val="70AD47"/>
@@ -3113,6 +6803,23 @@
         <a:font script="Viet" typeface="Times New Roman"/>
         <a:font script="Uigh" typeface="Microsoft Uighur"/>
         <a:font script="Geor" typeface="Sylfaen"/>
+        <a:font script="Armn" typeface="Arial"/>
+        <a:font script="Bugi" typeface="Leelawadee UI"/>
+        <a:font script="Bopo" typeface="Microsoft JhengHei"/>
+        <a:font script="Java" typeface="Javanese Text"/>
+        <a:font script="Lisu" typeface="Segoe UI"/>
+        <a:font script="Mymr" typeface="Myanmar Text"/>
+        <a:font script="Nkoo" typeface="Ebrima"/>
+        <a:font script="Olck" typeface="Nirmala UI"/>
+        <a:font script="Osma" typeface="Ebrima"/>
+        <a:font script="Phag" typeface="Phagspa"/>
+        <a:font script="Syrn" typeface="Estrangelo Edessa"/>
+        <a:font script="Syrj" typeface="Estrangelo Edessa"/>
+        <a:font script="Syre" typeface="Estrangelo Edessa"/>
+        <a:font script="Sora" typeface="Nirmala UI"/>
+        <a:font script="Tale" typeface="Microsoft Tai Le"/>
+        <a:font script="Talu" typeface="Microsoft New Tai Lue"/>
+        <a:font script="Tfng" typeface="Ebrima"/>
       </a:majorFont>
       <a:minorFont>
         <a:latin typeface="Calibri" panose="020F0502020204030204"/>
@@ -3148,6 +6855,23 @@
         <a:font script="Viet" typeface="Arial"/>
         <a:font script="Uigh" typeface="Microsoft Uighur"/>
         <a:font script="Geor" typeface="Sylfaen"/>
+        <a:font script="Armn" typeface="Arial"/>
+        <a:font script="Bugi" typeface="Leelawadee UI"/>
+        <a:font script="Bopo" typeface="Microsoft JhengHei"/>
+        <a:font script="Java" typeface="Javanese Text"/>
+        <a:font script="Lisu" typeface="Segoe UI"/>
+        <a:font script="Mymr" typeface="Myanmar Text"/>
+        <a:font script="Nkoo" typeface="Ebrima"/>
+        <a:font script="Olck" typeface="Nirmala UI"/>
+        <a:font script="Osma" typeface="Ebrima"/>
+        <a:font script="Phag" typeface="Phagspa"/>
+        <a:font script="Syrn" typeface="Estrangelo Edessa"/>
+        <a:font script="Syrj" typeface="Estrangelo Edessa"/>
+        <a:font script="Syre" typeface="Estrangelo Edessa"/>
+        <a:font script="Sora" typeface="Nirmala UI"/>
+        <a:font script="Tale" typeface="Microsoft Tai Le"/>
+        <a:font script="Talu" typeface="Microsoft New Tai Lue"/>
+        <a:font script="Tfng" typeface="Ebrima"/>
       </a:minorFont>
     </a:fontScheme>
     <a:fmtScheme name="Office">
